--- a/Final_T & T Predictive Analytics_Violent Crime_01 14 21.pptx
+++ b/Final_T & T Predictive Analytics_Violent Crime_01 14 21.pptx
@@ -6,13 +6,12 @@
   </p:sldMasterIdLst>
   <p:sldIdLst>
     <p:sldId id="256" r:id="rId2"/>
-    <p:sldId id="265" r:id="rId3"/>
-    <p:sldId id="257" r:id="rId4"/>
-    <p:sldId id="258" r:id="rId5"/>
-    <p:sldId id="263" r:id="rId6"/>
-    <p:sldId id="264" r:id="rId7"/>
-    <p:sldId id="260" r:id="rId8"/>
-    <p:sldId id="266" r:id="rId9"/>
+    <p:sldId id="257" r:id="rId3"/>
+    <p:sldId id="258" r:id="rId4"/>
+    <p:sldId id="263" r:id="rId5"/>
+    <p:sldId id="264" r:id="rId6"/>
+    <p:sldId id="260" r:id="rId7"/>
+    <p:sldId id="266" r:id="rId8"/>
   </p:sldIdLst>
   <p:sldSz cx="12192000" cy="6858000"/>
   <p:notesSz cx="6858000" cy="9144000"/>
@@ -11564,5015 +11563,6 @@
       </p:grpSpPr>
       <p:sp useBgFill="1">
         <p:nvSpPr>
-          <p:cNvPr id="7172" name="Rectangle 72">
-            <a:extLst>
-              <a:ext uri="{FF2B5EF4-FFF2-40B4-BE49-F238E27FC236}">
-                <a16:creationId xmlns:a16="http://schemas.microsoft.com/office/drawing/2014/main" id="{D776D29F-0A2C-4F75-8582-7C7DFCBD11D5}"/>
-              </a:ext>
-              <a:ext uri="{C183D7F6-B498-43B3-948B-1728B52AA6E4}">
-                <adec:decorative xmlns:adec="http://schemas.microsoft.com/office/drawing/2017/decorative" val="1"/>
-              </a:ext>
-            </a:extLst>
-          </p:cNvPr>
-          <p:cNvSpPr>
-            <a:spLocks noGrp="1" noRot="1" noChangeAspect="1" noMove="1" noResize="1" noEditPoints="1" noAdjustHandles="1" noChangeArrowheads="1" noChangeShapeType="1" noTextEdit="1"/>
-          </p:cNvSpPr>
-          <p:nvPr>
-            <p:extLst>
-              <p:ext uri="{386F3935-93C4-4BCD-93E2-E3B085C9AB24}">
-                <p16:designElem xmlns:p16="http://schemas.microsoft.com/office/powerpoint/2015/main" val="1"/>
-              </p:ext>
-            </p:extLst>
-          </p:nvPr>
-        </p:nvSpPr>
-        <p:spPr>
-          <a:xfrm>
-            <a:off x="0" y="0"/>
-            <a:ext cx="12192000" cy="6858000"/>
-          </a:xfrm>
-          <a:prstGeom prst="rect">
-            <a:avLst/>
-          </a:prstGeom>
-          <a:solidFill>
-            <a:schemeClr val="tx1"/>
-          </a:solidFill>
-          <a:ln w="12700" cap="flat" cmpd="sng" algn="ctr">
-            <a:noFill/>
-            <a:prstDash val="solid"/>
-            <a:miter lim="800000"/>
-          </a:ln>
-          <a:effectLst/>
-        </p:spPr>
-        <p:style>
-          <a:lnRef idx="2">
-            <a:schemeClr val="accent1">
-              <a:shade val="50000"/>
-            </a:schemeClr>
-          </a:lnRef>
-          <a:fillRef idx="1">
-            <a:schemeClr val="accent1"/>
-          </a:fillRef>
-          <a:effectRef idx="0">
-            <a:schemeClr val="accent1"/>
-          </a:effectRef>
-          <a:fontRef idx="minor">
-            <a:schemeClr val="lt1"/>
-          </a:fontRef>
-        </p:style>
-        <p:txBody>
-          <a:bodyPr rtlCol="0" anchor="ctr"/>
-          <a:lstStyle/>
-          <a:p>
-            <a:pPr algn="ctr"/>
-            <a:endParaRPr lang="en-US"/>
-          </a:p>
-        </p:txBody>
-      </p:sp>
-      <p:sp>
-        <p:nvSpPr>
-          <p:cNvPr id="2" name="Title 1">
-            <a:extLst>
-              <a:ext uri="{FF2B5EF4-FFF2-40B4-BE49-F238E27FC236}">
-                <a16:creationId xmlns:a16="http://schemas.microsoft.com/office/drawing/2014/main" id="{6FBFD091-B181-47BC-94E9-113A32F94148}"/>
-              </a:ext>
-            </a:extLst>
-          </p:cNvPr>
-          <p:cNvSpPr>
-            <a:spLocks noGrp="1"/>
-          </p:cNvSpPr>
-          <p:nvPr>
-            <p:ph type="ctrTitle"/>
-          </p:nvPr>
-        </p:nvSpPr>
-        <p:spPr>
-          <a:xfrm>
-            <a:off x="838200" y="1174819"/>
-            <a:ext cx="4375151" cy="2858363"/>
-          </a:xfrm>
-        </p:spPr>
-        <p:txBody>
-          <a:bodyPr>
-            <a:normAutofit/>
-          </a:bodyPr>
-          <a:lstStyle/>
-          <a:p>
-            <a:pPr algn="l"/>
-            <a:r>
-              <a:rPr lang="en-US" sz="4000" b="1" i="1">
-                <a:solidFill>
-                  <a:schemeClr val="bg1"/>
-                </a:solidFill>
-              </a:rPr>
-              <a:t>T &amp; T Predictive Analytics Presents: </a:t>
-            </a:r>
-            <a:br>
-              <a:rPr lang="en-US" sz="4000" b="1" i="1">
-                <a:solidFill>
-                  <a:schemeClr val="bg1"/>
-                </a:solidFill>
-              </a:rPr>
-            </a:br>
-            <a:br>
-              <a:rPr lang="en-US" sz="4000" b="1">
-                <a:solidFill>
-                  <a:schemeClr val="bg1"/>
-                </a:solidFill>
-              </a:rPr>
-            </a:br>
-            <a:r>
-              <a:rPr lang="en-US" sz="4000" b="1">
-                <a:solidFill>
-                  <a:schemeClr val="bg1"/>
-                </a:solidFill>
-              </a:rPr>
-              <a:t>Violent Crime Predictor</a:t>
-            </a:r>
-          </a:p>
-        </p:txBody>
-      </p:sp>
-      <p:sp>
-        <p:nvSpPr>
-          <p:cNvPr id="3" name="Subtitle 2">
-            <a:extLst>
-              <a:ext uri="{FF2B5EF4-FFF2-40B4-BE49-F238E27FC236}">
-                <a16:creationId xmlns:a16="http://schemas.microsoft.com/office/drawing/2014/main" id="{B83A0C20-9DCF-4C43-B41E-32B8998AE03B}"/>
-              </a:ext>
-            </a:extLst>
-          </p:cNvPr>
-          <p:cNvSpPr>
-            <a:spLocks noGrp="1"/>
-          </p:cNvSpPr>
-          <p:nvPr>
-            <p:ph type="subTitle" idx="1"/>
-          </p:nvPr>
-        </p:nvSpPr>
-        <p:spPr>
-          <a:xfrm>
-            <a:off x="838200" y="4414180"/>
-            <a:ext cx="4377793" cy="1594508"/>
-          </a:xfrm>
-        </p:spPr>
-        <p:txBody>
-          <a:bodyPr>
-            <a:normAutofit/>
-          </a:bodyPr>
-          <a:lstStyle/>
-          <a:p>
-            <a:pPr algn="l"/>
-            <a:r>
-              <a:rPr lang="en-US" dirty="0">
-                <a:solidFill>
-                  <a:schemeClr val="bg1"/>
-                </a:solidFill>
-                <a:latin typeface="+mj-lt"/>
-              </a:rPr>
-              <a:t>Temidayo Akinsanya</a:t>
-            </a:r>
-          </a:p>
-          <a:p>
-            <a:pPr algn="l"/>
-            <a:r>
-              <a:rPr lang="en-US" dirty="0">
-                <a:solidFill>
-                  <a:schemeClr val="bg1"/>
-                </a:solidFill>
-                <a:latin typeface="+mj-lt"/>
-              </a:rPr>
-              <a:t>Oluwatobi Akinsanya </a:t>
-            </a:r>
-          </a:p>
-        </p:txBody>
-      </p:sp>
-      <p:pic>
-        <p:nvPicPr>
-          <p:cNvPr id="7170" name="Picture 2" descr="An Introduction to Machine Learning | by Anmol Behl | Becoming Human:  Artificial Intelligence Magazine">
-            <a:extLst>
-              <a:ext uri="{FF2B5EF4-FFF2-40B4-BE49-F238E27FC236}">
-                <a16:creationId xmlns:a16="http://schemas.microsoft.com/office/drawing/2014/main" id="{C4733A8F-72EE-4FC4-A55A-630A19F3F5ED}"/>
-              </a:ext>
-            </a:extLst>
-          </p:cNvPr>
-          <p:cNvPicPr>
-            <a:picLocks noChangeAspect="1" noChangeArrowheads="1"/>
-          </p:cNvPicPr>
-          <p:nvPr/>
-        </p:nvPicPr>
-        <p:blipFill rotWithShape="1">
-          <a:blip r:embed="rId2">
-            <a:extLst>
-              <a:ext uri="{BEBA8EAE-BF5A-486C-A8C5-ECC9F3942E4B}">
-                <a14:imgProps xmlns:a14="http://schemas.microsoft.com/office/drawing/2010/main">
-                  <a14:imgLayer r:embed="rId3">
-                    <a14:imgEffect>
-                      <a14:saturation sat="0"/>
-                    </a14:imgEffect>
-                  </a14:imgLayer>
-                </a14:imgProps>
-              </a:ext>
-              <a:ext uri="{28A0092B-C50C-407E-A947-70E740481C1C}">
-                <a14:useLocalDpi xmlns:a14="http://schemas.microsoft.com/office/drawing/2010/main" val="0"/>
-              </a:ext>
-            </a:extLst>
-          </a:blip>
-          <a:srcRect l="19188" r="18716" b="-3"/>
-          <a:stretch/>
-        </p:blipFill>
-        <p:spPr bwMode="auto">
-          <a:xfrm>
-            <a:off x="5682343" y="1"/>
-            <a:ext cx="6509657" cy="6857999"/>
-          </a:xfrm>
-          <a:custGeom>
-            <a:avLst/>
-            <a:gdLst/>
-            <a:ahLst/>
-            <a:cxnLst/>
-            <a:rect l="l" t="t" r="r" b="b"/>
-            <a:pathLst>
-              <a:path w="6509657" h="6857999">
-                <a:moveTo>
-                  <a:pt x="752157" y="6118149"/>
-                </a:moveTo>
-                <a:cubicBezTo>
-                  <a:pt x="745608" y="6124102"/>
-                  <a:pt x="737987" y="6129341"/>
-                  <a:pt x="730938" y="6133722"/>
-                </a:cubicBezTo>
-                <a:cubicBezTo>
-                  <a:pt x="723794" y="6138152"/>
-                  <a:pt x="718448" y="6143474"/>
-                  <a:pt x="714778" y="6149379"/>
-                </a:cubicBezTo>
-                <a:lnTo>
-                  <a:pt x="709303" y="6166562"/>
-                </a:lnTo>
-                <a:lnTo>
-                  <a:pt x="714778" y="6149380"/>
-                </a:lnTo>
-                <a:cubicBezTo>
-                  <a:pt x="718448" y="6143474"/>
-                  <a:pt x="723794" y="6138152"/>
-                  <a:pt x="730938" y="6133723"/>
-                </a:cubicBezTo>
-                <a:cubicBezTo>
-                  <a:pt x="737987" y="6129341"/>
-                  <a:pt x="745608" y="6124102"/>
-                  <a:pt x="752157" y="6118149"/>
-                </a:cubicBezTo>
-                <a:close/>
-                <a:moveTo>
-                  <a:pt x="844000" y="4941372"/>
-                </a:moveTo>
-                <a:lnTo>
-                  <a:pt x="840670" y="4950868"/>
-                </a:lnTo>
-                <a:lnTo>
-                  <a:pt x="830985" y="4991382"/>
-                </a:lnTo>
-                <a:lnTo>
-                  <a:pt x="840670" y="4950869"/>
-                </a:lnTo>
-                <a:close/>
-                <a:moveTo>
-                  <a:pt x="840061" y="4749807"/>
-                </a:moveTo>
-                <a:cubicBezTo>
-                  <a:pt x="852197" y="4762827"/>
-                  <a:pt x="853054" y="4781365"/>
-                  <a:pt x="854768" y="4799797"/>
-                </a:cubicBezTo>
-                <a:cubicBezTo>
-                  <a:pt x="853054" y="4781365"/>
-                  <a:pt x="852197" y="4762826"/>
-                  <a:pt x="840061" y="4749807"/>
-                </a:cubicBezTo>
-                <a:close/>
-                <a:moveTo>
-                  <a:pt x="822263" y="4543185"/>
-                </a:moveTo>
-                <a:lnTo>
-                  <a:pt x="816857" y="4557091"/>
-                </a:lnTo>
-                <a:cubicBezTo>
-                  <a:pt x="805236" y="4573618"/>
-                  <a:pt x="796449" y="4588275"/>
-                  <a:pt x="790493" y="4602021"/>
-                </a:cubicBezTo>
-                <a:cubicBezTo>
-                  <a:pt x="796449" y="4588275"/>
-                  <a:pt x="805236" y="4573618"/>
-                  <a:pt x="816857" y="4557092"/>
-                </a:cubicBezTo>
-                <a:cubicBezTo>
-                  <a:pt x="819238" y="4553662"/>
-                  <a:pt x="821286" y="4548281"/>
-                  <a:pt x="822263" y="4543185"/>
-                </a:cubicBezTo>
-                <a:close/>
-                <a:moveTo>
-                  <a:pt x="356045" y="2819253"/>
-                </a:moveTo>
-                <a:lnTo>
-                  <a:pt x="344401" y="2827483"/>
-                </a:lnTo>
-                <a:lnTo>
-                  <a:pt x="344399" y="2827486"/>
-                </a:lnTo>
-                <a:lnTo>
-                  <a:pt x="325550" y="2842392"/>
-                </a:lnTo>
-                <a:lnTo>
-                  <a:pt x="315896" y="2861156"/>
-                </a:lnTo>
-                <a:lnTo>
-                  <a:pt x="344399" y="2827486"/>
-                </a:lnTo>
-                <a:lnTo>
-                  <a:pt x="344401" y="2827484"/>
-                </a:lnTo>
-                <a:close/>
-                <a:moveTo>
-                  <a:pt x="425699" y="1974015"/>
-                </a:moveTo>
-                <a:cubicBezTo>
-                  <a:pt x="427224" y="1991685"/>
-                  <a:pt x="433462" y="2008497"/>
-                  <a:pt x="449941" y="2023547"/>
-                </a:cubicBezTo>
-                <a:cubicBezTo>
-                  <a:pt x="441702" y="2016020"/>
-                  <a:pt x="436022" y="2008056"/>
-                  <a:pt x="432213" y="1999763"/>
-                </a:cubicBezTo>
-                <a:close/>
-                <a:moveTo>
-                  <a:pt x="442893" y="1768838"/>
-                </a:moveTo>
-                <a:cubicBezTo>
-                  <a:pt x="451656" y="1779981"/>
-                  <a:pt x="453942" y="1790986"/>
-                  <a:pt x="452275" y="1801558"/>
-                </a:cubicBezTo>
-                <a:lnTo>
-                  <a:pt x="451495" y="1785412"/>
-                </a:lnTo>
-                <a:cubicBezTo>
-                  <a:pt x="450037" y="1779948"/>
-                  <a:pt x="447274" y="1774411"/>
-                  <a:pt x="442893" y="1768838"/>
-                </a:cubicBezTo>
-                <a:close/>
-                <a:moveTo>
-                  <a:pt x="333304" y="520953"/>
-                </a:moveTo>
-                <a:cubicBezTo>
-                  <a:pt x="333743" y="528850"/>
-                  <a:pt x="335480" y="536547"/>
-                  <a:pt x="337867" y="544146"/>
-                </a:cubicBezTo>
-                <a:lnTo>
-                  <a:pt x="340032" y="549926"/>
-                </a:lnTo>
-                <a:lnTo>
-                  <a:pt x="340448" y="551717"/>
-                </a:lnTo>
-                <a:lnTo>
-                  <a:pt x="346286" y="566616"/>
-                </a:lnTo>
-                <a:lnTo>
-                  <a:pt x="346338" y="566754"/>
-                </a:lnTo>
-                <a:lnTo>
-                  <a:pt x="352655" y="583595"/>
-                </a:lnTo>
-                <a:lnTo>
-                  <a:pt x="359452" y="612658"/>
-                </a:lnTo>
-                <a:cubicBezTo>
-                  <a:pt x="358987" y="604728"/>
-                  <a:pt x="357230" y="597005"/>
-                  <a:pt x="354829" y="589388"/>
-                </a:cubicBezTo>
-                <a:lnTo>
-                  <a:pt x="352655" y="583595"/>
-                </a:lnTo>
-                <a:lnTo>
-                  <a:pt x="352236" y="581804"/>
-                </a:lnTo>
-                <a:lnTo>
-                  <a:pt x="346286" y="566616"/>
-                </a:lnTo>
-                <a:lnTo>
-                  <a:pt x="340032" y="549926"/>
-                </a:lnTo>
-                <a:close/>
-                <a:moveTo>
-                  <a:pt x="384407" y="268794"/>
-                </a:moveTo>
-                <a:lnTo>
-                  <a:pt x="387838" y="328017"/>
-                </a:lnTo>
-                <a:cubicBezTo>
-                  <a:pt x="389527" y="318646"/>
-                  <a:pt x="389932" y="309031"/>
-                  <a:pt x="389283" y="299164"/>
-                </a:cubicBezTo>
-                <a:cubicBezTo>
-                  <a:pt x="388635" y="289296"/>
-                  <a:pt x="386932" y="279176"/>
-                  <a:pt x="384407" y="268794"/>
-                </a:cubicBezTo>
-                <a:close/>
-                <a:moveTo>
-                  <a:pt x="66991" y="0"/>
-                </a:moveTo>
-                <a:lnTo>
-                  <a:pt x="6509657" y="0"/>
-                </a:lnTo>
-                <a:lnTo>
-                  <a:pt x="6509657" y="6857999"/>
-                </a:lnTo>
-                <a:lnTo>
-                  <a:pt x="149318" y="6857999"/>
-                </a:lnTo>
-                <a:lnTo>
-                  <a:pt x="149318" y="6857457"/>
-                </a:lnTo>
-                <a:lnTo>
-                  <a:pt x="22079" y="6857457"/>
-                </a:lnTo>
-                <a:lnTo>
-                  <a:pt x="26850" y="6796804"/>
-                </a:lnTo>
-                <a:cubicBezTo>
-                  <a:pt x="32161" y="6777207"/>
-                  <a:pt x="39591" y="6758011"/>
-                  <a:pt x="44354" y="6738388"/>
-                </a:cubicBezTo>
-                <a:cubicBezTo>
-                  <a:pt x="48736" y="6720103"/>
-                  <a:pt x="58832" y="6702955"/>
-                  <a:pt x="67214" y="6685617"/>
-                </a:cubicBezTo>
-                <a:cubicBezTo>
-                  <a:pt x="83217" y="6652472"/>
-                  <a:pt x="73120" y="6617036"/>
-                  <a:pt x="77310" y="6583128"/>
-                </a:cubicBezTo>
-                <a:cubicBezTo>
-                  <a:pt x="78645" y="6572269"/>
-                  <a:pt x="80168" y="6561411"/>
-                  <a:pt x="82837" y="6550742"/>
-                </a:cubicBezTo>
-                <a:cubicBezTo>
-                  <a:pt x="89885" y="6521593"/>
-                  <a:pt x="95981" y="6491874"/>
-                  <a:pt x="105697" y="6463490"/>
-                </a:cubicBezTo>
-                <a:cubicBezTo>
-                  <a:pt x="116556" y="6431292"/>
-                  <a:pt x="131034" y="6400429"/>
-                  <a:pt x="146086" y="6363664"/>
-                </a:cubicBezTo>
-                <a:cubicBezTo>
-                  <a:pt x="142275" y="6350899"/>
-                  <a:pt x="131986" y="6331277"/>
-                  <a:pt x="131034" y="6311084"/>
-                </a:cubicBezTo>
-                <a:cubicBezTo>
-                  <a:pt x="127795" y="6246121"/>
-                  <a:pt x="145513" y="6185351"/>
-                  <a:pt x="173518" y="6127247"/>
-                </a:cubicBezTo>
-                <a:cubicBezTo>
-                  <a:pt x="181899" y="6109530"/>
-                  <a:pt x="187424" y="6090477"/>
-                  <a:pt x="195616" y="6072569"/>
-                </a:cubicBezTo>
-                <a:cubicBezTo>
-                  <a:pt x="198472" y="6066284"/>
-                  <a:pt x="204569" y="6058092"/>
-                  <a:pt x="210285" y="6056948"/>
-                </a:cubicBezTo>
-                <a:cubicBezTo>
-                  <a:pt x="243432" y="6050282"/>
-                  <a:pt x="242863" y="6025515"/>
-                  <a:pt x="244766" y="5999796"/>
-                </a:cubicBezTo>
-                <a:cubicBezTo>
-                  <a:pt x="247051" y="5969124"/>
-                  <a:pt x="252386" y="5938836"/>
-                  <a:pt x="256958" y="5908355"/>
-                </a:cubicBezTo>
-                <a:cubicBezTo>
-                  <a:pt x="257530" y="5904353"/>
-                  <a:pt x="261531" y="5900735"/>
-                  <a:pt x="264200" y="5897114"/>
-                </a:cubicBezTo>
-                <a:cubicBezTo>
-                  <a:pt x="268199" y="5891590"/>
-                  <a:pt x="274295" y="5886447"/>
-                  <a:pt x="275818" y="5880348"/>
-                </a:cubicBezTo>
-                <a:cubicBezTo>
-                  <a:pt x="283249" y="5849107"/>
-                  <a:pt x="289535" y="5817674"/>
-                  <a:pt x="296393" y="5786239"/>
-                </a:cubicBezTo>
-                <a:cubicBezTo>
-                  <a:pt x="297918" y="5779191"/>
-                  <a:pt x="299823" y="5771953"/>
-                  <a:pt x="302870" y="5765474"/>
-                </a:cubicBezTo>
-                <a:cubicBezTo>
-                  <a:pt x="305728" y="5759378"/>
-                  <a:pt x="310683" y="5754234"/>
-                  <a:pt x="313730" y="5748136"/>
-                </a:cubicBezTo>
-                <a:cubicBezTo>
-                  <a:pt x="321920" y="5731564"/>
-                  <a:pt x="329541" y="5714607"/>
-                  <a:pt x="338685" y="5695178"/>
-                </a:cubicBezTo>
-                <a:cubicBezTo>
-                  <a:pt x="321541" y="5684320"/>
-                  <a:pt x="331257" y="5669647"/>
-                  <a:pt x="339447" y="5651360"/>
-                </a:cubicBezTo>
-                <a:cubicBezTo>
-                  <a:pt x="347830" y="5632691"/>
-                  <a:pt x="350497" y="5611164"/>
-                  <a:pt x="353545" y="5590590"/>
-                </a:cubicBezTo>
-                <a:cubicBezTo>
-                  <a:pt x="359070" y="5552869"/>
-                  <a:pt x="362499" y="5514957"/>
-                  <a:pt x="367451" y="5477239"/>
-                </a:cubicBezTo>
-                <a:cubicBezTo>
-                  <a:pt x="368595" y="5469236"/>
-                  <a:pt x="370690" y="5460092"/>
-                  <a:pt x="375454" y="5453995"/>
-                </a:cubicBezTo>
-                <a:cubicBezTo>
-                  <a:pt x="407459" y="5412276"/>
-                  <a:pt x="416411" y="5361598"/>
-                  <a:pt x="413366" y="5313403"/>
-                </a:cubicBezTo>
-                <a:cubicBezTo>
-                  <a:pt x="411078" y="5275491"/>
-                  <a:pt x="409363" y="5238343"/>
-                  <a:pt x="412601" y="5200813"/>
-                </a:cubicBezTo>
-                <a:cubicBezTo>
-                  <a:pt x="412793" y="5197955"/>
-                  <a:pt x="412411" y="5194145"/>
-                  <a:pt x="410887" y="5192051"/>
-                </a:cubicBezTo>
-                <a:cubicBezTo>
-                  <a:pt x="400791" y="5179097"/>
-                  <a:pt x="400029" y="5165570"/>
-                  <a:pt x="398315" y="5148995"/>
-                </a:cubicBezTo>
-                <a:cubicBezTo>
-                  <a:pt x="395837" y="5125562"/>
-                  <a:pt x="397553" y="5104036"/>
-                  <a:pt x="401743" y="5082317"/>
-                </a:cubicBezTo>
-                <a:cubicBezTo>
-                  <a:pt x="404791" y="5066505"/>
-                  <a:pt x="411078" y="5050504"/>
-                  <a:pt x="419080" y="5036405"/>
-                </a:cubicBezTo>
-                <a:cubicBezTo>
-                  <a:pt x="430320" y="5016785"/>
-                  <a:pt x="434701" y="4997922"/>
-                  <a:pt x="419841" y="4979253"/>
-                </a:cubicBezTo>
-                <a:cubicBezTo>
-                  <a:pt x="404029" y="4959061"/>
-                  <a:pt x="409553" y="4936201"/>
-                  <a:pt x="408983" y="4913909"/>
-                </a:cubicBezTo>
-                <a:cubicBezTo>
-                  <a:pt x="408791" y="4904195"/>
-                  <a:pt x="409175" y="4893907"/>
-                  <a:pt x="406697" y="4884572"/>
-                </a:cubicBezTo>
-                <a:cubicBezTo>
-                  <a:pt x="399647" y="4857522"/>
-                  <a:pt x="388978" y="4831420"/>
-                  <a:pt x="384216" y="4803988"/>
-                </a:cubicBezTo>
-                <a:cubicBezTo>
-                  <a:pt x="381551" y="4788747"/>
-                  <a:pt x="386312" y="4771793"/>
-                  <a:pt x="389741" y="4755980"/>
-                </a:cubicBezTo>
-                <a:cubicBezTo>
-                  <a:pt x="393362" y="4739978"/>
-                  <a:pt x="398885" y="4724167"/>
-                  <a:pt x="404601" y="4708734"/>
-                </a:cubicBezTo>
-                <a:cubicBezTo>
-                  <a:pt x="408411" y="4698258"/>
-                  <a:pt x="412031" y="4686828"/>
-                  <a:pt x="418889" y="4678445"/>
-                </a:cubicBezTo>
-                <a:cubicBezTo>
-                  <a:pt x="434510" y="4659393"/>
-                  <a:pt x="437178" y="4639772"/>
-                  <a:pt x="428986" y="4617291"/>
-                </a:cubicBezTo>
-                <a:cubicBezTo>
-                  <a:pt x="427651" y="4613864"/>
-                  <a:pt x="427651" y="4609863"/>
-                  <a:pt x="427462" y="4606053"/>
-                </a:cubicBezTo>
-                <a:cubicBezTo>
-                  <a:pt x="423462" y="4545086"/>
-                  <a:pt x="420984" y="4484127"/>
-                  <a:pt x="414888" y="4423545"/>
-                </a:cubicBezTo>
-                <a:cubicBezTo>
-                  <a:pt x="412411" y="4398972"/>
-                  <a:pt x="401553" y="4375349"/>
-                  <a:pt x="394695" y="4351154"/>
-                </a:cubicBezTo>
-                <a:cubicBezTo>
-                  <a:pt x="393362" y="4346201"/>
-                  <a:pt x="391265" y="4340674"/>
-                  <a:pt x="392218" y="4335722"/>
-                </a:cubicBezTo>
-                <a:cubicBezTo>
-                  <a:pt x="401743" y="4281810"/>
-                  <a:pt x="387838" y="4231324"/>
-                  <a:pt x="369547" y="4181603"/>
-                </a:cubicBezTo>
-                <a:cubicBezTo>
-                  <a:pt x="367643" y="4176461"/>
-                  <a:pt x="368214" y="4170174"/>
-                  <a:pt x="368595" y="4164458"/>
-                </a:cubicBezTo>
-                <a:cubicBezTo>
-                  <a:pt x="369928" y="4148453"/>
-                  <a:pt x="376597" y="4131119"/>
-                  <a:pt x="372597" y="4116641"/>
-                </a:cubicBezTo>
-                <a:cubicBezTo>
-                  <a:pt x="361546" y="4078159"/>
-                  <a:pt x="348211" y="4040058"/>
-                  <a:pt x="331447" y="4003861"/>
-                </a:cubicBezTo>
-                <a:cubicBezTo>
-                  <a:pt x="314494" y="3967091"/>
-                  <a:pt x="300203" y="3932993"/>
-                  <a:pt x="317349" y="3890891"/>
-                </a:cubicBezTo>
-                <a:cubicBezTo>
-                  <a:pt x="324589" y="3872985"/>
-                  <a:pt x="319445" y="3849362"/>
-                  <a:pt x="317541" y="3828785"/>
-                </a:cubicBezTo>
-                <a:cubicBezTo>
-                  <a:pt x="316016" y="3813737"/>
-                  <a:pt x="307443" y="3799258"/>
-                  <a:pt x="307443" y="3784397"/>
-                </a:cubicBezTo>
-                <a:cubicBezTo>
-                  <a:pt x="307443" y="3744770"/>
-                  <a:pt x="297345" y="3709529"/>
-                  <a:pt x="276771" y="3675238"/>
-                </a:cubicBezTo>
-                <a:cubicBezTo>
-                  <a:pt x="268770" y="3661899"/>
-                  <a:pt x="274106" y="3641134"/>
-                  <a:pt x="272009" y="3623799"/>
-                </a:cubicBezTo>
-                <a:cubicBezTo>
-                  <a:pt x="269533" y="3605509"/>
-                  <a:pt x="267247" y="3586653"/>
-                  <a:pt x="261720" y="3569124"/>
-                </a:cubicBezTo>
-                <a:cubicBezTo>
-                  <a:pt x="247243" y="3523785"/>
-                  <a:pt x="230859" y="3479015"/>
-                  <a:pt x="215618" y="3433866"/>
-                </a:cubicBezTo>
-                <a:cubicBezTo>
-                  <a:pt x="203045" y="3396719"/>
-                  <a:pt x="212951" y="3360139"/>
-                  <a:pt x="218286" y="3323372"/>
-                </a:cubicBezTo>
-                <a:cubicBezTo>
-                  <a:pt x="221715" y="3300319"/>
-                  <a:pt x="229907" y="3278795"/>
-                  <a:pt x="217715" y="3252885"/>
-                </a:cubicBezTo>
-                <a:cubicBezTo>
-                  <a:pt x="206093" y="3228119"/>
-                  <a:pt x="208761" y="3196686"/>
-                  <a:pt x="202475" y="3168870"/>
-                </a:cubicBezTo>
-                <a:cubicBezTo>
-                  <a:pt x="197141" y="3145436"/>
-                  <a:pt x="188566" y="3122770"/>
-                  <a:pt x="180184" y="3100099"/>
-                </a:cubicBezTo>
-                <a:cubicBezTo>
-                  <a:pt x="168753" y="3069235"/>
-                  <a:pt x="156753" y="3038756"/>
-                  <a:pt x="162468" y="3005035"/>
-                </a:cubicBezTo>
-                <a:cubicBezTo>
-                  <a:pt x="168945" y="2966742"/>
-                  <a:pt x="144560" y="2940455"/>
-                  <a:pt x="128366" y="2910353"/>
-                </a:cubicBezTo>
-                <a:cubicBezTo>
-                  <a:pt x="117318" y="2889587"/>
-                  <a:pt x="109126" y="2866918"/>
-                  <a:pt x="102268" y="2844248"/>
-                </a:cubicBezTo>
-                <a:cubicBezTo>
-                  <a:pt x="93313" y="2813958"/>
-                  <a:pt x="87978" y="2782716"/>
-                  <a:pt x="79216" y="2752235"/>
-                </a:cubicBezTo>
-                <a:cubicBezTo>
-                  <a:pt x="66072" y="2706131"/>
-                  <a:pt x="55785" y="2659455"/>
-                  <a:pt x="63024" y="2611450"/>
-                </a:cubicBezTo>
-                <a:cubicBezTo>
-                  <a:pt x="66262" y="2589352"/>
-                  <a:pt x="66072" y="2568774"/>
-                  <a:pt x="61307" y="2546678"/>
-                </a:cubicBezTo>
-                <a:cubicBezTo>
-                  <a:pt x="53497" y="2510483"/>
-                  <a:pt x="52545" y="2473333"/>
-                  <a:pt x="23399" y="2444184"/>
-                </a:cubicBezTo>
-                <a:cubicBezTo>
-                  <a:pt x="13111" y="2433897"/>
-                  <a:pt x="10446" y="2415420"/>
-                  <a:pt x="5110" y="2400369"/>
-                </a:cubicBezTo>
-                <a:cubicBezTo>
-                  <a:pt x="-1178" y="2383032"/>
-                  <a:pt x="2062" y="2370270"/>
-                  <a:pt x="20351" y="2360933"/>
-                </a:cubicBezTo>
-                <a:cubicBezTo>
-                  <a:pt x="28541" y="2356744"/>
-                  <a:pt x="36543" y="2344741"/>
-                  <a:pt x="37877" y="2335405"/>
-                </a:cubicBezTo>
-                <a:cubicBezTo>
-                  <a:pt x="41877" y="2307402"/>
-                  <a:pt x="35971" y="2281683"/>
-                  <a:pt x="23017" y="2254633"/>
-                </a:cubicBezTo>
-                <a:cubicBezTo>
-                  <a:pt x="10824" y="2229296"/>
-                  <a:pt x="12158" y="2197670"/>
-                  <a:pt x="7395" y="2168903"/>
-                </a:cubicBezTo>
-                <a:cubicBezTo>
-                  <a:pt x="5680" y="2158712"/>
-                  <a:pt x="3062" y="2148519"/>
-                  <a:pt x="871" y="2138304"/>
-                </a:cubicBezTo>
-                <a:lnTo>
-                  <a:pt x="0" y="2131532"/>
-                </a:lnTo>
-                <a:lnTo>
-                  <a:pt x="0" y="2072225"/>
-                </a:lnTo>
-                <a:lnTo>
-                  <a:pt x="251" y="2069340"/>
-                </a:lnTo>
-                <a:cubicBezTo>
-                  <a:pt x="2061" y="2056600"/>
-                  <a:pt x="4156" y="2043835"/>
-                  <a:pt x="5299" y="2030977"/>
-                </a:cubicBezTo>
-                <a:cubicBezTo>
-                  <a:pt x="7203" y="2010974"/>
-                  <a:pt x="6442" y="1990589"/>
-                  <a:pt x="8729" y="1970586"/>
-                </a:cubicBezTo>
-                <a:cubicBezTo>
-                  <a:pt x="10446" y="1954202"/>
-                  <a:pt x="14824" y="1938009"/>
-                  <a:pt x="18445" y="1921817"/>
-                </a:cubicBezTo>
-                <a:cubicBezTo>
-                  <a:pt x="19779" y="1915912"/>
-                  <a:pt x="24922" y="1910004"/>
-                  <a:pt x="24161" y="1904673"/>
-                </a:cubicBezTo>
-                <a:cubicBezTo>
-                  <a:pt x="15968" y="1851709"/>
-                  <a:pt x="52545" y="1813610"/>
-                  <a:pt x="68738" y="1768838"/>
-                </a:cubicBezTo>
-                <a:cubicBezTo>
-                  <a:pt x="85886" y="1721785"/>
-                  <a:pt x="112174" y="1676253"/>
-                  <a:pt x="104363" y="1623675"/>
-                </a:cubicBezTo>
-                <a:cubicBezTo>
-                  <a:pt x="99601" y="1591859"/>
-                  <a:pt x="88551" y="1561189"/>
-                  <a:pt x="81882" y="1529563"/>
-                </a:cubicBezTo>
-                <a:cubicBezTo>
-                  <a:pt x="79597" y="1518324"/>
-                  <a:pt x="79978" y="1505751"/>
-                  <a:pt x="82264" y="1494509"/>
-                </a:cubicBezTo>
-                <a:cubicBezTo>
-                  <a:pt x="92743" y="1440216"/>
-                  <a:pt x="94266" y="1386684"/>
-                  <a:pt x="77120" y="1333341"/>
-                </a:cubicBezTo>
-                <a:cubicBezTo>
-                  <a:pt x="74262" y="1324198"/>
-                  <a:pt x="71597" y="1314483"/>
-                  <a:pt x="71597" y="1304955"/>
-                </a:cubicBezTo>
-                <a:cubicBezTo>
-                  <a:pt x="71597" y="1252757"/>
-                  <a:pt x="75597" y="1201512"/>
-                  <a:pt x="94266" y="1151600"/>
-                </a:cubicBezTo>
-                <a:cubicBezTo>
-                  <a:pt x="100553" y="1134834"/>
-                  <a:pt x="96553" y="1114449"/>
-                  <a:pt x="98077" y="1095972"/>
-                </a:cubicBezTo>
-                <a:cubicBezTo>
-                  <a:pt x="99409" y="1078826"/>
-                  <a:pt x="99981" y="1061298"/>
-                  <a:pt x="104363" y="1044725"/>
-                </a:cubicBezTo>
-                <a:cubicBezTo>
-                  <a:pt x="110839" y="1020529"/>
-                  <a:pt x="111601" y="998052"/>
-                  <a:pt x="105887" y="973095"/>
-                </a:cubicBezTo>
-                <a:cubicBezTo>
-                  <a:pt x="100553" y="949281"/>
-                  <a:pt x="103219" y="923562"/>
-                  <a:pt x="103029" y="898797"/>
-                </a:cubicBezTo>
-                <a:cubicBezTo>
-                  <a:pt x="102839" y="871173"/>
-                  <a:pt x="102649" y="843552"/>
-                  <a:pt x="103601" y="815929"/>
-                </a:cubicBezTo>
-                <a:cubicBezTo>
-                  <a:pt x="103981" y="804877"/>
-                  <a:pt x="111601" y="792306"/>
-                  <a:pt x="108553" y="783158"/>
-                </a:cubicBezTo>
-                <a:cubicBezTo>
-                  <a:pt x="98267" y="753633"/>
-                  <a:pt x="110649" y="724104"/>
-                  <a:pt x="105126" y="694576"/>
-                </a:cubicBezTo>
-                <a:cubicBezTo>
-                  <a:pt x="102268" y="680096"/>
-                  <a:pt x="110078" y="663713"/>
-                  <a:pt x="110839" y="648092"/>
-                </a:cubicBezTo>
-                <a:cubicBezTo>
-                  <a:pt x="112174" y="622564"/>
-                  <a:pt x="111601" y="597037"/>
-                  <a:pt x="111983" y="571508"/>
-                </a:cubicBezTo>
-                <a:cubicBezTo>
-                  <a:pt x="112174" y="563125"/>
-                  <a:pt x="112936" y="554933"/>
-                  <a:pt x="113318" y="546552"/>
-                </a:cubicBezTo>
-                <a:cubicBezTo>
-                  <a:pt x="113697" y="539121"/>
-                  <a:pt x="115412" y="531310"/>
-                  <a:pt x="114080" y="524262"/>
-                </a:cubicBezTo>
-                <a:cubicBezTo>
-                  <a:pt x="109315" y="498733"/>
-                  <a:pt x="101505" y="473587"/>
-                  <a:pt x="98457" y="447870"/>
-                </a:cubicBezTo>
-                <a:cubicBezTo>
-                  <a:pt x="95792" y="425581"/>
-                  <a:pt x="99409" y="402529"/>
-                  <a:pt x="97505" y="380050"/>
-                </a:cubicBezTo>
-                <a:cubicBezTo>
-                  <a:pt x="94266" y="340425"/>
-                  <a:pt x="88551" y="300800"/>
-                  <a:pt x="84930" y="261173"/>
-                </a:cubicBezTo>
-                <a:cubicBezTo>
-                  <a:pt x="84168" y="252600"/>
-                  <a:pt x="88933" y="243648"/>
-                  <a:pt x="89313" y="234883"/>
-                </a:cubicBezTo>
-                <a:cubicBezTo>
-                  <a:pt x="90266" y="207450"/>
-                  <a:pt x="90457" y="180017"/>
-                  <a:pt x="91026" y="152584"/>
-                </a:cubicBezTo>
-                <a:cubicBezTo>
-                  <a:pt x="91218" y="136963"/>
-                  <a:pt x="90647" y="121150"/>
-                  <a:pt x="92361" y="105718"/>
-                </a:cubicBezTo>
-                <a:cubicBezTo>
-                  <a:pt x="94648" y="85336"/>
-                  <a:pt x="98077" y="66857"/>
-                  <a:pt x="83217" y="47806"/>
-                </a:cubicBezTo>
-                <a:cubicBezTo>
-                  <a:pt x="77453" y="40471"/>
-                  <a:pt x="73691" y="32636"/>
-                  <a:pt x="71206" y="24480"/>
-                </a:cubicBezTo>
-                <a:close/>
-              </a:path>
-            </a:pathLst>
-          </a:custGeom>
-          <a:solidFill>
-            <a:schemeClr val="bg1"/>
-          </a:solidFill>
-          <a:effectLst>
-            <a:outerShdw blurRad="381000" dist="152400" dir="10800000" algn="r" rotWithShape="0">
-              <a:prstClr val="black">
-                <a:alpha val="10000"/>
-              </a:prstClr>
-            </a:outerShdw>
-          </a:effectLst>
-        </p:spPr>
-      </p:pic>
-      <p:sp>
-        <p:nvSpPr>
-          <p:cNvPr id="7173" name="Freeform: Shape 74">
-            <a:extLst>
-              <a:ext uri="{FF2B5EF4-FFF2-40B4-BE49-F238E27FC236}">
-                <a16:creationId xmlns:a16="http://schemas.microsoft.com/office/drawing/2014/main" id="{C4D41903-2C9D-4F9E-AA1F-6161F8A6FC01}"/>
-              </a:ext>
-              <a:ext uri="{C183D7F6-B498-43B3-948B-1728B52AA6E4}">
-                <adec:decorative xmlns:adec="http://schemas.microsoft.com/office/drawing/2017/decorative" val="1"/>
-              </a:ext>
-            </a:extLst>
-          </p:cNvPr>
-          <p:cNvSpPr>
-            <a:spLocks noGrp="1" noRot="1" noChangeAspect="1" noMove="1" noResize="1" noEditPoints="1" noAdjustHandles="1" noChangeArrowheads="1" noChangeShapeType="1" noTextEdit="1"/>
-          </p:cNvSpPr>
-          <p:nvPr>
-            <p:extLst>
-              <p:ext uri="{386F3935-93C4-4BCD-93E2-E3B085C9AB24}">
-                <p16:designElem xmlns:p16="http://schemas.microsoft.com/office/powerpoint/2015/main" val="1"/>
-              </p:ext>
-            </p:extLst>
-          </p:nvPr>
-        </p:nvSpPr>
-        <p:spPr>
-          <a:xfrm rot="5400000" flipH="1">
-            <a:off x="2640986" y="2991370"/>
-            <a:ext cx="6857455" cy="874716"/>
-          </a:xfrm>
-          <a:custGeom>
-            <a:avLst/>
-            <a:gdLst>
-              <a:gd name="connsiteX0" fmla="*/ 6857455 w 6857455"/>
-              <a:gd name="connsiteY0" fmla="*/ 804643 h 874716"/>
-              <a:gd name="connsiteX1" fmla="*/ 6857455 w 6857455"/>
-              <a:gd name="connsiteY1" fmla="*/ 562246 h 874716"/>
-              <a:gd name="connsiteX2" fmla="*/ 6829178 w 6857455"/>
-              <a:gd name="connsiteY2" fmla="*/ 551284 h 874716"/>
-              <a:gd name="connsiteX3" fmla="*/ 6766024 w 6857455"/>
-              <a:gd name="connsiteY3" fmla="*/ 500372 h 874716"/>
-              <a:gd name="connsiteX4" fmla="*/ 6734971 w 6857455"/>
-              <a:gd name="connsiteY4" fmla="*/ 500944 h 874716"/>
-              <a:gd name="connsiteX5" fmla="*/ 6683915 w 6857455"/>
-              <a:gd name="connsiteY5" fmla="*/ 507040 h 874716"/>
-              <a:gd name="connsiteX6" fmla="*/ 6628860 w 6857455"/>
-              <a:gd name="connsiteY6" fmla="*/ 495418 h 874716"/>
-              <a:gd name="connsiteX7" fmla="*/ 6588662 w 6857455"/>
-              <a:gd name="connsiteY7" fmla="*/ 487227 h 874716"/>
-              <a:gd name="connsiteX8" fmla="*/ 6476074 w 6857455"/>
-              <a:gd name="connsiteY8" fmla="*/ 511230 h 874716"/>
-              <a:gd name="connsiteX9" fmla="*/ 6382345 w 6857455"/>
-              <a:gd name="connsiteY9" fmla="*/ 534853 h 874716"/>
-              <a:gd name="connsiteX10" fmla="*/ 6369391 w 6857455"/>
-              <a:gd name="connsiteY10" fmla="*/ 531615 h 874716"/>
-              <a:gd name="connsiteX11" fmla="*/ 6244799 w 6857455"/>
-              <a:gd name="connsiteY11" fmla="*/ 512182 h 874716"/>
-              <a:gd name="connsiteX12" fmla="*/ 6190315 w 6857455"/>
-              <a:gd name="connsiteY12" fmla="*/ 485703 h 874716"/>
-              <a:gd name="connsiteX13" fmla="*/ 6115446 w 6857455"/>
-              <a:gd name="connsiteY13" fmla="*/ 462270 h 874716"/>
-              <a:gd name="connsiteX14" fmla="*/ 6032194 w 6857455"/>
-              <a:gd name="connsiteY14" fmla="*/ 434266 h 874716"/>
-              <a:gd name="connsiteX15" fmla="*/ 5971042 w 6857455"/>
-              <a:gd name="connsiteY15" fmla="*/ 420738 h 874716"/>
-              <a:gd name="connsiteX16" fmla="*/ 5880933 w 6857455"/>
-              <a:gd name="connsiteY16" fmla="*/ 430646 h 874716"/>
-              <a:gd name="connsiteX17" fmla="*/ 5862452 w 6857455"/>
-              <a:gd name="connsiteY17" fmla="*/ 438648 h 874716"/>
-              <a:gd name="connsiteX18" fmla="*/ 5685283 w 6857455"/>
-              <a:gd name="connsiteY18" fmla="*/ 498658 h 874716"/>
-              <a:gd name="connsiteX19" fmla="*/ 5567169 w 6857455"/>
-              <a:gd name="connsiteY19" fmla="*/ 499420 h 874716"/>
-              <a:gd name="connsiteX20" fmla="*/ 5527923 w 6857455"/>
-              <a:gd name="connsiteY20" fmla="*/ 490466 h 874716"/>
-              <a:gd name="connsiteX21" fmla="*/ 5456292 w 6857455"/>
-              <a:gd name="connsiteY21" fmla="*/ 450650 h 874716"/>
-              <a:gd name="connsiteX22" fmla="*/ 5424670 w 6857455"/>
-              <a:gd name="connsiteY22" fmla="*/ 444934 h 874716"/>
-              <a:gd name="connsiteX23" fmla="*/ 5368662 w 6857455"/>
-              <a:gd name="connsiteY23" fmla="*/ 441124 h 874716"/>
-              <a:gd name="connsiteX24" fmla="*/ 5247118 w 6857455"/>
-              <a:gd name="connsiteY24" fmla="*/ 444934 h 874716"/>
-              <a:gd name="connsiteX25" fmla="*/ 5088617 w 6857455"/>
-              <a:gd name="connsiteY25" fmla="*/ 428742 h 874716"/>
-              <a:gd name="connsiteX26" fmla="*/ 5025750 w 6857455"/>
-              <a:gd name="connsiteY26" fmla="*/ 433694 h 874716"/>
-              <a:gd name="connsiteX27" fmla="*/ 4957930 w 6857455"/>
-              <a:gd name="connsiteY27" fmla="*/ 442268 h 874716"/>
-              <a:gd name="connsiteX28" fmla="*/ 4938116 w 6857455"/>
-              <a:gd name="connsiteY28" fmla="*/ 441886 h 874716"/>
-              <a:gd name="connsiteX29" fmla="*/ 4833910 w 6857455"/>
-              <a:gd name="connsiteY29" fmla="*/ 421693 h 874716"/>
-              <a:gd name="connsiteX30" fmla="*/ 4810095 w 6857455"/>
-              <a:gd name="connsiteY30" fmla="*/ 408167 h 874716"/>
-              <a:gd name="connsiteX31" fmla="*/ 4747991 w 6857455"/>
-              <a:gd name="connsiteY31" fmla="*/ 413691 h 874716"/>
-              <a:gd name="connsiteX32" fmla="*/ 4692745 w 6857455"/>
-              <a:gd name="connsiteY32" fmla="*/ 435790 h 874716"/>
-              <a:gd name="connsiteX33" fmla="*/ 4375933 w 6857455"/>
-              <a:gd name="connsiteY33" fmla="*/ 483417 h 874716"/>
-              <a:gd name="connsiteX34" fmla="*/ 4185426 w 6857455"/>
-              <a:gd name="connsiteY34" fmla="*/ 484179 h 874716"/>
-              <a:gd name="connsiteX35" fmla="*/ 4052072 w 6857455"/>
-              <a:gd name="connsiteY35" fmla="*/ 505134 h 874716"/>
-              <a:gd name="connsiteX36" fmla="*/ 4029973 w 6857455"/>
-              <a:gd name="connsiteY36" fmla="*/ 527233 h 874716"/>
-              <a:gd name="connsiteX37" fmla="*/ 3948626 w 6857455"/>
-              <a:gd name="connsiteY37" fmla="*/ 550666 h 874716"/>
-              <a:gd name="connsiteX38" fmla="*/ 3871280 w 6857455"/>
-              <a:gd name="connsiteY38" fmla="*/ 502275 h 874716"/>
-              <a:gd name="connsiteX39" fmla="*/ 3774312 w 6857455"/>
-              <a:gd name="connsiteY39" fmla="*/ 429122 h 874716"/>
-              <a:gd name="connsiteX40" fmla="*/ 3721543 w 6857455"/>
-              <a:gd name="connsiteY40" fmla="*/ 428552 h 874716"/>
-              <a:gd name="connsiteX41" fmla="*/ 3612763 w 6857455"/>
-              <a:gd name="connsiteY41" fmla="*/ 414263 h 874716"/>
-              <a:gd name="connsiteX42" fmla="*/ 3537323 w 6857455"/>
-              <a:gd name="connsiteY42" fmla="*/ 389878 h 874716"/>
-              <a:gd name="connsiteX43" fmla="*/ 3431593 w 6857455"/>
-              <a:gd name="connsiteY43" fmla="*/ 360921 h 874716"/>
-              <a:gd name="connsiteX44" fmla="*/ 3392158 w 6857455"/>
-              <a:gd name="connsiteY44" fmla="*/ 345681 h 874716"/>
-              <a:gd name="connsiteX45" fmla="*/ 3297856 w 6857455"/>
-              <a:gd name="connsiteY45" fmla="*/ 323010 h 874716"/>
-              <a:gd name="connsiteX46" fmla="*/ 3219748 w 6857455"/>
-              <a:gd name="connsiteY46" fmla="*/ 308151 h 874716"/>
-              <a:gd name="connsiteX47" fmla="*/ 3156692 w 6857455"/>
-              <a:gd name="connsiteY47" fmla="*/ 261668 h 874716"/>
-              <a:gd name="connsiteX48" fmla="*/ 3136497 w 6857455"/>
-              <a:gd name="connsiteY48" fmla="*/ 237663 h 874716"/>
-              <a:gd name="connsiteX49" fmla="*/ 3119733 w 6857455"/>
-              <a:gd name="connsiteY49" fmla="*/ 222233 h 874716"/>
-              <a:gd name="connsiteX50" fmla="*/ 3045436 w 6857455"/>
-              <a:gd name="connsiteY50" fmla="*/ 131742 h 874716"/>
-              <a:gd name="connsiteX51" fmla="*/ 3037054 w 6857455"/>
-              <a:gd name="connsiteY51" fmla="*/ 124121 h 874716"/>
-              <a:gd name="connsiteX52" fmla="*/ 2936466 w 6857455"/>
-              <a:gd name="connsiteY52" fmla="*/ 82400 h 874716"/>
-              <a:gd name="connsiteX53" fmla="*/ 2901031 w 6857455"/>
-              <a:gd name="connsiteY53" fmla="*/ 59731 h 874716"/>
-              <a:gd name="connsiteX54" fmla="*/ 2828259 w 6857455"/>
-              <a:gd name="connsiteY54" fmla="*/ 3149 h 874716"/>
-              <a:gd name="connsiteX55" fmla="*/ 2799492 w 6857455"/>
-              <a:gd name="connsiteY55" fmla="*/ 1245 h 874716"/>
-              <a:gd name="connsiteX56" fmla="*/ 2693570 w 6857455"/>
-              <a:gd name="connsiteY56" fmla="*/ 35154 h 874716"/>
-              <a:gd name="connsiteX57" fmla="*/ 2639847 w 6857455"/>
-              <a:gd name="connsiteY57" fmla="*/ 73448 h 874716"/>
-              <a:gd name="connsiteX58" fmla="*/ 2621178 w 6857455"/>
-              <a:gd name="connsiteY58" fmla="*/ 88688 h 874716"/>
-              <a:gd name="connsiteX59" fmla="*/ 2489348 w 6857455"/>
-              <a:gd name="connsiteY59" fmla="*/ 72304 h 874716"/>
-              <a:gd name="connsiteX60" fmla="*/ 2452580 w 6857455"/>
-              <a:gd name="connsiteY60" fmla="*/ 68683 h 874716"/>
-              <a:gd name="connsiteX61" fmla="*/ 2326464 w 6857455"/>
-              <a:gd name="connsiteY61" fmla="*/ 50395 h 874716"/>
-              <a:gd name="connsiteX62" fmla="*/ 2300365 w 6857455"/>
-              <a:gd name="connsiteY62" fmla="*/ 54777 h 874716"/>
-              <a:gd name="connsiteX63" fmla="*/ 2130434 w 6857455"/>
-              <a:gd name="connsiteY63" fmla="*/ 58397 h 874716"/>
-              <a:gd name="connsiteX64" fmla="*/ 2118621 w 6857455"/>
-              <a:gd name="connsiteY64" fmla="*/ 47919 h 874716"/>
-              <a:gd name="connsiteX65" fmla="*/ 2057659 w 6857455"/>
-              <a:gd name="connsiteY65" fmla="*/ 16866 h 874716"/>
-              <a:gd name="connsiteX66" fmla="*/ 1976314 w 6857455"/>
-              <a:gd name="connsiteY66" fmla="*/ 8865 h 874716"/>
-              <a:gd name="connsiteX67" fmla="*/ 1961454 w 6857455"/>
-              <a:gd name="connsiteY67" fmla="*/ 11724 h 874716"/>
-              <a:gd name="connsiteX68" fmla="*/ 1906588 w 6857455"/>
-              <a:gd name="connsiteY68" fmla="*/ 30964 h 874716"/>
-              <a:gd name="connsiteX69" fmla="*/ 1783330 w 6857455"/>
-              <a:gd name="connsiteY69" fmla="*/ 48871 h 874716"/>
-              <a:gd name="connsiteX70" fmla="*/ 1759327 w 6857455"/>
-              <a:gd name="connsiteY70" fmla="*/ 55349 h 874716"/>
-              <a:gd name="connsiteX71" fmla="*/ 1716082 w 6857455"/>
-              <a:gd name="connsiteY71" fmla="*/ 65445 h 874716"/>
-              <a:gd name="connsiteX72" fmla="*/ 1598920 w 6857455"/>
-              <a:gd name="connsiteY72" fmla="*/ 72114 h 874716"/>
-              <a:gd name="connsiteX73" fmla="*/ 1542150 w 6857455"/>
-              <a:gd name="connsiteY73" fmla="*/ 62207 h 874716"/>
-              <a:gd name="connsiteX74" fmla="*/ 1516813 w 6857455"/>
-              <a:gd name="connsiteY74" fmla="*/ 62779 h 874716"/>
-              <a:gd name="connsiteX75" fmla="*/ 1432228 w 6857455"/>
-              <a:gd name="connsiteY75" fmla="*/ 88116 h 874716"/>
-              <a:gd name="connsiteX76" fmla="*/ 1224765 w 6857455"/>
-              <a:gd name="connsiteY76" fmla="*/ 71924 h 874716"/>
-              <a:gd name="connsiteX77" fmla="*/ 1159231 w 6857455"/>
-              <a:gd name="connsiteY77" fmla="*/ 58207 h 874716"/>
-              <a:gd name="connsiteX78" fmla="*/ 1124370 w 6857455"/>
-              <a:gd name="connsiteY78" fmla="*/ 56301 h 874716"/>
-              <a:gd name="connsiteX79" fmla="*/ 1075600 w 6857455"/>
-              <a:gd name="connsiteY79" fmla="*/ 75542 h 874716"/>
-              <a:gd name="connsiteX80" fmla="*/ 986633 w 6857455"/>
-              <a:gd name="connsiteY80" fmla="*/ 79162 h 874716"/>
-              <a:gd name="connsiteX81" fmla="*/ 861089 w 6857455"/>
-              <a:gd name="connsiteY81" fmla="*/ 76304 h 874716"/>
-              <a:gd name="connsiteX82" fmla="*/ 759168 w 6857455"/>
-              <a:gd name="connsiteY82" fmla="*/ 104689 h 874716"/>
-              <a:gd name="connsiteX83" fmla="*/ 723735 w 6857455"/>
-              <a:gd name="connsiteY83" fmla="*/ 140696 h 874716"/>
-              <a:gd name="connsiteX84" fmla="*/ 647532 w 6857455"/>
-              <a:gd name="connsiteY84" fmla="*/ 147934 h 874716"/>
-              <a:gd name="connsiteX85" fmla="*/ 552659 w 6857455"/>
-              <a:gd name="connsiteY85" fmla="*/ 95926 h 874716"/>
-              <a:gd name="connsiteX86" fmla="*/ 541800 w 6857455"/>
-              <a:gd name="connsiteY86" fmla="*/ 97640 h 874716"/>
-              <a:gd name="connsiteX87" fmla="*/ 375107 w 6857455"/>
-              <a:gd name="connsiteY87" fmla="*/ 123169 h 874716"/>
-              <a:gd name="connsiteX88" fmla="*/ 273567 w 6857455"/>
-              <a:gd name="connsiteY88" fmla="*/ 145458 h 874716"/>
-              <a:gd name="connsiteX89" fmla="*/ 264043 w 6857455"/>
-              <a:gd name="connsiteY89" fmla="*/ 154792 h 874716"/>
-              <a:gd name="connsiteX90" fmla="*/ 169360 w 6857455"/>
-              <a:gd name="connsiteY90" fmla="*/ 177273 h 874716"/>
-              <a:gd name="connsiteX91" fmla="*/ 89347 w 6857455"/>
-              <a:gd name="connsiteY91" fmla="*/ 157460 h 874716"/>
-              <a:gd name="connsiteX92" fmla="*/ 34291 w 6857455"/>
-              <a:gd name="connsiteY92" fmla="*/ 145268 h 874716"/>
-              <a:gd name="connsiteX93" fmla="*/ 0 w 6857455"/>
-              <a:gd name="connsiteY93" fmla="*/ 142056 h 874716"/>
-              <a:gd name="connsiteX94" fmla="*/ 0 w 6857455"/>
-              <a:gd name="connsiteY94" fmla="*/ 849556 h 874716"/>
-              <a:gd name="connsiteX95" fmla="*/ 60652 w 6857455"/>
-              <a:gd name="connsiteY95" fmla="*/ 844783 h 874716"/>
-              <a:gd name="connsiteX96" fmla="*/ 119068 w 6857455"/>
-              <a:gd name="connsiteY96" fmla="*/ 827281 h 874716"/>
-              <a:gd name="connsiteX97" fmla="*/ 171840 w 6857455"/>
-              <a:gd name="connsiteY97" fmla="*/ 804420 h 874716"/>
-              <a:gd name="connsiteX98" fmla="*/ 274329 w 6857455"/>
-              <a:gd name="connsiteY98" fmla="*/ 794324 h 874716"/>
-              <a:gd name="connsiteX99" fmla="*/ 306715 w 6857455"/>
-              <a:gd name="connsiteY99" fmla="*/ 788798 h 874716"/>
-              <a:gd name="connsiteX100" fmla="*/ 393967 w 6857455"/>
-              <a:gd name="connsiteY100" fmla="*/ 765937 h 874716"/>
-              <a:gd name="connsiteX101" fmla="*/ 493793 w 6857455"/>
-              <a:gd name="connsiteY101" fmla="*/ 725549 h 874716"/>
-              <a:gd name="connsiteX102" fmla="*/ 546373 w 6857455"/>
-              <a:gd name="connsiteY102" fmla="*/ 740600 h 874716"/>
-              <a:gd name="connsiteX103" fmla="*/ 730211 w 6857455"/>
-              <a:gd name="connsiteY103" fmla="*/ 698116 h 874716"/>
-              <a:gd name="connsiteX104" fmla="*/ 784889 w 6857455"/>
-              <a:gd name="connsiteY104" fmla="*/ 676018 h 874716"/>
-              <a:gd name="connsiteX105" fmla="*/ 800509 w 6857455"/>
-              <a:gd name="connsiteY105" fmla="*/ 661349 h 874716"/>
-              <a:gd name="connsiteX106" fmla="*/ 857661 w 6857455"/>
-              <a:gd name="connsiteY106" fmla="*/ 626868 h 874716"/>
-              <a:gd name="connsiteX107" fmla="*/ 949102 w 6857455"/>
-              <a:gd name="connsiteY107" fmla="*/ 614676 h 874716"/>
-              <a:gd name="connsiteX108" fmla="*/ 960342 w 6857455"/>
-              <a:gd name="connsiteY108" fmla="*/ 607435 h 874716"/>
-              <a:gd name="connsiteX109" fmla="*/ 977109 w 6857455"/>
-              <a:gd name="connsiteY109" fmla="*/ 595815 h 874716"/>
-              <a:gd name="connsiteX110" fmla="*/ 1071218 w 6857455"/>
-              <a:gd name="connsiteY110" fmla="*/ 575240 h 874716"/>
-              <a:gd name="connsiteX111" fmla="*/ 1091983 w 6857455"/>
-              <a:gd name="connsiteY111" fmla="*/ 568764 h 874716"/>
-              <a:gd name="connsiteX112" fmla="*/ 1109321 w 6857455"/>
-              <a:gd name="connsiteY112" fmla="*/ 557904 h 874716"/>
-              <a:gd name="connsiteX113" fmla="*/ 1162279 w 6857455"/>
-              <a:gd name="connsiteY113" fmla="*/ 532949 h 874716"/>
-              <a:gd name="connsiteX114" fmla="*/ 1206097 w 6857455"/>
-              <a:gd name="connsiteY114" fmla="*/ 532187 h 874716"/>
-              <a:gd name="connsiteX115" fmla="*/ 1266867 w 6857455"/>
-              <a:gd name="connsiteY115" fmla="*/ 518088 h 874716"/>
-              <a:gd name="connsiteX116" fmla="*/ 1380219 w 6857455"/>
-              <a:gd name="connsiteY116" fmla="*/ 504182 h 874716"/>
-              <a:gd name="connsiteX117" fmla="*/ 1403461 w 6857455"/>
-              <a:gd name="connsiteY117" fmla="*/ 496180 h 874716"/>
-              <a:gd name="connsiteX118" fmla="*/ 1544054 w 6857455"/>
-              <a:gd name="connsiteY118" fmla="*/ 458268 h 874716"/>
-              <a:gd name="connsiteX119" fmla="*/ 1656644 w 6857455"/>
-              <a:gd name="connsiteY119" fmla="*/ 459032 h 874716"/>
-              <a:gd name="connsiteX120" fmla="*/ 1665406 w 6857455"/>
-              <a:gd name="connsiteY120" fmla="*/ 460747 h 874716"/>
-              <a:gd name="connsiteX121" fmla="*/ 1708461 w 6857455"/>
-              <a:gd name="connsiteY121" fmla="*/ 473318 h 874716"/>
-              <a:gd name="connsiteX122" fmla="*/ 1775140 w 6857455"/>
-              <a:gd name="connsiteY122" fmla="*/ 469891 h 874716"/>
-              <a:gd name="connsiteX123" fmla="*/ 1821051 w 6857455"/>
-              <a:gd name="connsiteY123" fmla="*/ 452554 h 874716"/>
-              <a:gd name="connsiteX124" fmla="*/ 1878203 w 6857455"/>
-              <a:gd name="connsiteY124" fmla="*/ 451792 h 874716"/>
-              <a:gd name="connsiteX125" fmla="*/ 1943547 w 6857455"/>
-              <a:gd name="connsiteY125" fmla="*/ 462651 h 874716"/>
-              <a:gd name="connsiteX126" fmla="*/ 1972884 w 6857455"/>
-              <a:gd name="connsiteY126" fmla="*/ 464937 h 874716"/>
-              <a:gd name="connsiteX127" fmla="*/ 2053469 w 6857455"/>
-              <a:gd name="connsiteY127" fmla="*/ 487417 h 874716"/>
-              <a:gd name="connsiteX128" fmla="*/ 2101477 w 6857455"/>
-              <a:gd name="connsiteY128" fmla="*/ 481893 h 874716"/>
-              <a:gd name="connsiteX129" fmla="*/ 2148722 w 6857455"/>
-              <a:gd name="connsiteY129" fmla="*/ 467033 h 874716"/>
-              <a:gd name="connsiteX130" fmla="*/ 2179011 w 6857455"/>
-              <a:gd name="connsiteY130" fmla="*/ 452744 h 874716"/>
-              <a:gd name="connsiteX131" fmla="*/ 2240165 w 6857455"/>
-              <a:gd name="connsiteY131" fmla="*/ 442648 h 874716"/>
-              <a:gd name="connsiteX132" fmla="*/ 2251404 w 6857455"/>
-              <a:gd name="connsiteY132" fmla="*/ 444172 h 874716"/>
-              <a:gd name="connsiteX133" fmla="*/ 2433912 w 6857455"/>
-              <a:gd name="connsiteY133" fmla="*/ 456746 h 874716"/>
-              <a:gd name="connsiteX134" fmla="*/ 2506302 w 6857455"/>
-              <a:gd name="connsiteY134" fmla="*/ 476939 h 874716"/>
-              <a:gd name="connsiteX135" fmla="*/ 2521735 w 6857455"/>
-              <a:gd name="connsiteY135" fmla="*/ 479415 h 874716"/>
-              <a:gd name="connsiteX136" fmla="*/ 2675854 w 6857455"/>
-              <a:gd name="connsiteY136" fmla="*/ 502086 h 874716"/>
-              <a:gd name="connsiteX137" fmla="*/ 2692998 w 6857455"/>
-              <a:gd name="connsiteY137" fmla="*/ 503038 h 874716"/>
-              <a:gd name="connsiteX138" fmla="*/ 2740816 w 6857455"/>
-              <a:gd name="connsiteY138" fmla="*/ 499037 h 874716"/>
-              <a:gd name="connsiteX139" fmla="*/ 2853596 w 6857455"/>
-              <a:gd name="connsiteY139" fmla="*/ 540187 h 874716"/>
-              <a:gd name="connsiteX140" fmla="*/ 2966565 w 6857455"/>
-              <a:gd name="connsiteY140" fmla="*/ 554286 h 874716"/>
-              <a:gd name="connsiteX141" fmla="*/ 3028671 w 6857455"/>
-              <a:gd name="connsiteY141" fmla="*/ 554094 h 874716"/>
-              <a:gd name="connsiteX142" fmla="*/ 3073059 w 6857455"/>
-              <a:gd name="connsiteY142" fmla="*/ 564192 h 874716"/>
-              <a:gd name="connsiteX143" fmla="*/ 3182219 w 6857455"/>
-              <a:gd name="connsiteY143" fmla="*/ 594862 h 874716"/>
-              <a:gd name="connsiteX144" fmla="*/ 3233656 w 6857455"/>
-              <a:gd name="connsiteY144" fmla="*/ 599625 h 874716"/>
-              <a:gd name="connsiteX145" fmla="*/ 3288332 w 6857455"/>
-              <a:gd name="connsiteY145" fmla="*/ 609914 h 874716"/>
-              <a:gd name="connsiteX146" fmla="*/ 3423591 w 6857455"/>
-              <a:gd name="connsiteY146" fmla="*/ 656015 h 874716"/>
-              <a:gd name="connsiteX147" fmla="*/ 3534084 w 6857455"/>
-              <a:gd name="connsiteY147" fmla="*/ 653349 h 874716"/>
-              <a:gd name="connsiteX148" fmla="*/ 3604571 w 6857455"/>
-              <a:gd name="connsiteY148" fmla="*/ 653918 h 874716"/>
-              <a:gd name="connsiteX149" fmla="*/ 3688586 w 6857455"/>
-              <a:gd name="connsiteY149" fmla="*/ 669160 h 874716"/>
-              <a:gd name="connsiteX150" fmla="*/ 3757358 w 6857455"/>
-              <a:gd name="connsiteY150" fmla="*/ 691450 h 874716"/>
-              <a:gd name="connsiteX151" fmla="*/ 3852421 w 6857455"/>
-              <a:gd name="connsiteY151" fmla="*/ 709167 h 874716"/>
-              <a:gd name="connsiteX152" fmla="*/ 3947104 w 6857455"/>
-              <a:gd name="connsiteY152" fmla="*/ 743267 h 874716"/>
-              <a:gd name="connsiteX153" fmla="*/ 4013208 w 6857455"/>
-              <a:gd name="connsiteY153" fmla="*/ 769367 h 874716"/>
-              <a:gd name="connsiteX154" fmla="*/ 4105222 w 6857455"/>
-              <a:gd name="connsiteY154" fmla="*/ 792418 h 874716"/>
-              <a:gd name="connsiteX155" fmla="*/ 4246006 w 6857455"/>
-              <a:gd name="connsiteY155" fmla="*/ 808610 h 874716"/>
-              <a:gd name="connsiteX156" fmla="*/ 4310779 w 6857455"/>
-              <a:gd name="connsiteY156" fmla="*/ 810326 h 874716"/>
-              <a:gd name="connsiteX157" fmla="*/ 4413272 w 6857455"/>
-              <a:gd name="connsiteY157" fmla="*/ 848235 h 874716"/>
-              <a:gd name="connsiteX158" fmla="*/ 4457087 w 6857455"/>
-              <a:gd name="connsiteY158" fmla="*/ 866524 h 874716"/>
-              <a:gd name="connsiteX159" fmla="*/ 4496523 w 6857455"/>
-              <a:gd name="connsiteY159" fmla="*/ 851284 h 874716"/>
-              <a:gd name="connsiteX160" fmla="*/ 4522050 w 6857455"/>
-              <a:gd name="connsiteY160" fmla="*/ 833757 h 874716"/>
-              <a:gd name="connsiteX161" fmla="*/ 4602824 w 6857455"/>
-              <a:gd name="connsiteY161" fmla="*/ 848618 h 874716"/>
-              <a:gd name="connsiteX162" fmla="*/ 4688553 w 6857455"/>
-              <a:gd name="connsiteY162" fmla="*/ 864238 h 874716"/>
-              <a:gd name="connsiteX163" fmla="*/ 4749895 w 6857455"/>
-              <a:gd name="connsiteY163" fmla="*/ 874716 h 874716"/>
-              <a:gd name="connsiteX164" fmla="*/ 4826480 w 6857455"/>
-              <a:gd name="connsiteY164" fmla="*/ 866334 h 874716"/>
-              <a:gd name="connsiteX165" fmla="*/ 4886870 w 6857455"/>
-              <a:gd name="connsiteY165" fmla="*/ 862906 h 874716"/>
-              <a:gd name="connsiteX166" fmla="*/ 4935639 w 6857455"/>
-              <a:gd name="connsiteY166" fmla="*/ 853190 h 874716"/>
-              <a:gd name="connsiteX167" fmla="*/ 4952784 w 6857455"/>
-              <a:gd name="connsiteY167" fmla="*/ 847473 h 874716"/>
-              <a:gd name="connsiteX168" fmla="*/ 5088617 w 6857455"/>
-              <a:gd name="connsiteY168" fmla="*/ 802896 h 874716"/>
-              <a:gd name="connsiteX169" fmla="*/ 5233781 w 6857455"/>
-              <a:gd name="connsiteY169" fmla="*/ 767271 h 874716"/>
-              <a:gd name="connsiteX170" fmla="*/ 5327893 w 6857455"/>
-              <a:gd name="connsiteY170" fmla="*/ 789752 h 874716"/>
-              <a:gd name="connsiteX171" fmla="*/ 5362946 w 6857455"/>
-              <a:gd name="connsiteY171" fmla="*/ 789370 h 874716"/>
-              <a:gd name="connsiteX172" fmla="*/ 5524115 w 6857455"/>
-              <a:gd name="connsiteY172" fmla="*/ 794514 h 874716"/>
-              <a:gd name="connsiteX173" fmla="*/ 5552500 w 6857455"/>
-              <a:gd name="connsiteY173" fmla="*/ 800038 h 874716"/>
-              <a:gd name="connsiteX174" fmla="*/ 5705857 w 6857455"/>
-              <a:gd name="connsiteY174" fmla="*/ 777367 h 874716"/>
-              <a:gd name="connsiteX175" fmla="*/ 5761485 w 6857455"/>
-              <a:gd name="connsiteY175" fmla="*/ 773557 h 874716"/>
-              <a:gd name="connsiteX176" fmla="*/ 5812731 w 6857455"/>
-              <a:gd name="connsiteY176" fmla="*/ 767271 h 874716"/>
-              <a:gd name="connsiteX177" fmla="*/ 5884361 w 6857455"/>
-              <a:gd name="connsiteY177" fmla="*/ 765747 h 874716"/>
-              <a:gd name="connsiteX178" fmla="*/ 5958660 w 6857455"/>
-              <a:gd name="connsiteY178" fmla="*/ 768605 h 874716"/>
-              <a:gd name="connsiteX179" fmla="*/ 6041528 w 6857455"/>
-              <a:gd name="connsiteY179" fmla="*/ 768033 h 874716"/>
-              <a:gd name="connsiteX180" fmla="*/ 6074297 w 6857455"/>
-              <a:gd name="connsiteY180" fmla="*/ 763081 h 874716"/>
-              <a:gd name="connsiteX181" fmla="*/ 6162880 w 6857455"/>
-              <a:gd name="connsiteY181" fmla="*/ 766509 h 874716"/>
-              <a:gd name="connsiteX182" fmla="*/ 6209364 w 6857455"/>
-              <a:gd name="connsiteY182" fmla="*/ 760795 h 874716"/>
-              <a:gd name="connsiteX183" fmla="*/ 6285948 w 6857455"/>
-              <a:gd name="connsiteY183" fmla="*/ 759651 h 874716"/>
-              <a:gd name="connsiteX184" fmla="*/ 6310905 w 6857455"/>
-              <a:gd name="connsiteY184" fmla="*/ 758316 h 874716"/>
-              <a:gd name="connsiteX185" fmla="*/ 6333194 w 6857455"/>
-              <a:gd name="connsiteY185" fmla="*/ 757554 h 874716"/>
-              <a:gd name="connsiteX186" fmla="*/ 6409586 w 6857455"/>
-              <a:gd name="connsiteY186" fmla="*/ 773177 h 874716"/>
-              <a:gd name="connsiteX187" fmla="*/ 6477407 w 6857455"/>
-              <a:gd name="connsiteY187" fmla="*/ 774129 h 874716"/>
-              <a:gd name="connsiteX188" fmla="*/ 6596283 w 6857455"/>
-              <a:gd name="connsiteY188" fmla="*/ 786703 h 874716"/>
-              <a:gd name="connsiteX189" fmla="*/ 6622573 w 6857455"/>
-              <a:gd name="connsiteY189" fmla="*/ 782321 h 874716"/>
-              <a:gd name="connsiteX190" fmla="*/ 6704872 w 6857455"/>
-              <a:gd name="connsiteY190" fmla="*/ 780607 h 874716"/>
-              <a:gd name="connsiteX191" fmla="*/ 6751738 w 6857455"/>
-              <a:gd name="connsiteY191" fmla="*/ 779273 h 874716"/>
-              <a:gd name="connsiteX192" fmla="*/ 6809650 w 6857455"/>
-              <a:gd name="connsiteY192" fmla="*/ 788417 h 874716"/>
-              <a:gd name="connsiteX193" fmla="*/ 6832976 w 6857455"/>
-              <a:gd name="connsiteY193" fmla="*/ 800428 h 874716"/>
-            </a:gdLst>
-            <a:ahLst/>
-            <a:cxnLst>
-              <a:cxn ang="0">
-                <a:pos x="connsiteX0" y="connsiteY0"/>
-              </a:cxn>
-              <a:cxn ang="0">
-                <a:pos x="connsiteX1" y="connsiteY1"/>
-              </a:cxn>
-              <a:cxn ang="0">
-                <a:pos x="connsiteX2" y="connsiteY2"/>
-              </a:cxn>
-              <a:cxn ang="0">
-                <a:pos x="connsiteX3" y="connsiteY3"/>
-              </a:cxn>
-              <a:cxn ang="0">
-                <a:pos x="connsiteX4" y="connsiteY4"/>
-              </a:cxn>
-              <a:cxn ang="0">
-                <a:pos x="connsiteX5" y="connsiteY5"/>
-              </a:cxn>
-              <a:cxn ang="0">
-                <a:pos x="connsiteX6" y="connsiteY6"/>
-              </a:cxn>
-              <a:cxn ang="0">
-                <a:pos x="connsiteX7" y="connsiteY7"/>
-              </a:cxn>
-              <a:cxn ang="0">
-                <a:pos x="connsiteX8" y="connsiteY8"/>
-              </a:cxn>
-              <a:cxn ang="0">
-                <a:pos x="connsiteX9" y="connsiteY9"/>
-              </a:cxn>
-              <a:cxn ang="0">
-                <a:pos x="connsiteX10" y="connsiteY10"/>
-              </a:cxn>
-              <a:cxn ang="0">
-                <a:pos x="connsiteX11" y="connsiteY11"/>
-              </a:cxn>
-              <a:cxn ang="0">
-                <a:pos x="connsiteX12" y="connsiteY12"/>
-              </a:cxn>
-              <a:cxn ang="0">
-                <a:pos x="connsiteX13" y="connsiteY13"/>
-              </a:cxn>
-              <a:cxn ang="0">
-                <a:pos x="connsiteX14" y="connsiteY14"/>
-              </a:cxn>
-              <a:cxn ang="0">
-                <a:pos x="connsiteX15" y="connsiteY15"/>
-              </a:cxn>
-              <a:cxn ang="0">
-                <a:pos x="connsiteX16" y="connsiteY16"/>
-              </a:cxn>
-              <a:cxn ang="0">
-                <a:pos x="connsiteX17" y="connsiteY17"/>
-              </a:cxn>
-              <a:cxn ang="0">
-                <a:pos x="connsiteX18" y="connsiteY18"/>
-              </a:cxn>
-              <a:cxn ang="0">
-                <a:pos x="connsiteX19" y="connsiteY19"/>
-              </a:cxn>
-              <a:cxn ang="0">
-                <a:pos x="connsiteX20" y="connsiteY20"/>
-              </a:cxn>
-              <a:cxn ang="0">
-                <a:pos x="connsiteX21" y="connsiteY21"/>
-              </a:cxn>
-              <a:cxn ang="0">
-                <a:pos x="connsiteX22" y="connsiteY22"/>
-              </a:cxn>
-              <a:cxn ang="0">
-                <a:pos x="connsiteX23" y="connsiteY23"/>
-              </a:cxn>
-              <a:cxn ang="0">
-                <a:pos x="connsiteX24" y="connsiteY24"/>
-              </a:cxn>
-              <a:cxn ang="0">
-                <a:pos x="connsiteX25" y="connsiteY25"/>
-              </a:cxn>
-              <a:cxn ang="0">
-                <a:pos x="connsiteX26" y="connsiteY26"/>
-              </a:cxn>
-              <a:cxn ang="0">
-                <a:pos x="connsiteX27" y="connsiteY27"/>
-              </a:cxn>
-              <a:cxn ang="0">
-                <a:pos x="connsiteX28" y="connsiteY28"/>
-              </a:cxn>
-              <a:cxn ang="0">
-                <a:pos x="connsiteX29" y="connsiteY29"/>
-              </a:cxn>
-              <a:cxn ang="0">
-                <a:pos x="connsiteX30" y="connsiteY30"/>
-              </a:cxn>
-              <a:cxn ang="0">
-                <a:pos x="connsiteX31" y="connsiteY31"/>
-              </a:cxn>
-              <a:cxn ang="0">
-                <a:pos x="connsiteX32" y="connsiteY32"/>
-              </a:cxn>
-              <a:cxn ang="0">
-                <a:pos x="connsiteX33" y="connsiteY33"/>
-              </a:cxn>
-              <a:cxn ang="0">
-                <a:pos x="connsiteX34" y="connsiteY34"/>
-              </a:cxn>
-              <a:cxn ang="0">
-                <a:pos x="connsiteX35" y="connsiteY35"/>
-              </a:cxn>
-              <a:cxn ang="0">
-                <a:pos x="connsiteX36" y="connsiteY36"/>
-              </a:cxn>
-              <a:cxn ang="0">
-                <a:pos x="connsiteX37" y="connsiteY37"/>
-              </a:cxn>
-              <a:cxn ang="0">
-                <a:pos x="connsiteX38" y="connsiteY38"/>
-              </a:cxn>
-              <a:cxn ang="0">
-                <a:pos x="connsiteX39" y="connsiteY39"/>
-              </a:cxn>
-              <a:cxn ang="0">
-                <a:pos x="connsiteX40" y="connsiteY40"/>
-              </a:cxn>
-              <a:cxn ang="0">
-                <a:pos x="connsiteX41" y="connsiteY41"/>
-              </a:cxn>
-              <a:cxn ang="0">
-                <a:pos x="connsiteX42" y="connsiteY42"/>
-              </a:cxn>
-              <a:cxn ang="0">
-                <a:pos x="connsiteX43" y="connsiteY43"/>
-              </a:cxn>
-              <a:cxn ang="0">
-                <a:pos x="connsiteX44" y="connsiteY44"/>
-              </a:cxn>
-              <a:cxn ang="0">
-                <a:pos x="connsiteX45" y="connsiteY45"/>
-              </a:cxn>
-              <a:cxn ang="0">
-                <a:pos x="connsiteX46" y="connsiteY46"/>
-              </a:cxn>
-              <a:cxn ang="0">
-                <a:pos x="connsiteX47" y="connsiteY47"/>
-              </a:cxn>
-              <a:cxn ang="0">
-                <a:pos x="connsiteX48" y="connsiteY48"/>
-              </a:cxn>
-              <a:cxn ang="0">
-                <a:pos x="connsiteX49" y="connsiteY49"/>
-              </a:cxn>
-              <a:cxn ang="0">
-                <a:pos x="connsiteX50" y="connsiteY50"/>
-              </a:cxn>
-              <a:cxn ang="0">
-                <a:pos x="connsiteX51" y="connsiteY51"/>
-              </a:cxn>
-              <a:cxn ang="0">
-                <a:pos x="connsiteX52" y="connsiteY52"/>
-              </a:cxn>
-              <a:cxn ang="0">
-                <a:pos x="connsiteX53" y="connsiteY53"/>
-              </a:cxn>
-              <a:cxn ang="0">
-                <a:pos x="connsiteX54" y="connsiteY54"/>
-              </a:cxn>
-              <a:cxn ang="0">
-                <a:pos x="connsiteX55" y="connsiteY55"/>
-              </a:cxn>
-              <a:cxn ang="0">
-                <a:pos x="connsiteX56" y="connsiteY56"/>
-              </a:cxn>
-              <a:cxn ang="0">
-                <a:pos x="connsiteX57" y="connsiteY57"/>
-              </a:cxn>
-              <a:cxn ang="0">
-                <a:pos x="connsiteX58" y="connsiteY58"/>
-              </a:cxn>
-              <a:cxn ang="0">
-                <a:pos x="connsiteX59" y="connsiteY59"/>
-              </a:cxn>
-              <a:cxn ang="0">
-                <a:pos x="connsiteX60" y="connsiteY60"/>
-              </a:cxn>
-              <a:cxn ang="0">
-                <a:pos x="connsiteX61" y="connsiteY61"/>
-              </a:cxn>
-              <a:cxn ang="0">
-                <a:pos x="connsiteX62" y="connsiteY62"/>
-              </a:cxn>
-              <a:cxn ang="0">
-                <a:pos x="connsiteX63" y="connsiteY63"/>
-              </a:cxn>
-              <a:cxn ang="0">
-                <a:pos x="connsiteX64" y="connsiteY64"/>
-              </a:cxn>
-              <a:cxn ang="0">
-                <a:pos x="connsiteX65" y="connsiteY65"/>
-              </a:cxn>
-              <a:cxn ang="0">
-                <a:pos x="connsiteX66" y="connsiteY66"/>
-              </a:cxn>
-              <a:cxn ang="0">
-                <a:pos x="connsiteX67" y="connsiteY67"/>
-              </a:cxn>
-              <a:cxn ang="0">
-                <a:pos x="connsiteX68" y="connsiteY68"/>
-              </a:cxn>
-              <a:cxn ang="0">
-                <a:pos x="connsiteX69" y="connsiteY69"/>
-              </a:cxn>
-              <a:cxn ang="0">
-                <a:pos x="connsiteX70" y="connsiteY70"/>
-              </a:cxn>
-              <a:cxn ang="0">
-                <a:pos x="connsiteX71" y="connsiteY71"/>
-              </a:cxn>
-              <a:cxn ang="0">
-                <a:pos x="connsiteX72" y="connsiteY72"/>
-              </a:cxn>
-              <a:cxn ang="0">
-                <a:pos x="connsiteX73" y="connsiteY73"/>
-              </a:cxn>
-              <a:cxn ang="0">
-                <a:pos x="connsiteX74" y="connsiteY74"/>
-              </a:cxn>
-              <a:cxn ang="0">
-                <a:pos x="connsiteX75" y="connsiteY75"/>
-              </a:cxn>
-              <a:cxn ang="0">
-                <a:pos x="connsiteX76" y="connsiteY76"/>
-              </a:cxn>
-              <a:cxn ang="0">
-                <a:pos x="connsiteX77" y="connsiteY77"/>
-              </a:cxn>
-              <a:cxn ang="0">
-                <a:pos x="connsiteX78" y="connsiteY78"/>
-              </a:cxn>
-              <a:cxn ang="0">
-                <a:pos x="connsiteX79" y="connsiteY79"/>
-              </a:cxn>
-              <a:cxn ang="0">
-                <a:pos x="connsiteX80" y="connsiteY80"/>
-              </a:cxn>
-              <a:cxn ang="0">
-                <a:pos x="connsiteX81" y="connsiteY81"/>
-              </a:cxn>
-              <a:cxn ang="0">
-                <a:pos x="connsiteX82" y="connsiteY82"/>
-              </a:cxn>
-              <a:cxn ang="0">
-                <a:pos x="connsiteX83" y="connsiteY83"/>
-              </a:cxn>
-              <a:cxn ang="0">
-                <a:pos x="connsiteX84" y="connsiteY84"/>
-              </a:cxn>
-              <a:cxn ang="0">
-                <a:pos x="connsiteX85" y="connsiteY85"/>
-              </a:cxn>
-              <a:cxn ang="0">
-                <a:pos x="connsiteX86" y="connsiteY86"/>
-              </a:cxn>
-              <a:cxn ang="0">
-                <a:pos x="connsiteX87" y="connsiteY87"/>
-              </a:cxn>
-              <a:cxn ang="0">
-                <a:pos x="connsiteX88" y="connsiteY88"/>
-              </a:cxn>
-              <a:cxn ang="0">
-                <a:pos x="connsiteX89" y="connsiteY89"/>
-              </a:cxn>
-              <a:cxn ang="0">
-                <a:pos x="connsiteX90" y="connsiteY90"/>
-              </a:cxn>
-              <a:cxn ang="0">
-                <a:pos x="connsiteX91" y="connsiteY91"/>
-              </a:cxn>
-              <a:cxn ang="0">
-                <a:pos x="connsiteX92" y="connsiteY92"/>
-              </a:cxn>
-              <a:cxn ang="0">
-                <a:pos x="connsiteX93" y="connsiteY93"/>
-              </a:cxn>
-              <a:cxn ang="0">
-                <a:pos x="connsiteX94" y="connsiteY94"/>
-              </a:cxn>
-              <a:cxn ang="0">
-                <a:pos x="connsiteX95" y="connsiteY95"/>
-              </a:cxn>
-              <a:cxn ang="0">
-                <a:pos x="connsiteX96" y="connsiteY96"/>
-              </a:cxn>
-              <a:cxn ang="0">
-                <a:pos x="connsiteX97" y="connsiteY97"/>
-              </a:cxn>
-              <a:cxn ang="0">
-                <a:pos x="connsiteX98" y="connsiteY98"/>
-              </a:cxn>
-              <a:cxn ang="0">
-                <a:pos x="connsiteX99" y="connsiteY99"/>
-              </a:cxn>
-              <a:cxn ang="0">
-                <a:pos x="connsiteX100" y="connsiteY100"/>
-              </a:cxn>
-              <a:cxn ang="0">
-                <a:pos x="connsiteX101" y="connsiteY101"/>
-              </a:cxn>
-              <a:cxn ang="0">
-                <a:pos x="connsiteX102" y="connsiteY102"/>
-              </a:cxn>
-              <a:cxn ang="0">
-                <a:pos x="connsiteX103" y="connsiteY103"/>
-              </a:cxn>
-              <a:cxn ang="0">
-                <a:pos x="connsiteX104" y="connsiteY104"/>
-              </a:cxn>
-              <a:cxn ang="0">
-                <a:pos x="connsiteX105" y="connsiteY105"/>
-              </a:cxn>
-              <a:cxn ang="0">
-                <a:pos x="connsiteX106" y="connsiteY106"/>
-              </a:cxn>
-              <a:cxn ang="0">
-                <a:pos x="connsiteX107" y="connsiteY107"/>
-              </a:cxn>
-              <a:cxn ang="0">
-                <a:pos x="connsiteX108" y="connsiteY108"/>
-              </a:cxn>
-              <a:cxn ang="0">
-                <a:pos x="connsiteX109" y="connsiteY109"/>
-              </a:cxn>
-              <a:cxn ang="0">
-                <a:pos x="connsiteX110" y="connsiteY110"/>
-              </a:cxn>
-              <a:cxn ang="0">
-                <a:pos x="connsiteX111" y="connsiteY111"/>
-              </a:cxn>
-              <a:cxn ang="0">
-                <a:pos x="connsiteX112" y="connsiteY112"/>
-              </a:cxn>
-              <a:cxn ang="0">
-                <a:pos x="connsiteX113" y="connsiteY113"/>
-              </a:cxn>
-              <a:cxn ang="0">
-                <a:pos x="connsiteX114" y="connsiteY114"/>
-              </a:cxn>
-              <a:cxn ang="0">
-                <a:pos x="connsiteX115" y="connsiteY115"/>
-              </a:cxn>
-              <a:cxn ang="0">
-                <a:pos x="connsiteX116" y="connsiteY116"/>
-              </a:cxn>
-              <a:cxn ang="0">
-                <a:pos x="connsiteX117" y="connsiteY117"/>
-              </a:cxn>
-              <a:cxn ang="0">
-                <a:pos x="connsiteX118" y="connsiteY118"/>
-              </a:cxn>
-              <a:cxn ang="0">
-                <a:pos x="connsiteX119" y="connsiteY119"/>
-              </a:cxn>
-              <a:cxn ang="0">
-                <a:pos x="connsiteX120" y="connsiteY120"/>
-              </a:cxn>
-              <a:cxn ang="0">
-                <a:pos x="connsiteX121" y="connsiteY121"/>
-              </a:cxn>
-              <a:cxn ang="0">
-                <a:pos x="connsiteX122" y="connsiteY122"/>
-              </a:cxn>
-              <a:cxn ang="0">
-                <a:pos x="connsiteX123" y="connsiteY123"/>
-              </a:cxn>
-              <a:cxn ang="0">
-                <a:pos x="connsiteX124" y="connsiteY124"/>
-              </a:cxn>
-              <a:cxn ang="0">
-                <a:pos x="connsiteX125" y="connsiteY125"/>
-              </a:cxn>
-              <a:cxn ang="0">
-                <a:pos x="connsiteX126" y="connsiteY126"/>
-              </a:cxn>
-              <a:cxn ang="0">
-                <a:pos x="connsiteX127" y="connsiteY127"/>
-              </a:cxn>
-              <a:cxn ang="0">
-                <a:pos x="connsiteX128" y="connsiteY128"/>
-              </a:cxn>
-              <a:cxn ang="0">
-                <a:pos x="connsiteX129" y="connsiteY129"/>
-              </a:cxn>
-              <a:cxn ang="0">
-                <a:pos x="connsiteX130" y="connsiteY130"/>
-              </a:cxn>
-              <a:cxn ang="0">
-                <a:pos x="connsiteX131" y="connsiteY131"/>
-              </a:cxn>
-              <a:cxn ang="0">
-                <a:pos x="connsiteX132" y="connsiteY132"/>
-              </a:cxn>
-              <a:cxn ang="0">
-                <a:pos x="connsiteX133" y="connsiteY133"/>
-              </a:cxn>
-              <a:cxn ang="0">
-                <a:pos x="connsiteX134" y="connsiteY134"/>
-              </a:cxn>
-              <a:cxn ang="0">
-                <a:pos x="connsiteX135" y="connsiteY135"/>
-              </a:cxn>
-              <a:cxn ang="0">
-                <a:pos x="connsiteX136" y="connsiteY136"/>
-              </a:cxn>
-              <a:cxn ang="0">
-                <a:pos x="connsiteX137" y="connsiteY137"/>
-              </a:cxn>
-              <a:cxn ang="0">
-                <a:pos x="connsiteX138" y="connsiteY138"/>
-              </a:cxn>
-              <a:cxn ang="0">
-                <a:pos x="connsiteX139" y="connsiteY139"/>
-              </a:cxn>
-              <a:cxn ang="0">
-                <a:pos x="connsiteX140" y="connsiteY140"/>
-              </a:cxn>
-              <a:cxn ang="0">
-                <a:pos x="connsiteX141" y="connsiteY141"/>
-              </a:cxn>
-              <a:cxn ang="0">
-                <a:pos x="connsiteX142" y="connsiteY142"/>
-              </a:cxn>
-              <a:cxn ang="0">
-                <a:pos x="connsiteX143" y="connsiteY143"/>
-              </a:cxn>
-              <a:cxn ang="0">
-                <a:pos x="connsiteX144" y="connsiteY144"/>
-              </a:cxn>
-              <a:cxn ang="0">
-                <a:pos x="connsiteX145" y="connsiteY145"/>
-              </a:cxn>
-              <a:cxn ang="0">
-                <a:pos x="connsiteX146" y="connsiteY146"/>
-              </a:cxn>
-              <a:cxn ang="0">
-                <a:pos x="connsiteX147" y="connsiteY147"/>
-              </a:cxn>
-              <a:cxn ang="0">
-                <a:pos x="connsiteX148" y="connsiteY148"/>
-              </a:cxn>
-              <a:cxn ang="0">
-                <a:pos x="connsiteX149" y="connsiteY149"/>
-              </a:cxn>
-              <a:cxn ang="0">
-                <a:pos x="connsiteX150" y="connsiteY150"/>
-              </a:cxn>
-              <a:cxn ang="0">
-                <a:pos x="connsiteX151" y="connsiteY151"/>
-              </a:cxn>
-              <a:cxn ang="0">
-                <a:pos x="connsiteX152" y="connsiteY152"/>
-              </a:cxn>
-              <a:cxn ang="0">
-                <a:pos x="connsiteX153" y="connsiteY153"/>
-              </a:cxn>
-              <a:cxn ang="0">
-                <a:pos x="connsiteX154" y="connsiteY154"/>
-              </a:cxn>
-              <a:cxn ang="0">
-                <a:pos x="connsiteX155" y="connsiteY155"/>
-              </a:cxn>
-              <a:cxn ang="0">
-                <a:pos x="connsiteX156" y="connsiteY156"/>
-              </a:cxn>
-              <a:cxn ang="0">
-                <a:pos x="connsiteX157" y="connsiteY157"/>
-              </a:cxn>
-              <a:cxn ang="0">
-                <a:pos x="connsiteX158" y="connsiteY158"/>
-              </a:cxn>
-              <a:cxn ang="0">
-                <a:pos x="connsiteX159" y="connsiteY159"/>
-              </a:cxn>
-              <a:cxn ang="0">
-                <a:pos x="connsiteX160" y="connsiteY160"/>
-              </a:cxn>
-              <a:cxn ang="0">
-                <a:pos x="connsiteX161" y="connsiteY161"/>
-              </a:cxn>
-              <a:cxn ang="0">
-                <a:pos x="connsiteX162" y="connsiteY162"/>
-              </a:cxn>
-              <a:cxn ang="0">
-                <a:pos x="connsiteX163" y="connsiteY163"/>
-              </a:cxn>
-              <a:cxn ang="0">
-                <a:pos x="connsiteX164" y="connsiteY164"/>
-              </a:cxn>
-              <a:cxn ang="0">
-                <a:pos x="connsiteX165" y="connsiteY165"/>
-              </a:cxn>
-              <a:cxn ang="0">
-                <a:pos x="connsiteX166" y="connsiteY166"/>
-              </a:cxn>
-              <a:cxn ang="0">
-                <a:pos x="connsiteX167" y="connsiteY167"/>
-              </a:cxn>
-              <a:cxn ang="0">
-                <a:pos x="connsiteX168" y="connsiteY168"/>
-              </a:cxn>
-              <a:cxn ang="0">
-                <a:pos x="connsiteX169" y="connsiteY169"/>
-              </a:cxn>
-              <a:cxn ang="0">
-                <a:pos x="connsiteX170" y="connsiteY170"/>
-              </a:cxn>
-              <a:cxn ang="0">
-                <a:pos x="connsiteX171" y="connsiteY171"/>
-              </a:cxn>
-              <a:cxn ang="0">
-                <a:pos x="connsiteX172" y="connsiteY172"/>
-              </a:cxn>
-              <a:cxn ang="0">
-                <a:pos x="connsiteX173" y="connsiteY173"/>
-              </a:cxn>
-              <a:cxn ang="0">
-                <a:pos x="connsiteX174" y="connsiteY174"/>
-              </a:cxn>
-              <a:cxn ang="0">
-                <a:pos x="connsiteX175" y="connsiteY175"/>
-              </a:cxn>
-              <a:cxn ang="0">
-                <a:pos x="connsiteX176" y="connsiteY176"/>
-              </a:cxn>
-              <a:cxn ang="0">
-                <a:pos x="connsiteX177" y="connsiteY177"/>
-              </a:cxn>
-              <a:cxn ang="0">
-                <a:pos x="connsiteX178" y="connsiteY178"/>
-              </a:cxn>
-              <a:cxn ang="0">
-                <a:pos x="connsiteX179" y="connsiteY179"/>
-              </a:cxn>
-              <a:cxn ang="0">
-                <a:pos x="connsiteX180" y="connsiteY180"/>
-              </a:cxn>
-              <a:cxn ang="0">
-                <a:pos x="connsiteX181" y="connsiteY181"/>
-              </a:cxn>
-              <a:cxn ang="0">
-                <a:pos x="connsiteX182" y="connsiteY182"/>
-              </a:cxn>
-              <a:cxn ang="0">
-                <a:pos x="connsiteX183" y="connsiteY183"/>
-              </a:cxn>
-              <a:cxn ang="0">
-                <a:pos x="connsiteX184" y="connsiteY184"/>
-              </a:cxn>
-              <a:cxn ang="0">
-                <a:pos x="connsiteX185" y="connsiteY185"/>
-              </a:cxn>
-              <a:cxn ang="0">
-                <a:pos x="connsiteX186" y="connsiteY186"/>
-              </a:cxn>
-              <a:cxn ang="0">
-                <a:pos x="connsiteX187" y="connsiteY187"/>
-              </a:cxn>
-              <a:cxn ang="0">
-                <a:pos x="connsiteX188" y="connsiteY188"/>
-              </a:cxn>
-              <a:cxn ang="0">
-                <a:pos x="connsiteX189" y="connsiteY189"/>
-              </a:cxn>
-              <a:cxn ang="0">
-                <a:pos x="connsiteX190" y="connsiteY190"/>
-              </a:cxn>
-              <a:cxn ang="0">
-                <a:pos x="connsiteX191" y="connsiteY191"/>
-              </a:cxn>
-              <a:cxn ang="0">
-                <a:pos x="connsiteX192" y="connsiteY192"/>
-              </a:cxn>
-              <a:cxn ang="0">
-                <a:pos x="connsiteX193" y="connsiteY193"/>
-              </a:cxn>
-            </a:cxnLst>
-            <a:rect l="l" t="t" r="r" b="b"/>
-            <a:pathLst>
-              <a:path w="6857455" h="874716">
-                <a:moveTo>
-                  <a:pt x="6857455" y="804643"/>
-                </a:moveTo>
-                <a:lnTo>
-                  <a:pt x="6857455" y="562246"/>
-                </a:lnTo>
-                <a:lnTo>
-                  <a:pt x="6829178" y="551284"/>
-                </a:lnTo>
-                <a:cubicBezTo>
-                  <a:pt x="6805745" y="539044"/>
-                  <a:pt x="6784885" y="521708"/>
-                  <a:pt x="6766024" y="500372"/>
-                </a:cubicBezTo>
-                <a:cubicBezTo>
-                  <a:pt x="6755166" y="488179"/>
-                  <a:pt x="6746784" y="486845"/>
-                  <a:pt x="6734971" y="500944"/>
-                </a:cubicBezTo>
-                <a:cubicBezTo>
-                  <a:pt x="6721257" y="517326"/>
-                  <a:pt x="6701634" y="510850"/>
-                  <a:pt x="6683915" y="507040"/>
-                </a:cubicBezTo>
-                <a:cubicBezTo>
-                  <a:pt x="6665629" y="503230"/>
-                  <a:pt x="6647148" y="499228"/>
-                  <a:pt x="6628860" y="495418"/>
-                </a:cubicBezTo>
-                <a:cubicBezTo>
-                  <a:pt x="6615335" y="492752"/>
-                  <a:pt x="6601999" y="490466"/>
-                  <a:pt x="6588662" y="487227"/>
-                </a:cubicBezTo>
-                <a:cubicBezTo>
-                  <a:pt x="6547133" y="477129"/>
-                  <a:pt x="6509794" y="480177"/>
-                  <a:pt x="6476074" y="511230"/>
-                </a:cubicBezTo>
-                <a:cubicBezTo>
-                  <a:pt x="6450356" y="535043"/>
-                  <a:pt x="6417399" y="542093"/>
-                  <a:pt x="6382345" y="534853"/>
-                </a:cubicBezTo>
-                <a:cubicBezTo>
-                  <a:pt x="6377963" y="533901"/>
-                  <a:pt x="6372439" y="530091"/>
-                  <a:pt x="6369391" y="531615"/>
-                </a:cubicBezTo>
-                <a:cubicBezTo>
-                  <a:pt x="6323479" y="553904"/>
-                  <a:pt x="6287092" y="514658"/>
-                  <a:pt x="6244799" y="512182"/>
-                </a:cubicBezTo>
-                <a:cubicBezTo>
-                  <a:pt x="6226130" y="511040"/>
-                  <a:pt x="6207079" y="496942"/>
-                  <a:pt x="6190315" y="485703"/>
-                </a:cubicBezTo>
-                <a:cubicBezTo>
-                  <a:pt x="6167262" y="470271"/>
-                  <a:pt x="6146687" y="455412"/>
-                  <a:pt x="6115446" y="462270"/>
-                </a:cubicBezTo>
-                <a:cubicBezTo>
-                  <a:pt x="6084203" y="469319"/>
-                  <a:pt x="6055627" y="456364"/>
-                  <a:pt x="6032194" y="434266"/>
-                </a:cubicBezTo>
-                <a:cubicBezTo>
-                  <a:pt x="6014287" y="417501"/>
-                  <a:pt x="5994665" y="415977"/>
-                  <a:pt x="5971042" y="420738"/>
-                </a:cubicBezTo>
-                <a:cubicBezTo>
-                  <a:pt x="5941513" y="426645"/>
-                  <a:pt x="5910842" y="427027"/>
-                  <a:pt x="5880933" y="430646"/>
-                </a:cubicBezTo>
-                <a:cubicBezTo>
-                  <a:pt x="5874454" y="431408"/>
-                  <a:pt x="5866265" y="434076"/>
-                  <a:pt x="5862452" y="438648"/>
-                </a:cubicBezTo>
-                <a:cubicBezTo>
-                  <a:pt x="5815779" y="495418"/>
-                  <a:pt x="5750055" y="495990"/>
-                  <a:pt x="5685283" y="498658"/>
-                </a:cubicBezTo>
-                <a:cubicBezTo>
-                  <a:pt x="5646039" y="500372"/>
-                  <a:pt x="5606604" y="500372"/>
-                  <a:pt x="5567169" y="499420"/>
-                </a:cubicBezTo>
-                <a:cubicBezTo>
-                  <a:pt x="5553832" y="499228"/>
-                  <a:pt x="5539736" y="496180"/>
-                  <a:pt x="5527923" y="490466"/>
-                </a:cubicBezTo>
-                <a:cubicBezTo>
-                  <a:pt x="5503348" y="478463"/>
-                  <a:pt x="5480680" y="462843"/>
-                  <a:pt x="5456292" y="450650"/>
-                </a:cubicBezTo>
-                <a:cubicBezTo>
-                  <a:pt x="5447151" y="445886"/>
-                  <a:pt x="5435338" y="445696"/>
-                  <a:pt x="5424670" y="444934"/>
-                </a:cubicBezTo>
-                <a:cubicBezTo>
-                  <a:pt x="5405809" y="443410"/>
-                  <a:pt x="5384854" y="447982"/>
-                  <a:pt x="5368662" y="441124"/>
-                </a:cubicBezTo>
-                <a:cubicBezTo>
-                  <a:pt x="5326559" y="423407"/>
-                  <a:pt x="5287123" y="427407"/>
-                  <a:pt x="5247118" y="444934"/>
-                </a:cubicBezTo>
-                <a:cubicBezTo>
-                  <a:pt x="5191108" y="469509"/>
-                  <a:pt x="5138148" y="467605"/>
-                  <a:pt x="5088617" y="428742"/>
-                </a:cubicBezTo>
-                <a:cubicBezTo>
-                  <a:pt x="5066328" y="411215"/>
-                  <a:pt x="5044609" y="419596"/>
-                  <a:pt x="5025750" y="433694"/>
-                </a:cubicBezTo>
-                <a:cubicBezTo>
-                  <a:pt x="5004032" y="450078"/>
-                  <a:pt x="4982885" y="454268"/>
-                  <a:pt x="4957930" y="442268"/>
-                </a:cubicBezTo>
-                <a:cubicBezTo>
-                  <a:pt x="4952404" y="439600"/>
-                  <a:pt x="4944594" y="440933"/>
-                  <a:pt x="4938116" y="441886"/>
-                </a:cubicBezTo>
-                <a:cubicBezTo>
-                  <a:pt x="4901158" y="446648"/>
-                  <a:pt x="4864009" y="454650"/>
-                  <a:pt x="4833910" y="421693"/>
-                </a:cubicBezTo>
-                <a:cubicBezTo>
-                  <a:pt x="4828004" y="415214"/>
-                  <a:pt x="4818097" y="412549"/>
-                  <a:pt x="4810095" y="408167"/>
-                </a:cubicBezTo>
-                <a:cubicBezTo>
-                  <a:pt x="4776566" y="390258"/>
-                  <a:pt x="4777900" y="391974"/>
-                  <a:pt x="4747991" y="413691"/>
-                </a:cubicBezTo>
-                <a:cubicBezTo>
-                  <a:pt x="4732369" y="425121"/>
-                  <a:pt x="4710842" y="436742"/>
-                  <a:pt x="4692745" y="435790"/>
-                </a:cubicBezTo>
-                <a:cubicBezTo>
-                  <a:pt x="4583584" y="430075"/>
-                  <a:pt x="4479758" y="457508"/>
-                  <a:pt x="4375933" y="483417"/>
-                </a:cubicBezTo>
-                <a:cubicBezTo>
-                  <a:pt x="4311923" y="499420"/>
-                  <a:pt x="4249436" y="500372"/>
-                  <a:pt x="4185426" y="484179"/>
-                </a:cubicBezTo>
-                <a:cubicBezTo>
-                  <a:pt x="4139133" y="472367"/>
-                  <a:pt x="4095315" y="491800"/>
-                  <a:pt x="4052072" y="505134"/>
-                </a:cubicBezTo>
-                <a:cubicBezTo>
-                  <a:pt x="4043117" y="507799"/>
-                  <a:pt x="4034735" y="518278"/>
-                  <a:pt x="4029973" y="527233"/>
-                </a:cubicBezTo>
-                <a:cubicBezTo>
-                  <a:pt x="4012826" y="558858"/>
-                  <a:pt x="3984441" y="563810"/>
-                  <a:pt x="3948626" y="550666"/>
-                </a:cubicBezTo>
-                <a:cubicBezTo>
-                  <a:pt x="3920241" y="540377"/>
-                  <a:pt x="3894332" y="526661"/>
-                  <a:pt x="3871280" y="502275"/>
-                </a:cubicBezTo>
-                <a:cubicBezTo>
-                  <a:pt x="3844229" y="473701"/>
-                  <a:pt x="3816224" y="441124"/>
-                  <a:pt x="3774312" y="429122"/>
-                </a:cubicBezTo>
-                <a:cubicBezTo>
-                  <a:pt x="3756214" y="423979"/>
-                  <a:pt x="3740593" y="423217"/>
-                  <a:pt x="3721543" y="428552"/>
-                </a:cubicBezTo>
-                <a:cubicBezTo>
-                  <a:pt x="3684583" y="438837"/>
-                  <a:pt x="3647436" y="446078"/>
-                  <a:pt x="3612763" y="414263"/>
-                </a:cubicBezTo>
-                <a:cubicBezTo>
-                  <a:pt x="3593712" y="396736"/>
-                  <a:pt x="3567994" y="385496"/>
-                  <a:pt x="3537323" y="389878"/>
-                </a:cubicBezTo>
-                <a:cubicBezTo>
-                  <a:pt x="3499031" y="395402"/>
-                  <a:pt x="3464168" y="381496"/>
-                  <a:pt x="3431593" y="360921"/>
-                </a:cubicBezTo>
-                <a:cubicBezTo>
-                  <a:pt x="3419971" y="353491"/>
-                  <a:pt x="3405682" y="349301"/>
-                  <a:pt x="3392158" y="345681"/>
-                </a:cubicBezTo>
-                <a:cubicBezTo>
-                  <a:pt x="3360915" y="337298"/>
-                  <a:pt x="3329480" y="329868"/>
-                  <a:pt x="3297856" y="323010"/>
-                </a:cubicBezTo>
-                <a:cubicBezTo>
-                  <a:pt x="3271948" y="317296"/>
-                  <a:pt x="3245849" y="313104"/>
-                  <a:pt x="3219748" y="308151"/>
-                </a:cubicBezTo>
-                <a:cubicBezTo>
-                  <a:pt x="3191173" y="302817"/>
-                  <a:pt x="3168502" y="290433"/>
-                  <a:pt x="3156692" y="261668"/>
-                </a:cubicBezTo>
-                <a:cubicBezTo>
-                  <a:pt x="3152882" y="252524"/>
-                  <a:pt x="3143737" y="245283"/>
-                  <a:pt x="3136497" y="237663"/>
-                </a:cubicBezTo>
-                <a:cubicBezTo>
-                  <a:pt x="3131355" y="232139"/>
-                  <a:pt x="3124495" y="227947"/>
-                  <a:pt x="3119733" y="222233"/>
-                </a:cubicBezTo>
-                <a:cubicBezTo>
-                  <a:pt x="3094776" y="192132"/>
-                  <a:pt x="3070201" y="161843"/>
-                  <a:pt x="3045436" y="131742"/>
-                </a:cubicBezTo>
-                <a:cubicBezTo>
-                  <a:pt x="3042958" y="128884"/>
-                  <a:pt x="3040292" y="125455"/>
-                  <a:pt x="3037054" y="124121"/>
-                </a:cubicBezTo>
-                <a:cubicBezTo>
-                  <a:pt x="3003525" y="110215"/>
-                  <a:pt x="2969614" y="97070"/>
-                  <a:pt x="2936466" y="82400"/>
-                </a:cubicBezTo>
-                <a:cubicBezTo>
-                  <a:pt x="2923702" y="76686"/>
-                  <a:pt x="2910558" y="69637"/>
-                  <a:pt x="2901031" y="59731"/>
-                </a:cubicBezTo>
-                <a:cubicBezTo>
-                  <a:pt x="2879314" y="37250"/>
-                  <a:pt x="2859502" y="12866"/>
-                  <a:pt x="2828259" y="3149"/>
-                </a:cubicBezTo>
-                <a:cubicBezTo>
-                  <a:pt x="2819114" y="293"/>
-                  <a:pt x="2808256" y="-1231"/>
-                  <a:pt x="2799492" y="1245"/>
-                </a:cubicBezTo>
-                <a:cubicBezTo>
-                  <a:pt x="2763867" y="11532"/>
-                  <a:pt x="2729005" y="24296"/>
-                  <a:pt x="2693570" y="35154"/>
-                </a:cubicBezTo>
-                <a:cubicBezTo>
-                  <a:pt x="2671092" y="41823"/>
-                  <a:pt x="2650707" y="49825"/>
-                  <a:pt x="2639847" y="73448"/>
-                </a:cubicBezTo>
-                <a:cubicBezTo>
-                  <a:pt x="2636801" y="80114"/>
-                  <a:pt x="2628226" y="87354"/>
-                  <a:pt x="2621178" y="88688"/>
-                </a:cubicBezTo>
-                <a:cubicBezTo>
-                  <a:pt x="2575839" y="97260"/>
-                  <a:pt x="2531069" y="101451"/>
-                  <a:pt x="2489348" y="72304"/>
-                </a:cubicBezTo>
-                <a:cubicBezTo>
-                  <a:pt x="2480585" y="66017"/>
-                  <a:pt x="2464201" y="66017"/>
-                  <a:pt x="2452580" y="68683"/>
-                </a:cubicBezTo>
-                <a:cubicBezTo>
-                  <a:pt x="2407811" y="78590"/>
-                  <a:pt x="2365328" y="82020"/>
-                  <a:pt x="2326464" y="50395"/>
-                </a:cubicBezTo>
-                <a:cubicBezTo>
-                  <a:pt x="2321892" y="46585"/>
-                  <a:pt x="2307224" y="50015"/>
-                  <a:pt x="2300365" y="54777"/>
-                </a:cubicBezTo>
-                <a:cubicBezTo>
-                  <a:pt x="2234259" y="101261"/>
-                  <a:pt x="2198064" y="102405"/>
-                  <a:pt x="2130434" y="58397"/>
-                </a:cubicBezTo>
-                <a:cubicBezTo>
-                  <a:pt x="2126052" y="55539"/>
-                  <a:pt x="2120337" y="52301"/>
-                  <a:pt x="2118621" y="47919"/>
-                </a:cubicBezTo>
-                <a:cubicBezTo>
-                  <a:pt x="2107001" y="19914"/>
-                  <a:pt x="2082236" y="19152"/>
-                  <a:pt x="2057659" y="16866"/>
-                </a:cubicBezTo>
-                <a:cubicBezTo>
-                  <a:pt x="2030608" y="14390"/>
-                  <a:pt x="2003555" y="11152"/>
-                  <a:pt x="1976314" y="8865"/>
-                </a:cubicBezTo>
-                <a:cubicBezTo>
-                  <a:pt x="1971550" y="8483"/>
-                  <a:pt x="1966216" y="10007"/>
-                  <a:pt x="1961454" y="11724"/>
-                </a:cubicBezTo>
-                <a:cubicBezTo>
-                  <a:pt x="1943165" y="18010"/>
-                  <a:pt x="1925449" y="27154"/>
-                  <a:pt x="1906588" y="30964"/>
-                </a:cubicBezTo>
-                <a:cubicBezTo>
-                  <a:pt x="1865821" y="39156"/>
-                  <a:pt x="1826385" y="55539"/>
-                  <a:pt x="1783330" y="48871"/>
-                </a:cubicBezTo>
-                <a:cubicBezTo>
-                  <a:pt x="1775902" y="47729"/>
-                  <a:pt x="1767327" y="53253"/>
-                  <a:pt x="1759327" y="55349"/>
-                </a:cubicBezTo>
-                <a:cubicBezTo>
-                  <a:pt x="1744849" y="58969"/>
-                  <a:pt x="1730750" y="64111"/>
-                  <a:pt x="1716082" y="65445"/>
-                </a:cubicBezTo>
-                <a:cubicBezTo>
-                  <a:pt x="1677218" y="68875"/>
-                  <a:pt x="1637975" y="71924"/>
-                  <a:pt x="1598920" y="72114"/>
-                </a:cubicBezTo>
-                <a:cubicBezTo>
-                  <a:pt x="1580061" y="72304"/>
-                  <a:pt x="1561201" y="65065"/>
-                  <a:pt x="1542150" y="62207"/>
-                </a:cubicBezTo>
-                <a:cubicBezTo>
-                  <a:pt x="1533578" y="60873"/>
-                  <a:pt x="1519669" y="58587"/>
-                  <a:pt x="1516813" y="62779"/>
-                </a:cubicBezTo>
-                <a:cubicBezTo>
-                  <a:pt x="1494714" y="94592"/>
-                  <a:pt x="1463661" y="88496"/>
-                  <a:pt x="1432228" y="88116"/>
-                </a:cubicBezTo>
-                <a:cubicBezTo>
-                  <a:pt x="1362884" y="87354"/>
-                  <a:pt x="1295826" y="60493"/>
-                  <a:pt x="1224765" y="71924"/>
-                </a:cubicBezTo>
-                <a:cubicBezTo>
-                  <a:pt x="1204191" y="75162"/>
-                  <a:pt x="1181330" y="62397"/>
-                  <a:pt x="1159231" y="58207"/>
-                </a:cubicBezTo>
-                <a:cubicBezTo>
-                  <a:pt x="1147801" y="56111"/>
-                  <a:pt x="1135228" y="53633"/>
-                  <a:pt x="1124370" y="56301"/>
-                </a:cubicBezTo>
-                <a:cubicBezTo>
-                  <a:pt x="1107605" y="60493"/>
-                  <a:pt x="1091411" y="68113"/>
-                  <a:pt x="1075600" y="75542"/>
-                </a:cubicBezTo>
-                <a:cubicBezTo>
-                  <a:pt x="1046261" y="89258"/>
-                  <a:pt x="1016162" y="89258"/>
-                  <a:pt x="986633" y="79162"/>
-                </a:cubicBezTo>
-                <a:cubicBezTo>
-                  <a:pt x="944722" y="64873"/>
-                  <a:pt x="903193" y="64873"/>
-                  <a:pt x="861089" y="76304"/>
-                </a:cubicBezTo>
-                <a:cubicBezTo>
-                  <a:pt x="826990" y="85638"/>
-                  <a:pt x="791935" y="92116"/>
-                  <a:pt x="759168" y="104689"/>
-                </a:cubicBezTo>
-                <a:cubicBezTo>
-                  <a:pt x="744689" y="110215"/>
-                  <a:pt x="732497" y="126597"/>
-                  <a:pt x="723735" y="140696"/>
-                </a:cubicBezTo>
-                <a:cubicBezTo>
-                  <a:pt x="706018" y="169271"/>
-                  <a:pt x="674013" y="169081"/>
-                  <a:pt x="647532" y="147934"/>
-                </a:cubicBezTo>
-                <a:cubicBezTo>
-                  <a:pt x="619717" y="125645"/>
-                  <a:pt x="584664" y="112501"/>
-                  <a:pt x="552659" y="95926"/>
-                </a:cubicBezTo>
-                <a:cubicBezTo>
-                  <a:pt x="549993" y="94592"/>
-                  <a:pt x="545039" y="96116"/>
-                  <a:pt x="541800" y="97640"/>
-                </a:cubicBezTo>
-                <a:cubicBezTo>
-                  <a:pt x="488649" y="122407"/>
-                  <a:pt x="433593" y="126979"/>
-                  <a:pt x="375107" y="123169"/>
-                </a:cubicBezTo>
-                <a:cubicBezTo>
-                  <a:pt x="341960" y="121073"/>
-                  <a:pt x="307289" y="137076"/>
-                  <a:pt x="273567" y="145458"/>
-                </a:cubicBezTo>
-                <a:cubicBezTo>
-                  <a:pt x="269757" y="146410"/>
-                  <a:pt x="266519" y="151174"/>
-                  <a:pt x="264043" y="154792"/>
-                </a:cubicBezTo>
-                <a:cubicBezTo>
-                  <a:pt x="240228" y="190800"/>
-                  <a:pt x="208223" y="200706"/>
-                  <a:pt x="169360" y="177273"/>
-                </a:cubicBezTo>
-                <a:cubicBezTo>
-                  <a:pt x="143643" y="161651"/>
-                  <a:pt x="118114" y="158032"/>
-                  <a:pt x="89347" y="157460"/>
-                </a:cubicBezTo>
-                <a:cubicBezTo>
-                  <a:pt x="71059" y="157078"/>
-                  <a:pt x="52962" y="147934"/>
-                  <a:pt x="34291" y="145268"/>
-                </a:cubicBezTo>
-                <a:lnTo>
-                  <a:pt x="0" y="142056"/>
-                </a:lnTo>
-                <a:lnTo>
-                  <a:pt x="0" y="849556"/>
-                </a:lnTo>
-                <a:lnTo>
-                  <a:pt x="60652" y="844783"/>
-                </a:lnTo>
-                <a:cubicBezTo>
-                  <a:pt x="80251" y="839473"/>
-                  <a:pt x="99446" y="832043"/>
-                  <a:pt x="119068" y="827281"/>
-                </a:cubicBezTo>
-                <a:cubicBezTo>
-                  <a:pt x="137355" y="822899"/>
-                  <a:pt x="154501" y="812802"/>
-                  <a:pt x="171840" y="804420"/>
-                </a:cubicBezTo>
-                <a:cubicBezTo>
-                  <a:pt x="204985" y="788417"/>
-                  <a:pt x="240420" y="798514"/>
-                  <a:pt x="274329" y="794324"/>
-                </a:cubicBezTo>
-                <a:cubicBezTo>
-                  <a:pt x="285188" y="792990"/>
-                  <a:pt x="296046" y="791466"/>
-                  <a:pt x="306715" y="788798"/>
-                </a:cubicBezTo>
-                <a:cubicBezTo>
-                  <a:pt x="335864" y="781749"/>
-                  <a:pt x="365583" y="775653"/>
-                  <a:pt x="393967" y="765937"/>
-                </a:cubicBezTo>
-                <a:cubicBezTo>
-                  <a:pt x="426165" y="755078"/>
-                  <a:pt x="457028" y="740600"/>
-                  <a:pt x="493793" y="725549"/>
-                </a:cubicBezTo>
-                <a:cubicBezTo>
-                  <a:pt x="506557" y="729360"/>
-                  <a:pt x="526180" y="739648"/>
-                  <a:pt x="546373" y="740600"/>
-                </a:cubicBezTo>
-                <a:cubicBezTo>
-                  <a:pt x="611337" y="743838"/>
-                  <a:pt x="672107" y="726121"/>
-                  <a:pt x="730211" y="698116"/>
-                </a:cubicBezTo>
-                <a:cubicBezTo>
-                  <a:pt x="747927" y="689734"/>
-                  <a:pt x="766980" y="684210"/>
-                  <a:pt x="784889" y="676018"/>
-                </a:cubicBezTo>
-                <a:cubicBezTo>
-                  <a:pt x="791173" y="673161"/>
-                  <a:pt x="799365" y="667065"/>
-                  <a:pt x="800509" y="661349"/>
-                </a:cubicBezTo>
-                <a:cubicBezTo>
-                  <a:pt x="807175" y="628201"/>
-                  <a:pt x="831942" y="628772"/>
-                  <a:pt x="857661" y="626868"/>
-                </a:cubicBezTo>
-                <a:cubicBezTo>
-                  <a:pt x="888332" y="624582"/>
-                  <a:pt x="918621" y="619248"/>
-                  <a:pt x="949102" y="614676"/>
-                </a:cubicBezTo>
-                <a:cubicBezTo>
-                  <a:pt x="953104" y="614104"/>
-                  <a:pt x="956722" y="610104"/>
-                  <a:pt x="960342" y="607435"/>
-                </a:cubicBezTo>
-                <a:cubicBezTo>
-                  <a:pt x="965867" y="603435"/>
-                  <a:pt x="971011" y="597339"/>
-                  <a:pt x="977109" y="595815"/>
-                </a:cubicBezTo>
-                <a:cubicBezTo>
-                  <a:pt x="1008350" y="588385"/>
-                  <a:pt x="1039783" y="582099"/>
-                  <a:pt x="1071218" y="575240"/>
-                </a:cubicBezTo>
-                <a:cubicBezTo>
-                  <a:pt x="1078266" y="573716"/>
-                  <a:pt x="1085505" y="571812"/>
-                  <a:pt x="1091983" y="568764"/>
-                </a:cubicBezTo>
-                <a:cubicBezTo>
-                  <a:pt x="1098079" y="565906"/>
-                  <a:pt x="1103223" y="560952"/>
-                  <a:pt x="1109321" y="557904"/>
-                </a:cubicBezTo>
-                <a:cubicBezTo>
-                  <a:pt x="1125892" y="549714"/>
-                  <a:pt x="1142851" y="542093"/>
-                  <a:pt x="1162279" y="532949"/>
-                </a:cubicBezTo>
-                <a:cubicBezTo>
-                  <a:pt x="1173138" y="550094"/>
-                  <a:pt x="1187810" y="540377"/>
-                  <a:pt x="1206097" y="532187"/>
-                </a:cubicBezTo>
-                <a:cubicBezTo>
-                  <a:pt x="1224765" y="523805"/>
-                  <a:pt x="1246292" y="521137"/>
-                  <a:pt x="1266867" y="518088"/>
-                </a:cubicBezTo>
-                <a:cubicBezTo>
-                  <a:pt x="1304588" y="512564"/>
-                  <a:pt x="1342499" y="509134"/>
-                  <a:pt x="1380219" y="504182"/>
-                </a:cubicBezTo>
-                <a:cubicBezTo>
-                  <a:pt x="1388221" y="503038"/>
-                  <a:pt x="1397365" y="500944"/>
-                  <a:pt x="1403461" y="496180"/>
-                </a:cubicBezTo>
-                <a:cubicBezTo>
-                  <a:pt x="1445181" y="464175"/>
-                  <a:pt x="1495858" y="455222"/>
-                  <a:pt x="1544054" y="458268"/>
-                </a:cubicBezTo>
-                <a:cubicBezTo>
-                  <a:pt x="1581965" y="460557"/>
-                  <a:pt x="1619114" y="462270"/>
-                  <a:pt x="1656644" y="459032"/>
-                </a:cubicBezTo>
-                <a:cubicBezTo>
-                  <a:pt x="1659502" y="458841"/>
-                  <a:pt x="1663312" y="459223"/>
-                  <a:pt x="1665406" y="460747"/>
-                </a:cubicBezTo>
-                <a:cubicBezTo>
-                  <a:pt x="1678360" y="470843"/>
-                  <a:pt x="1691887" y="471605"/>
-                  <a:pt x="1708461" y="473318"/>
-                </a:cubicBezTo>
-                <a:cubicBezTo>
-                  <a:pt x="1731894" y="475797"/>
-                  <a:pt x="1753421" y="474081"/>
-                  <a:pt x="1775140" y="469891"/>
-                </a:cubicBezTo>
-                <a:cubicBezTo>
-                  <a:pt x="1790952" y="466843"/>
-                  <a:pt x="1806953" y="460557"/>
-                  <a:pt x="1821051" y="452554"/>
-                </a:cubicBezTo>
-                <a:cubicBezTo>
-                  <a:pt x="1840672" y="441314"/>
-                  <a:pt x="1859535" y="436934"/>
-                  <a:pt x="1878203" y="451792"/>
-                </a:cubicBezTo>
-                <a:cubicBezTo>
-                  <a:pt x="1898396" y="467605"/>
-                  <a:pt x="1921257" y="462081"/>
-                  <a:pt x="1943547" y="462651"/>
-                </a:cubicBezTo>
-                <a:cubicBezTo>
-                  <a:pt x="1953262" y="462843"/>
-                  <a:pt x="1963550" y="462461"/>
-                  <a:pt x="1972884" y="464937"/>
-                </a:cubicBezTo>
-                <a:cubicBezTo>
-                  <a:pt x="1999935" y="471987"/>
-                  <a:pt x="2026036" y="482655"/>
-                  <a:pt x="2053469" y="487417"/>
-                </a:cubicBezTo>
-                <a:cubicBezTo>
-                  <a:pt x="2068710" y="490084"/>
-                  <a:pt x="2085664" y="485321"/>
-                  <a:pt x="2101477" y="481893"/>
-                </a:cubicBezTo>
-                <a:cubicBezTo>
-                  <a:pt x="2117479" y="478273"/>
-                  <a:pt x="2133290" y="472749"/>
-                  <a:pt x="2148722" y="467033"/>
-                </a:cubicBezTo>
-                <a:cubicBezTo>
-                  <a:pt x="2159199" y="463223"/>
-                  <a:pt x="2170629" y="459603"/>
-                  <a:pt x="2179011" y="452744"/>
-                </a:cubicBezTo>
-                <a:cubicBezTo>
-                  <a:pt x="2198064" y="437124"/>
-                  <a:pt x="2217685" y="434455"/>
-                  <a:pt x="2240165" y="442648"/>
-                </a:cubicBezTo>
-                <a:cubicBezTo>
-                  <a:pt x="2243593" y="443982"/>
-                  <a:pt x="2247594" y="443982"/>
-                  <a:pt x="2251404" y="444172"/>
-                </a:cubicBezTo>
-                <a:cubicBezTo>
-                  <a:pt x="2312370" y="448172"/>
-                  <a:pt x="2373330" y="450650"/>
-                  <a:pt x="2433912" y="456746"/>
-                </a:cubicBezTo>
-                <a:cubicBezTo>
-                  <a:pt x="2458485" y="459223"/>
-                  <a:pt x="2482107" y="470081"/>
-                  <a:pt x="2506302" y="476939"/>
-                </a:cubicBezTo>
-                <a:cubicBezTo>
-                  <a:pt x="2511256" y="478273"/>
-                  <a:pt x="2516783" y="480369"/>
-                  <a:pt x="2521735" y="479415"/>
-                </a:cubicBezTo>
-                <a:cubicBezTo>
-                  <a:pt x="2575647" y="469891"/>
-                  <a:pt x="2626132" y="483797"/>
-                  <a:pt x="2675854" y="502086"/>
-                </a:cubicBezTo>
-                <a:cubicBezTo>
-                  <a:pt x="2680996" y="503992"/>
-                  <a:pt x="2687282" y="503419"/>
-                  <a:pt x="2692998" y="503038"/>
-                </a:cubicBezTo>
-                <a:cubicBezTo>
-                  <a:pt x="2709003" y="501706"/>
-                  <a:pt x="2726337" y="495038"/>
-                  <a:pt x="2740816" y="499037"/>
-                </a:cubicBezTo>
-                <a:cubicBezTo>
-                  <a:pt x="2779297" y="510088"/>
-                  <a:pt x="2817398" y="523423"/>
-                  <a:pt x="2853596" y="540187"/>
-                </a:cubicBezTo>
-                <a:cubicBezTo>
-                  <a:pt x="2890365" y="557142"/>
-                  <a:pt x="2924464" y="571430"/>
-                  <a:pt x="2966565" y="554286"/>
-                </a:cubicBezTo>
-                <a:cubicBezTo>
-                  <a:pt x="2984472" y="547045"/>
-                  <a:pt x="3008095" y="552190"/>
-                  <a:pt x="3028671" y="554094"/>
-                </a:cubicBezTo>
-                <a:cubicBezTo>
-                  <a:pt x="3043720" y="555618"/>
-                  <a:pt x="3058198" y="564192"/>
-                  <a:pt x="3073059" y="564192"/>
-                </a:cubicBezTo>
-                <a:cubicBezTo>
-                  <a:pt x="3112686" y="564192"/>
-                  <a:pt x="3147927" y="574288"/>
-                  <a:pt x="3182219" y="594862"/>
-                </a:cubicBezTo>
-                <a:cubicBezTo>
-                  <a:pt x="3195557" y="602863"/>
-                  <a:pt x="3216322" y="597529"/>
-                  <a:pt x="3233656" y="599625"/>
-                </a:cubicBezTo>
-                <a:cubicBezTo>
-                  <a:pt x="3251947" y="602101"/>
-                  <a:pt x="3270804" y="604387"/>
-                  <a:pt x="3288332" y="609914"/>
-                </a:cubicBezTo>
-                <a:cubicBezTo>
-                  <a:pt x="3333672" y="624392"/>
-                  <a:pt x="3378441" y="640774"/>
-                  <a:pt x="3423591" y="656015"/>
-                </a:cubicBezTo>
-                <a:cubicBezTo>
-                  <a:pt x="3460738" y="668590"/>
-                  <a:pt x="3497317" y="658683"/>
-                  <a:pt x="3534084" y="653349"/>
-                </a:cubicBezTo>
-                <a:cubicBezTo>
-                  <a:pt x="3557137" y="649919"/>
-                  <a:pt x="3578662" y="641727"/>
-                  <a:pt x="3604571" y="653918"/>
-                </a:cubicBezTo>
-                <a:cubicBezTo>
-                  <a:pt x="3629338" y="665541"/>
-                  <a:pt x="3660771" y="662873"/>
-                  <a:pt x="3688586" y="669160"/>
-                </a:cubicBezTo>
-                <a:cubicBezTo>
-                  <a:pt x="3712020" y="674494"/>
-                  <a:pt x="3734687" y="683068"/>
-                  <a:pt x="3757358" y="691450"/>
-                </a:cubicBezTo>
-                <a:cubicBezTo>
-                  <a:pt x="3788221" y="702881"/>
-                  <a:pt x="3818700" y="714881"/>
-                  <a:pt x="3852421" y="709167"/>
-                </a:cubicBezTo>
-                <a:cubicBezTo>
-                  <a:pt x="3890714" y="702689"/>
-                  <a:pt x="3917001" y="727073"/>
-                  <a:pt x="3947104" y="743267"/>
-                </a:cubicBezTo>
-                <a:cubicBezTo>
-                  <a:pt x="3967869" y="754316"/>
-                  <a:pt x="3990538" y="762509"/>
-                  <a:pt x="4013208" y="769367"/>
-                </a:cubicBezTo>
-                <a:cubicBezTo>
-                  <a:pt x="4043497" y="778321"/>
-                  <a:pt x="4074740" y="783655"/>
-                  <a:pt x="4105222" y="792418"/>
-                </a:cubicBezTo>
-                <a:cubicBezTo>
-                  <a:pt x="4151325" y="805561"/>
-                  <a:pt x="4198001" y="815850"/>
-                  <a:pt x="4246006" y="808610"/>
-                </a:cubicBezTo>
-                <a:cubicBezTo>
-                  <a:pt x="4268105" y="805372"/>
-                  <a:pt x="4288682" y="805561"/>
-                  <a:pt x="4310779" y="810326"/>
-                </a:cubicBezTo>
-                <a:cubicBezTo>
-                  <a:pt x="4346974" y="818136"/>
-                  <a:pt x="4384123" y="819089"/>
-                  <a:pt x="4413272" y="848235"/>
-                </a:cubicBezTo>
-                <a:cubicBezTo>
-                  <a:pt x="4423558" y="858524"/>
-                  <a:pt x="4442037" y="861190"/>
-                  <a:pt x="4457087" y="866524"/>
-                </a:cubicBezTo>
-                <a:cubicBezTo>
-                  <a:pt x="4474424" y="872812"/>
-                  <a:pt x="4487186" y="869572"/>
-                  <a:pt x="4496523" y="851284"/>
-                </a:cubicBezTo>
-                <a:cubicBezTo>
-                  <a:pt x="4500713" y="843093"/>
-                  <a:pt x="4512715" y="835091"/>
-                  <a:pt x="4522050" y="833757"/>
-                </a:cubicBezTo>
-                <a:cubicBezTo>
-                  <a:pt x="4550055" y="829757"/>
-                  <a:pt x="4575773" y="835663"/>
-                  <a:pt x="4602824" y="848618"/>
-                </a:cubicBezTo>
-                <a:cubicBezTo>
-                  <a:pt x="4628161" y="860810"/>
-                  <a:pt x="4659786" y="859476"/>
-                  <a:pt x="4688553" y="864238"/>
-                </a:cubicBezTo>
-                <a:cubicBezTo>
-                  <a:pt x="4708936" y="867668"/>
-                  <a:pt x="4729321" y="874716"/>
-                  <a:pt x="4749895" y="874716"/>
-                </a:cubicBezTo>
-                <a:cubicBezTo>
-                  <a:pt x="4775424" y="874716"/>
-                  <a:pt x="4800761" y="868620"/>
-                  <a:pt x="4826480" y="866334"/>
-                </a:cubicBezTo>
-                <a:cubicBezTo>
-                  <a:pt x="4846482" y="864430"/>
-                  <a:pt x="4866867" y="865192"/>
-                  <a:pt x="4886870" y="862906"/>
-                </a:cubicBezTo>
-                <a:cubicBezTo>
-                  <a:pt x="4903254" y="861190"/>
-                  <a:pt x="4919447" y="856810"/>
-                  <a:pt x="4935639" y="853190"/>
-                </a:cubicBezTo>
-                <a:cubicBezTo>
-                  <a:pt x="4941546" y="851856"/>
-                  <a:pt x="4947452" y="846711"/>
-                  <a:pt x="4952784" y="847473"/>
-                </a:cubicBezTo>
-                <a:cubicBezTo>
-                  <a:pt x="5005745" y="855666"/>
-                  <a:pt x="5043847" y="819089"/>
-                  <a:pt x="5088617" y="802896"/>
-                </a:cubicBezTo>
-                <a:cubicBezTo>
-                  <a:pt x="5135672" y="785749"/>
-                  <a:pt x="5181204" y="759461"/>
-                  <a:pt x="5233781" y="767271"/>
-                </a:cubicBezTo>
-                <a:cubicBezTo>
-                  <a:pt x="5265596" y="772033"/>
-                  <a:pt x="5296267" y="783083"/>
-                  <a:pt x="5327893" y="789752"/>
-                </a:cubicBezTo>
-                <a:cubicBezTo>
-                  <a:pt x="5339132" y="792038"/>
-                  <a:pt x="5351705" y="791656"/>
-                  <a:pt x="5362946" y="789370"/>
-                </a:cubicBezTo>
-                <a:cubicBezTo>
-                  <a:pt x="5417240" y="778891"/>
-                  <a:pt x="5470771" y="777367"/>
-                  <a:pt x="5524115" y="794514"/>
-                </a:cubicBezTo>
-                <a:cubicBezTo>
-                  <a:pt x="5533257" y="797372"/>
-                  <a:pt x="5542974" y="800038"/>
-                  <a:pt x="5552500" y="800038"/>
-                </a:cubicBezTo>
-                <a:cubicBezTo>
-                  <a:pt x="5604697" y="800038"/>
-                  <a:pt x="5655944" y="796038"/>
-                  <a:pt x="5705857" y="777367"/>
-                </a:cubicBezTo>
-                <a:cubicBezTo>
-                  <a:pt x="5722622" y="771080"/>
-                  <a:pt x="5743006" y="775081"/>
-                  <a:pt x="5761485" y="773557"/>
-                </a:cubicBezTo>
-                <a:cubicBezTo>
-                  <a:pt x="5778629" y="772224"/>
-                  <a:pt x="5796156" y="771653"/>
-                  <a:pt x="5812731" y="767271"/>
-                </a:cubicBezTo>
-                <a:cubicBezTo>
-                  <a:pt x="5836925" y="760795"/>
-                  <a:pt x="5859404" y="760033"/>
-                  <a:pt x="5884361" y="765747"/>
-                </a:cubicBezTo>
-                <a:cubicBezTo>
-                  <a:pt x="5908174" y="771080"/>
-                  <a:pt x="5933892" y="768415"/>
-                  <a:pt x="5958660" y="768605"/>
-                </a:cubicBezTo>
-                <a:cubicBezTo>
-                  <a:pt x="5986282" y="768795"/>
-                  <a:pt x="6013906" y="768984"/>
-                  <a:pt x="6041528" y="768033"/>
-                </a:cubicBezTo>
-                <a:cubicBezTo>
-                  <a:pt x="6052579" y="767653"/>
-                  <a:pt x="6065151" y="760033"/>
-                  <a:pt x="6074297" y="763081"/>
-                </a:cubicBezTo>
-                <a:cubicBezTo>
-                  <a:pt x="6103824" y="773366"/>
-                  <a:pt x="6133353" y="760985"/>
-                  <a:pt x="6162880" y="766509"/>
-                </a:cubicBezTo>
-                <a:cubicBezTo>
-                  <a:pt x="6177360" y="769367"/>
-                  <a:pt x="6193743" y="761557"/>
-                  <a:pt x="6209364" y="760795"/>
-                </a:cubicBezTo>
-                <a:cubicBezTo>
-                  <a:pt x="6234892" y="759461"/>
-                  <a:pt x="6260419" y="760033"/>
-                  <a:pt x="6285948" y="759651"/>
-                </a:cubicBezTo>
-                <a:cubicBezTo>
-                  <a:pt x="6294330" y="759461"/>
-                  <a:pt x="6302523" y="758699"/>
-                  <a:pt x="6310905" y="758316"/>
-                </a:cubicBezTo>
-                <a:cubicBezTo>
-                  <a:pt x="6318335" y="757936"/>
-                  <a:pt x="6326145" y="756222"/>
-                  <a:pt x="6333194" y="757554"/>
-                </a:cubicBezTo>
-                <a:cubicBezTo>
-                  <a:pt x="6358723" y="762318"/>
-                  <a:pt x="6383869" y="770129"/>
-                  <a:pt x="6409586" y="773177"/>
-                </a:cubicBezTo>
-                <a:cubicBezTo>
-                  <a:pt x="6431875" y="775843"/>
-                  <a:pt x="6454928" y="772224"/>
-                  <a:pt x="6477407" y="774129"/>
-                </a:cubicBezTo>
-                <a:cubicBezTo>
-                  <a:pt x="6517032" y="777367"/>
-                  <a:pt x="6556657" y="783083"/>
-                  <a:pt x="6596283" y="786703"/>
-                </a:cubicBezTo>
-                <a:cubicBezTo>
-                  <a:pt x="6604857" y="787465"/>
-                  <a:pt x="6613809" y="782701"/>
-                  <a:pt x="6622573" y="782321"/>
-                </a:cubicBezTo>
-                <a:cubicBezTo>
-                  <a:pt x="6650006" y="781369"/>
-                  <a:pt x="6677439" y="781177"/>
-                  <a:pt x="6704872" y="780607"/>
-                </a:cubicBezTo>
-                <a:cubicBezTo>
-                  <a:pt x="6720493" y="780415"/>
-                  <a:pt x="6736305" y="780987"/>
-                  <a:pt x="6751738" y="779273"/>
-                </a:cubicBezTo>
-                <a:cubicBezTo>
-                  <a:pt x="6772120" y="776987"/>
-                  <a:pt x="6790599" y="773557"/>
-                  <a:pt x="6809650" y="788417"/>
-                </a:cubicBezTo>
-                <a:cubicBezTo>
-                  <a:pt x="6816984" y="794180"/>
-                  <a:pt x="6824819" y="797942"/>
-                  <a:pt x="6832976" y="800428"/>
-                </a:cubicBezTo>
-                <a:close/>
-              </a:path>
-            </a:pathLst>
-          </a:custGeom>
-          <a:solidFill>
-            <a:srgbClr val="FFFFFF"/>
-          </a:solidFill>
-          <a:ln>
-            <a:noFill/>
-          </a:ln>
-          <a:effectLst/>
-        </p:spPr>
-        <p:style>
-          <a:lnRef idx="2">
-            <a:schemeClr val="accent1">
-              <a:shade val="50000"/>
-            </a:schemeClr>
-          </a:lnRef>
-          <a:fillRef idx="1">
-            <a:schemeClr val="accent1"/>
-          </a:fillRef>
-          <a:effectRef idx="0">
-            <a:schemeClr val="accent1"/>
-          </a:effectRef>
-          <a:fontRef idx="minor">
-            <a:schemeClr val="lt1"/>
-          </a:fontRef>
-        </p:style>
-        <p:txBody>
-          <a:bodyPr wrap="square" rtlCol="0" anchor="ctr">
-            <a:noAutofit/>
-          </a:bodyPr>
-          <a:lstStyle/>
-          <a:p>
-            <a:pPr algn="ctr"/>
-            <a:endParaRPr lang="en-US"/>
-          </a:p>
-        </p:txBody>
-      </p:sp>
-      <p:sp>
-        <p:nvSpPr>
-          <p:cNvPr id="77" name="Freeform: Shape 76">
-            <a:extLst>
-              <a:ext uri="{FF2B5EF4-FFF2-40B4-BE49-F238E27FC236}">
-                <a16:creationId xmlns:a16="http://schemas.microsoft.com/office/drawing/2014/main" id="{9E4574B5-C90E-412D-BAB0-B9F483290C67}"/>
-              </a:ext>
-              <a:ext uri="{C183D7F6-B498-43B3-948B-1728B52AA6E4}">
-                <adec:decorative xmlns:adec="http://schemas.microsoft.com/office/drawing/2017/decorative" val="1"/>
-              </a:ext>
-            </a:extLst>
-          </p:cNvPr>
-          <p:cNvSpPr>
-            <a:spLocks noGrp="1" noRot="1" noChangeAspect="1" noMove="1" noResize="1" noEditPoints="1" noAdjustHandles="1" noChangeArrowheads="1" noChangeShapeType="1" noTextEdit="1"/>
-          </p:cNvSpPr>
-          <p:nvPr>
-            <p:extLst>
-              <p:ext uri="{386F3935-93C4-4BCD-93E2-E3B085C9AB24}">
-                <p16:designElem xmlns:p16="http://schemas.microsoft.com/office/powerpoint/2015/main" val="1"/>
-              </p:ext>
-            </p:extLst>
-          </p:nvPr>
-        </p:nvSpPr>
-        <p:spPr>
-          <a:xfrm rot="5400000" flipH="1">
-            <a:off x="2640988" y="2991370"/>
-            <a:ext cx="6857455" cy="874716"/>
-          </a:xfrm>
-          <a:custGeom>
-            <a:avLst/>
-            <a:gdLst>
-              <a:gd name="connsiteX0" fmla="*/ 6857455 w 6857455"/>
-              <a:gd name="connsiteY0" fmla="*/ 804643 h 874716"/>
-              <a:gd name="connsiteX1" fmla="*/ 6857455 w 6857455"/>
-              <a:gd name="connsiteY1" fmla="*/ 562246 h 874716"/>
-              <a:gd name="connsiteX2" fmla="*/ 6829178 w 6857455"/>
-              <a:gd name="connsiteY2" fmla="*/ 551284 h 874716"/>
-              <a:gd name="connsiteX3" fmla="*/ 6766024 w 6857455"/>
-              <a:gd name="connsiteY3" fmla="*/ 500372 h 874716"/>
-              <a:gd name="connsiteX4" fmla="*/ 6734971 w 6857455"/>
-              <a:gd name="connsiteY4" fmla="*/ 500944 h 874716"/>
-              <a:gd name="connsiteX5" fmla="*/ 6683915 w 6857455"/>
-              <a:gd name="connsiteY5" fmla="*/ 507040 h 874716"/>
-              <a:gd name="connsiteX6" fmla="*/ 6628860 w 6857455"/>
-              <a:gd name="connsiteY6" fmla="*/ 495418 h 874716"/>
-              <a:gd name="connsiteX7" fmla="*/ 6588662 w 6857455"/>
-              <a:gd name="connsiteY7" fmla="*/ 487227 h 874716"/>
-              <a:gd name="connsiteX8" fmla="*/ 6476074 w 6857455"/>
-              <a:gd name="connsiteY8" fmla="*/ 511230 h 874716"/>
-              <a:gd name="connsiteX9" fmla="*/ 6382345 w 6857455"/>
-              <a:gd name="connsiteY9" fmla="*/ 534853 h 874716"/>
-              <a:gd name="connsiteX10" fmla="*/ 6369391 w 6857455"/>
-              <a:gd name="connsiteY10" fmla="*/ 531615 h 874716"/>
-              <a:gd name="connsiteX11" fmla="*/ 6244799 w 6857455"/>
-              <a:gd name="connsiteY11" fmla="*/ 512182 h 874716"/>
-              <a:gd name="connsiteX12" fmla="*/ 6190315 w 6857455"/>
-              <a:gd name="connsiteY12" fmla="*/ 485703 h 874716"/>
-              <a:gd name="connsiteX13" fmla="*/ 6115446 w 6857455"/>
-              <a:gd name="connsiteY13" fmla="*/ 462270 h 874716"/>
-              <a:gd name="connsiteX14" fmla="*/ 6032194 w 6857455"/>
-              <a:gd name="connsiteY14" fmla="*/ 434266 h 874716"/>
-              <a:gd name="connsiteX15" fmla="*/ 5971042 w 6857455"/>
-              <a:gd name="connsiteY15" fmla="*/ 420738 h 874716"/>
-              <a:gd name="connsiteX16" fmla="*/ 5880933 w 6857455"/>
-              <a:gd name="connsiteY16" fmla="*/ 430646 h 874716"/>
-              <a:gd name="connsiteX17" fmla="*/ 5862452 w 6857455"/>
-              <a:gd name="connsiteY17" fmla="*/ 438648 h 874716"/>
-              <a:gd name="connsiteX18" fmla="*/ 5685283 w 6857455"/>
-              <a:gd name="connsiteY18" fmla="*/ 498658 h 874716"/>
-              <a:gd name="connsiteX19" fmla="*/ 5567169 w 6857455"/>
-              <a:gd name="connsiteY19" fmla="*/ 499420 h 874716"/>
-              <a:gd name="connsiteX20" fmla="*/ 5527923 w 6857455"/>
-              <a:gd name="connsiteY20" fmla="*/ 490466 h 874716"/>
-              <a:gd name="connsiteX21" fmla="*/ 5456292 w 6857455"/>
-              <a:gd name="connsiteY21" fmla="*/ 450650 h 874716"/>
-              <a:gd name="connsiteX22" fmla="*/ 5424670 w 6857455"/>
-              <a:gd name="connsiteY22" fmla="*/ 444934 h 874716"/>
-              <a:gd name="connsiteX23" fmla="*/ 5368662 w 6857455"/>
-              <a:gd name="connsiteY23" fmla="*/ 441124 h 874716"/>
-              <a:gd name="connsiteX24" fmla="*/ 5247118 w 6857455"/>
-              <a:gd name="connsiteY24" fmla="*/ 444934 h 874716"/>
-              <a:gd name="connsiteX25" fmla="*/ 5088617 w 6857455"/>
-              <a:gd name="connsiteY25" fmla="*/ 428742 h 874716"/>
-              <a:gd name="connsiteX26" fmla="*/ 5025750 w 6857455"/>
-              <a:gd name="connsiteY26" fmla="*/ 433694 h 874716"/>
-              <a:gd name="connsiteX27" fmla="*/ 4957930 w 6857455"/>
-              <a:gd name="connsiteY27" fmla="*/ 442268 h 874716"/>
-              <a:gd name="connsiteX28" fmla="*/ 4938116 w 6857455"/>
-              <a:gd name="connsiteY28" fmla="*/ 441886 h 874716"/>
-              <a:gd name="connsiteX29" fmla="*/ 4833910 w 6857455"/>
-              <a:gd name="connsiteY29" fmla="*/ 421693 h 874716"/>
-              <a:gd name="connsiteX30" fmla="*/ 4810095 w 6857455"/>
-              <a:gd name="connsiteY30" fmla="*/ 408167 h 874716"/>
-              <a:gd name="connsiteX31" fmla="*/ 4747991 w 6857455"/>
-              <a:gd name="connsiteY31" fmla="*/ 413691 h 874716"/>
-              <a:gd name="connsiteX32" fmla="*/ 4692745 w 6857455"/>
-              <a:gd name="connsiteY32" fmla="*/ 435790 h 874716"/>
-              <a:gd name="connsiteX33" fmla="*/ 4375933 w 6857455"/>
-              <a:gd name="connsiteY33" fmla="*/ 483417 h 874716"/>
-              <a:gd name="connsiteX34" fmla="*/ 4185426 w 6857455"/>
-              <a:gd name="connsiteY34" fmla="*/ 484179 h 874716"/>
-              <a:gd name="connsiteX35" fmla="*/ 4052072 w 6857455"/>
-              <a:gd name="connsiteY35" fmla="*/ 505134 h 874716"/>
-              <a:gd name="connsiteX36" fmla="*/ 4029973 w 6857455"/>
-              <a:gd name="connsiteY36" fmla="*/ 527233 h 874716"/>
-              <a:gd name="connsiteX37" fmla="*/ 3948626 w 6857455"/>
-              <a:gd name="connsiteY37" fmla="*/ 550666 h 874716"/>
-              <a:gd name="connsiteX38" fmla="*/ 3871280 w 6857455"/>
-              <a:gd name="connsiteY38" fmla="*/ 502275 h 874716"/>
-              <a:gd name="connsiteX39" fmla="*/ 3774312 w 6857455"/>
-              <a:gd name="connsiteY39" fmla="*/ 429122 h 874716"/>
-              <a:gd name="connsiteX40" fmla="*/ 3721543 w 6857455"/>
-              <a:gd name="connsiteY40" fmla="*/ 428552 h 874716"/>
-              <a:gd name="connsiteX41" fmla="*/ 3612763 w 6857455"/>
-              <a:gd name="connsiteY41" fmla="*/ 414263 h 874716"/>
-              <a:gd name="connsiteX42" fmla="*/ 3537323 w 6857455"/>
-              <a:gd name="connsiteY42" fmla="*/ 389878 h 874716"/>
-              <a:gd name="connsiteX43" fmla="*/ 3431593 w 6857455"/>
-              <a:gd name="connsiteY43" fmla="*/ 360921 h 874716"/>
-              <a:gd name="connsiteX44" fmla="*/ 3392158 w 6857455"/>
-              <a:gd name="connsiteY44" fmla="*/ 345681 h 874716"/>
-              <a:gd name="connsiteX45" fmla="*/ 3297856 w 6857455"/>
-              <a:gd name="connsiteY45" fmla="*/ 323010 h 874716"/>
-              <a:gd name="connsiteX46" fmla="*/ 3219748 w 6857455"/>
-              <a:gd name="connsiteY46" fmla="*/ 308151 h 874716"/>
-              <a:gd name="connsiteX47" fmla="*/ 3156692 w 6857455"/>
-              <a:gd name="connsiteY47" fmla="*/ 261668 h 874716"/>
-              <a:gd name="connsiteX48" fmla="*/ 3136497 w 6857455"/>
-              <a:gd name="connsiteY48" fmla="*/ 237663 h 874716"/>
-              <a:gd name="connsiteX49" fmla="*/ 3119733 w 6857455"/>
-              <a:gd name="connsiteY49" fmla="*/ 222233 h 874716"/>
-              <a:gd name="connsiteX50" fmla="*/ 3045436 w 6857455"/>
-              <a:gd name="connsiteY50" fmla="*/ 131742 h 874716"/>
-              <a:gd name="connsiteX51" fmla="*/ 3037054 w 6857455"/>
-              <a:gd name="connsiteY51" fmla="*/ 124121 h 874716"/>
-              <a:gd name="connsiteX52" fmla="*/ 2936466 w 6857455"/>
-              <a:gd name="connsiteY52" fmla="*/ 82400 h 874716"/>
-              <a:gd name="connsiteX53" fmla="*/ 2901031 w 6857455"/>
-              <a:gd name="connsiteY53" fmla="*/ 59731 h 874716"/>
-              <a:gd name="connsiteX54" fmla="*/ 2828259 w 6857455"/>
-              <a:gd name="connsiteY54" fmla="*/ 3149 h 874716"/>
-              <a:gd name="connsiteX55" fmla="*/ 2799492 w 6857455"/>
-              <a:gd name="connsiteY55" fmla="*/ 1245 h 874716"/>
-              <a:gd name="connsiteX56" fmla="*/ 2693570 w 6857455"/>
-              <a:gd name="connsiteY56" fmla="*/ 35154 h 874716"/>
-              <a:gd name="connsiteX57" fmla="*/ 2639847 w 6857455"/>
-              <a:gd name="connsiteY57" fmla="*/ 73448 h 874716"/>
-              <a:gd name="connsiteX58" fmla="*/ 2621178 w 6857455"/>
-              <a:gd name="connsiteY58" fmla="*/ 88688 h 874716"/>
-              <a:gd name="connsiteX59" fmla="*/ 2489348 w 6857455"/>
-              <a:gd name="connsiteY59" fmla="*/ 72304 h 874716"/>
-              <a:gd name="connsiteX60" fmla="*/ 2452580 w 6857455"/>
-              <a:gd name="connsiteY60" fmla="*/ 68683 h 874716"/>
-              <a:gd name="connsiteX61" fmla="*/ 2326464 w 6857455"/>
-              <a:gd name="connsiteY61" fmla="*/ 50395 h 874716"/>
-              <a:gd name="connsiteX62" fmla="*/ 2300365 w 6857455"/>
-              <a:gd name="connsiteY62" fmla="*/ 54777 h 874716"/>
-              <a:gd name="connsiteX63" fmla="*/ 2130434 w 6857455"/>
-              <a:gd name="connsiteY63" fmla="*/ 58397 h 874716"/>
-              <a:gd name="connsiteX64" fmla="*/ 2118621 w 6857455"/>
-              <a:gd name="connsiteY64" fmla="*/ 47919 h 874716"/>
-              <a:gd name="connsiteX65" fmla="*/ 2057659 w 6857455"/>
-              <a:gd name="connsiteY65" fmla="*/ 16866 h 874716"/>
-              <a:gd name="connsiteX66" fmla="*/ 1976314 w 6857455"/>
-              <a:gd name="connsiteY66" fmla="*/ 8865 h 874716"/>
-              <a:gd name="connsiteX67" fmla="*/ 1961454 w 6857455"/>
-              <a:gd name="connsiteY67" fmla="*/ 11724 h 874716"/>
-              <a:gd name="connsiteX68" fmla="*/ 1906588 w 6857455"/>
-              <a:gd name="connsiteY68" fmla="*/ 30964 h 874716"/>
-              <a:gd name="connsiteX69" fmla="*/ 1783330 w 6857455"/>
-              <a:gd name="connsiteY69" fmla="*/ 48871 h 874716"/>
-              <a:gd name="connsiteX70" fmla="*/ 1759327 w 6857455"/>
-              <a:gd name="connsiteY70" fmla="*/ 55349 h 874716"/>
-              <a:gd name="connsiteX71" fmla="*/ 1716082 w 6857455"/>
-              <a:gd name="connsiteY71" fmla="*/ 65445 h 874716"/>
-              <a:gd name="connsiteX72" fmla="*/ 1598920 w 6857455"/>
-              <a:gd name="connsiteY72" fmla="*/ 72114 h 874716"/>
-              <a:gd name="connsiteX73" fmla="*/ 1542150 w 6857455"/>
-              <a:gd name="connsiteY73" fmla="*/ 62207 h 874716"/>
-              <a:gd name="connsiteX74" fmla="*/ 1516813 w 6857455"/>
-              <a:gd name="connsiteY74" fmla="*/ 62779 h 874716"/>
-              <a:gd name="connsiteX75" fmla="*/ 1432228 w 6857455"/>
-              <a:gd name="connsiteY75" fmla="*/ 88116 h 874716"/>
-              <a:gd name="connsiteX76" fmla="*/ 1224765 w 6857455"/>
-              <a:gd name="connsiteY76" fmla="*/ 71924 h 874716"/>
-              <a:gd name="connsiteX77" fmla="*/ 1159231 w 6857455"/>
-              <a:gd name="connsiteY77" fmla="*/ 58207 h 874716"/>
-              <a:gd name="connsiteX78" fmla="*/ 1124370 w 6857455"/>
-              <a:gd name="connsiteY78" fmla="*/ 56301 h 874716"/>
-              <a:gd name="connsiteX79" fmla="*/ 1075600 w 6857455"/>
-              <a:gd name="connsiteY79" fmla="*/ 75542 h 874716"/>
-              <a:gd name="connsiteX80" fmla="*/ 986633 w 6857455"/>
-              <a:gd name="connsiteY80" fmla="*/ 79162 h 874716"/>
-              <a:gd name="connsiteX81" fmla="*/ 861089 w 6857455"/>
-              <a:gd name="connsiteY81" fmla="*/ 76304 h 874716"/>
-              <a:gd name="connsiteX82" fmla="*/ 759168 w 6857455"/>
-              <a:gd name="connsiteY82" fmla="*/ 104689 h 874716"/>
-              <a:gd name="connsiteX83" fmla="*/ 723735 w 6857455"/>
-              <a:gd name="connsiteY83" fmla="*/ 140696 h 874716"/>
-              <a:gd name="connsiteX84" fmla="*/ 647532 w 6857455"/>
-              <a:gd name="connsiteY84" fmla="*/ 147934 h 874716"/>
-              <a:gd name="connsiteX85" fmla="*/ 552659 w 6857455"/>
-              <a:gd name="connsiteY85" fmla="*/ 95926 h 874716"/>
-              <a:gd name="connsiteX86" fmla="*/ 541800 w 6857455"/>
-              <a:gd name="connsiteY86" fmla="*/ 97640 h 874716"/>
-              <a:gd name="connsiteX87" fmla="*/ 375107 w 6857455"/>
-              <a:gd name="connsiteY87" fmla="*/ 123169 h 874716"/>
-              <a:gd name="connsiteX88" fmla="*/ 273567 w 6857455"/>
-              <a:gd name="connsiteY88" fmla="*/ 145458 h 874716"/>
-              <a:gd name="connsiteX89" fmla="*/ 264043 w 6857455"/>
-              <a:gd name="connsiteY89" fmla="*/ 154792 h 874716"/>
-              <a:gd name="connsiteX90" fmla="*/ 169360 w 6857455"/>
-              <a:gd name="connsiteY90" fmla="*/ 177273 h 874716"/>
-              <a:gd name="connsiteX91" fmla="*/ 89347 w 6857455"/>
-              <a:gd name="connsiteY91" fmla="*/ 157460 h 874716"/>
-              <a:gd name="connsiteX92" fmla="*/ 34291 w 6857455"/>
-              <a:gd name="connsiteY92" fmla="*/ 145268 h 874716"/>
-              <a:gd name="connsiteX93" fmla="*/ 0 w 6857455"/>
-              <a:gd name="connsiteY93" fmla="*/ 142056 h 874716"/>
-              <a:gd name="connsiteX94" fmla="*/ 0 w 6857455"/>
-              <a:gd name="connsiteY94" fmla="*/ 849556 h 874716"/>
-              <a:gd name="connsiteX95" fmla="*/ 60652 w 6857455"/>
-              <a:gd name="connsiteY95" fmla="*/ 844783 h 874716"/>
-              <a:gd name="connsiteX96" fmla="*/ 119068 w 6857455"/>
-              <a:gd name="connsiteY96" fmla="*/ 827281 h 874716"/>
-              <a:gd name="connsiteX97" fmla="*/ 171840 w 6857455"/>
-              <a:gd name="connsiteY97" fmla="*/ 804420 h 874716"/>
-              <a:gd name="connsiteX98" fmla="*/ 274329 w 6857455"/>
-              <a:gd name="connsiteY98" fmla="*/ 794324 h 874716"/>
-              <a:gd name="connsiteX99" fmla="*/ 306715 w 6857455"/>
-              <a:gd name="connsiteY99" fmla="*/ 788798 h 874716"/>
-              <a:gd name="connsiteX100" fmla="*/ 393967 w 6857455"/>
-              <a:gd name="connsiteY100" fmla="*/ 765937 h 874716"/>
-              <a:gd name="connsiteX101" fmla="*/ 493793 w 6857455"/>
-              <a:gd name="connsiteY101" fmla="*/ 725549 h 874716"/>
-              <a:gd name="connsiteX102" fmla="*/ 546373 w 6857455"/>
-              <a:gd name="connsiteY102" fmla="*/ 740600 h 874716"/>
-              <a:gd name="connsiteX103" fmla="*/ 730211 w 6857455"/>
-              <a:gd name="connsiteY103" fmla="*/ 698116 h 874716"/>
-              <a:gd name="connsiteX104" fmla="*/ 784889 w 6857455"/>
-              <a:gd name="connsiteY104" fmla="*/ 676018 h 874716"/>
-              <a:gd name="connsiteX105" fmla="*/ 800509 w 6857455"/>
-              <a:gd name="connsiteY105" fmla="*/ 661349 h 874716"/>
-              <a:gd name="connsiteX106" fmla="*/ 857661 w 6857455"/>
-              <a:gd name="connsiteY106" fmla="*/ 626868 h 874716"/>
-              <a:gd name="connsiteX107" fmla="*/ 949102 w 6857455"/>
-              <a:gd name="connsiteY107" fmla="*/ 614676 h 874716"/>
-              <a:gd name="connsiteX108" fmla="*/ 960342 w 6857455"/>
-              <a:gd name="connsiteY108" fmla="*/ 607435 h 874716"/>
-              <a:gd name="connsiteX109" fmla="*/ 977109 w 6857455"/>
-              <a:gd name="connsiteY109" fmla="*/ 595815 h 874716"/>
-              <a:gd name="connsiteX110" fmla="*/ 1071218 w 6857455"/>
-              <a:gd name="connsiteY110" fmla="*/ 575240 h 874716"/>
-              <a:gd name="connsiteX111" fmla="*/ 1091983 w 6857455"/>
-              <a:gd name="connsiteY111" fmla="*/ 568764 h 874716"/>
-              <a:gd name="connsiteX112" fmla="*/ 1109321 w 6857455"/>
-              <a:gd name="connsiteY112" fmla="*/ 557904 h 874716"/>
-              <a:gd name="connsiteX113" fmla="*/ 1162279 w 6857455"/>
-              <a:gd name="connsiteY113" fmla="*/ 532949 h 874716"/>
-              <a:gd name="connsiteX114" fmla="*/ 1206097 w 6857455"/>
-              <a:gd name="connsiteY114" fmla="*/ 532187 h 874716"/>
-              <a:gd name="connsiteX115" fmla="*/ 1266867 w 6857455"/>
-              <a:gd name="connsiteY115" fmla="*/ 518088 h 874716"/>
-              <a:gd name="connsiteX116" fmla="*/ 1380219 w 6857455"/>
-              <a:gd name="connsiteY116" fmla="*/ 504182 h 874716"/>
-              <a:gd name="connsiteX117" fmla="*/ 1403461 w 6857455"/>
-              <a:gd name="connsiteY117" fmla="*/ 496180 h 874716"/>
-              <a:gd name="connsiteX118" fmla="*/ 1544054 w 6857455"/>
-              <a:gd name="connsiteY118" fmla="*/ 458268 h 874716"/>
-              <a:gd name="connsiteX119" fmla="*/ 1656644 w 6857455"/>
-              <a:gd name="connsiteY119" fmla="*/ 459032 h 874716"/>
-              <a:gd name="connsiteX120" fmla="*/ 1665406 w 6857455"/>
-              <a:gd name="connsiteY120" fmla="*/ 460747 h 874716"/>
-              <a:gd name="connsiteX121" fmla="*/ 1708461 w 6857455"/>
-              <a:gd name="connsiteY121" fmla="*/ 473318 h 874716"/>
-              <a:gd name="connsiteX122" fmla="*/ 1775140 w 6857455"/>
-              <a:gd name="connsiteY122" fmla="*/ 469891 h 874716"/>
-              <a:gd name="connsiteX123" fmla="*/ 1821051 w 6857455"/>
-              <a:gd name="connsiteY123" fmla="*/ 452554 h 874716"/>
-              <a:gd name="connsiteX124" fmla="*/ 1878203 w 6857455"/>
-              <a:gd name="connsiteY124" fmla="*/ 451792 h 874716"/>
-              <a:gd name="connsiteX125" fmla="*/ 1943547 w 6857455"/>
-              <a:gd name="connsiteY125" fmla="*/ 462651 h 874716"/>
-              <a:gd name="connsiteX126" fmla="*/ 1972884 w 6857455"/>
-              <a:gd name="connsiteY126" fmla="*/ 464937 h 874716"/>
-              <a:gd name="connsiteX127" fmla="*/ 2053469 w 6857455"/>
-              <a:gd name="connsiteY127" fmla="*/ 487417 h 874716"/>
-              <a:gd name="connsiteX128" fmla="*/ 2101477 w 6857455"/>
-              <a:gd name="connsiteY128" fmla="*/ 481893 h 874716"/>
-              <a:gd name="connsiteX129" fmla="*/ 2148722 w 6857455"/>
-              <a:gd name="connsiteY129" fmla="*/ 467033 h 874716"/>
-              <a:gd name="connsiteX130" fmla="*/ 2179011 w 6857455"/>
-              <a:gd name="connsiteY130" fmla="*/ 452744 h 874716"/>
-              <a:gd name="connsiteX131" fmla="*/ 2240165 w 6857455"/>
-              <a:gd name="connsiteY131" fmla="*/ 442648 h 874716"/>
-              <a:gd name="connsiteX132" fmla="*/ 2251404 w 6857455"/>
-              <a:gd name="connsiteY132" fmla="*/ 444172 h 874716"/>
-              <a:gd name="connsiteX133" fmla="*/ 2433912 w 6857455"/>
-              <a:gd name="connsiteY133" fmla="*/ 456746 h 874716"/>
-              <a:gd name="connsiteX134" fmla="*/ 2506302 w 6857455"/>
-              <a:gd name="connsiteY134" fmla="*/ 476939 h 874716"/>
-              <a:gd name="connsiteX135" fmla="*/ 2521735 w 6857455"/>
-              <a:gd name="connsiteY135" fmla="*/ 479415 h 874716"/>
-              <a:gd name="connsiteX136" fmla="*/ 2675854 w 6857455"/>
-              <a:gd name="connsiteY136" fmla="*/ 502086 h 874716"/>
-              <a:gd name="connsiteX137" fmla="*/ 2692998 w 6857455"/>
-              <a:gd name="connsiteY137" fmla="*/ 503038 h 874716"/>
-              <a:gd name="connsiteX138" fmla="*/ 2740816 w 6857455"/>
-              <a:gd name="connsiteY138" fmla="*/ 499037 h 874716"/>
-              <a:gd name="connsiteX139" fmla="*/ 2853596 w 6857455"/>
-              <a:gd name="connsiteY139" fmla="*/ 540187 h 874716"/>
-              <a:gd name="connsiteX140" fmla="*/ 2966565 w 6857455"/>
-              <a:gd name="connsiteY140" fmla="*/ 554286 h 874716"/>
-              <a:gd name="connsiteX141" fmla="*/ 3028671 w 6857455"/>
-              <a:gd name="connsiteY141" fmla="*/ 554094 h 874716"/>
-              <a:gd name="connsiteX142" fmla="*/ 3073059 w 6857455"/>
-              <a:gd name="connsiteY142" fmla="*/ 564192 h 874716"/>
-              <a:gd name="connsiteX143" fmla="*/ 3182219 w 6857455"/>
-              <a:gd name="connsiteY143" fmla="*/ 594862 h 874716"/>
-              <a:gd name="connsiteX144" fmla="*/ 3233656 w 6857455"/>
-              <a:gd name="connsiteY144" fmla="*/ 599625 h 874716"/>
-              <a:gd name="connsiteX145" fmla="*/ 3288332 w 6857455"/>
-              <a:gd name="connsiteY145" fmla="*/ 609914 h 874716"/>
-              <a:gd name="connsiteX146" fmla="*/ 3423591 w 6857455"/>
-              <a:gd name="connsiteY146" fmla="*/ 656015 h 874716"/>
-              <a:gd name="connsiteX147" fmla="*/ 3534084 w 6857455"/>
-              <a:gd name="connsiteY147" fmla="*/ 653349 h 874716"/>
-              <a:gd name="connsiteX148" fmla="*/ 3604571 w 6857455"/>
-              <a:gd name="connsiteY148" fmla="*/ 653918 h 874716"/>
-              <a:gd name="connsiteX149" fmla="*/ 3688586 w 6857455"/>
-              <a:gd name="connsiteY149" fmla="*/ 669160 h 874716"/>
-              <a:gd name="connsiteX150" fmla="*/ 3757358 w 6857455"/>
-              <a:gd name="connsiteY150" fmla="*/ 691450 h 874716"/>
-              <a:gd name="connsiteX151" fmla="*/ 3852421 w 6857455"/>
-              <a:gd name="connsiteY151" fmla="*/ 709167 h 874716"/>
-              <a:gd name="connsiteX152" fmla="*/ 3947104 w 6857455"/>
-              <a:gd name="connsiteY152" fmla="*/ 743267 h 874716"/>
-              <a:gd name="connsiteX153" fmla="*/ 4013208 w 6857455"/>
-              <a:gd name="connsiteY153" fmla="*/ 769367 h 874716"/>
-              <a:gd name="connsiteX154" fmla="*/ 4105222 w 6857455"/>
-              <a:gd name="connsiteY154" fmla="*/ 792417 h 874716"/>
-              <a:gd name="connsiteX155" fmla="*/ 4246006 w 6857455"/>
-              <a:gd name="connsiteY155" fmla="*/ 808610 h 874716"/>
-              <a:gd name="connsiteX156" fmla="*/ 4310779 w 6857455"/>
-              <a:gd name="connsiteY156" fmla="*/ 810326 h 874716"/>
-              <a:gd name="connsiteX157" fmla="*/ 4413272 w 6857455"/>
-              <a:gd name="connsiteY157" fmla="*/ 848235 h 874716"/>
-              <a:gd name="connsiteX158" fmla="*/ 4457087 w 6857455"/>
-              <a:gd name="connsiteY158" fmla="*/ 866524 h 874716"/>
-              <a:gd name="connsiteX159" fmla="*/ 4496523 w 6857455"/>
-              <a:gd name="connsiteY159" fmla="*/ 851284 h 874716"/>
-              <a:gd name="connsiteX160" fmla="*/ 4522050 w 6857455"/>
-              <a:gd name="connsiteY160" fmla="*/ 833757 h 874716"/>
-              <a:gd name="connsiteX161" fmla="*/ 4602824 w 6857455"/>
-              <a:gd name="connsiteY161" fmla="*/ 848618 h 874716"/>
-              <a:gd name="connsiteX162" fmla="*/ 4688553 w 6857455"/>
-              <a:gd name="connsiteY162" fmla="*/ 864238 h 874716"/>
-              <a:gd name="connsiteX163" fmla="*/ 4749895 w 6857455"/>
-              <a:gd name="connsiteY163" fmla="*/ 874716 h 874716"/>
-              <a:gd name="connsiteX164" fmla="*/ 4826480 w 6857455"/>
-              <a:gd name="connsiteY164" fmla="*/ 866334 h 874716"/>
-              <a:gd name="connsiteX165" fmla="*/ 4886870 w 6857455"/>
-              <a:gd name="connsiteY165" fmla="*/ 862906 h 874716"/>
-              <a:gd name="connsiteX166" fmla="*/ 4935639 w 6857455"/>
-              <a:gd name="connsiteY166" fmla="*/ 853190 h 874716"/>
-              <a:gd name="connsiteX167" fmla="*/ 4952784 w 6857455"/>
-              <a:gd name="connsiteY167" fmla="*/ 847473 h 874716"/>
-              <a:gd name="connsiteX168" fmla="*/ 5088617 w 6857455"/>
-              <a:gd name="connsiteY168" fmla="*/ 802896 h 874716"/>
-              <a:gd name="connsiteX169" fmla="*/ 5233781 w 6857455"/>
-              <a:gd name="connsiteY169" fmla="*/ 767271 h 874716"/>
-              <a:gd name="connsiteX170" fmla="*/ 5327893 w 6857455"/>
-              <a:gd name="connsiteY170" fmla="*/ 789752 h 874716"/>
-              <a:gd name="connsiteX171" fmla="*/ 5362946 w 6857455"/>
-              <a:gd name="connsiteY171" fmla="*/ 789370 h 874716"/>
-              <a:gd name="connsiteX172" fmla="*/ 5524115 w 6857455"/>
-              <a:gd name="connsiteY172" fmla="*/ 794514 h 874716"/>
-              <a:gd name="connsiteX173" fmla="*/ 5552500 w 6857455"/>
-              <a:gd name="connsiteY173" fmla="*/ 800038 h 874716"/>
-              <a:gd name="connsiteX174" fmla="*/ 5705857 w 6857455"/>
-              <a:gd name="connsiteY174" fmla="*/ 777367 h 874716"/>
-              <a:gd name="connsiteX175" fmla="*/ 5761485 w 6857455"/>
-              <a:gd name="connsiteY175" fmla="*/ 773557 h 874716"/>
-              <a:gd name="connsiteX176" fmla="*/ 5812731 w 6857455"/>
-              <a:gd name="connsiteY176" fmla="*/ 767271 h 874716"/>
-              <a:gd name="connsiteX177" fmla="*/ 5884361 w 6857455"/>
-              <a:gd name="connsiteY177" fmla="*/ 765747 h 874716"/>
-              <a:gd name="connsiteX178" fmla="*/ 5958660 w 6857455"/>
-              <a:gd name="connsiteY178" fmla="*/ 768605 h 874716"/>
-              <a:gd name="connsiteX179" fmla="*/ 6041528 w 6857455"/>
-              <a:gd name="connsiteY179" fmla="*/ 768033 h 874716"/>
-              <a:gd name="connsiteX180" fmla="*/ 6074297 w 6857455"/>
-              <a:gd name="connsiteY180" fmla="*/ 763081 h 874716"/>
-              <a:gd name="connsiteX181" fmla="*/ 6162880 w 6857455"/>
-              <a:gd name="connsiteY181" fmla="*/ 766509 h 874716"/>
-              <a:gd name="connsiteX182" fmla="*/ 6209364 w 6857455"/>
-              <a:gd name="connsiteY182" fmla="*/ 760795 h 874716"/>
-              <a:gd name="connsiteX183" fmla="*/ 6285948 w 6857455"/>
-              <a:gd name="connsiteY183" fmla="*/ 759651 h 874716"/>
-              <a:gd name="connsiteX184" fmla="*/ 6310905 w 6857455"/>
-              <a:gd name="connsiteY184" fmla="*/ 758316 h 874716"/>
-              <a:gd name="connsiteX185" fmla="*/ 6333194 w 6857455"/>
-              <a:gd name="connsiteY185" fmla="*/ 757554 h 874716"/>
-              <a:gd name="connsiteX186" fmla="*/ 6409586 w 6857455"/>
-              <a:gd name="connsiteY186" fmla="*/ 773177 h 874716"/>
-              <a:gd name="connsiteX187" fmla="*/ 6477407 w 6857455"/>
-              <a:gd name="connsiteY187" fmla="*/ 774129 h 874716"/>
-              <a:gd name="connsiteX188" fmla="*/ 6596283 w 6857455"/>
-              <a:gd name="connsiteY188" fmla="*/ 786703 h 874716"/>
-              <a:gd name="connsiteX189" fmla="*/ 6622573 w 6857455"/>
-              <a:gd name="connsiteY189" fmla="*/ 782321 h 874716"/>
-              <a:gd name="connsiteX190" fmla="*/ 6704872 w 6857455"/>
-              <a:gd name="connsiteY190" fmla="*/ 780607 h 874716"/>
-              <a:gd name="connsiteX191" fmla="*/ 6751738 w 6857455"/>
-              <a:gd name="connsiteY191" fmla="*/ 779273 h 874716"/>
-              <a:gd name="connsiteX192" fmla="*/ 6809650 w 6857455"/>
-              <a:gd name="connsiteY192" fmla="*/ 788417 h 874716"/>
-              <a:gd name="connsiteX193" fmla="*/ 6832976 w 6857455"/>
-              <a:gd name="connsiteY193" fmla="*/ 800428 h 874716"/>
-            </a:gdLst>
-            <a:ahLst/>
-            <a:cxnLst>
-              <a:cxn ang="0">
-                <a:pos x="connsiteX0" y="connsiteY0"/>
-              </a:cxn>
-              <a:cxn ang="0">
-                <a:pos x="connsiteX1" y="connsiteY1"/>
-              </a:cxn>
-              <a:cxn ang="0">
-                <a:pos x="connsiteX2" y="connsiteY2"/>
-              </a:cxn>
-              <a:cxn ang="0">
-                <a:pos x="connsiteX3" y="connsiteY3"/>
-              </a:cxn>
-              <a:cxn ang="0">
-                <a:pos x="connsiteX4" y="connsiteY4"/>
-              </a:cxn>
-              <a:cxn ang="0">
-                <a:pos x="connsiteX5" y="connsiteY5"/>
-              </a:cxn>
-              <a:cxn ang="0">
-                <a:pos x="connsiteX6" y="connsiteY6"/>
-              </a:cxn>
-              <a:cxn ang="0">
-                <a:pos x="connsiteX7" y="connsiteY7"/>
-              </a:cxn>
-              <a:cxn ang="0">
-                <a:pos x="connsiteX8" y="connsiteY8"/>
-              </a:cxn>
-              <a:cxn ang="0">
-                <a:pos x="connsiteX9" y="connsiteY9"/>
-              </a:cxn>
-              <a:cxn ang="0">
-                <a:pos x="connsiteX10" y="connsiteY10"/>
-              </a:cxn>
-              <a:cxn ang="0">
-                <a:pos x="connsiteX11" y="connsiteY11"/>
-              </a:cxn>
-              <a:cxn ang="0">
-                <a:pos x="connsiteX12" y="connsiteY12"/>
-              </a:cxn>
-              <a:cxn ang="0">
-                <a:pos x="connsiteX13" y="connsiteY13"/>
-              </a:cxn>
-              <a:cxn ang="0">
-                <a:pos x="connsiteX14" y="connsiteY14"/>
-              </a:cxn>
-              <a:cxn ang="0">
-                <a:pos x="connsiteX15" y="connsiteY15"/>
-              </a:cxn>
-              <a:cxn ang="0">
-                <a:pos x="connsiteX16" y="connsiteY16"/>
-              </a:cxn>
-              <a:cxn ang="0">
-                <a:pos x="connsiteX17" y="connsiteY17"/>
-              </a:cxn>
-              <a:cxn ang="0">
-                <a:pos x="connsiteX18" y="connsiteY18"/>
-              </a:cxn>
-              <a:cxn ang="0">
-                <a:pos x="connsiteX19" y="connsiteY19"/>
-              </a:cxn>
-              <a:cxn ang="0">
-                <a:pos x="connsiteX20" y="connsiteY20"/>
-              </a:cxn>
-              <a:cxn ang="0">
-                <a:pos x="connsiteX21" y="connsiteY21"/>
-              </a:cxn>
-              <a:cxn ang="0">
-                <a:pos x="connsiteX22" y="connsiteY22"/>
-              </a:cxn>
-              <a:cxn ang="0">
-                <a:pos x="connsiteX23" y="connsiteY23"/>
-              </a:cxn>
-              <a:cxn ang="0">
-                <a:pos x="connsiteX24" y="connsiteY24"/>
-              </a:cxn>
-              <a:cxn ang="0">
-                <a:pos x="connsiteX25" y="connsiteY25"/>
-              </a:cxn>
-              <a:cxn ang="0">
-                <a:pos x="connsiteX26" y="connsiteY26"/>
-              </a:cxn>
-              <a:cxn ang="0">
-                <a:pos x="connsiteX27" y="connsiteY27"/>
-              </a:cxn>
-              <a:cxn ang="0">
-                <a:pos x="connsiteX28" y="connsiteY28"/>
-              </a:cxn>
-              <a:cxn ang="0">
-                <a:pos x="connsiteX29" y="connsiteY29"/>
-              </a:cxn>
-              <a:cxn ang="0">
-                <a:pos x="connsiteX30" y="connsiteY30"/>
-              </a:cxn>
-              <a:cxn ang="0">
-                <a:pos x="connsiteX31" y="connsiteY31"/>
-              </a:cxn>
-              <a:cxn ang="0">
-                <a:pos x="connsiteX32" y="connsiteY32"/>
-              </a:cxn>
-              <a:cxn ang="0">
-                <a:pos x="connsiteX33" y="connsiteY33"/>
-              </a:cxn>
-              <a:cxn ang="0">
-                <a:pos x="connsiteX34" y="connsiteY34"/>
-              </a:cxn>
-              <a:cxn ang="0">
-                <a:pos x="connsiteX35" y="connsiteY35"/>
-              </a:cxn>
-              <a:cxn ang="0">
-                <a:pos x="connsiteX36" y="connsiteY36"/>
-              </a:cxn>
-              <a:cxn ang="0">
-                <a:pos x="connsiteX37" y="connsiteY37"/>
-              </a:cxn>
-              <a:cxn ang="0">
-                <a:pos x="connsiteX38" y="connsiteY38"/>
-              </a:cxn>
-              <a:cxn ang="0">
-                <a:pos x="connsiteX39" y="connsiteY39"/>
-              </a:cxn>
-              <a:cxn ang="0">
-                <a:pos x="connsiteX40" y="connsiteY40"/>
-              </a:cxn>
-              <a:cxn ang="0">
-                <a:pos x="connsiteX41" y="connsiteY41"/>
-              </a:cxn>
-              <a:cxn ang="0">
-                <a:pos x="connsiteX42" y="connsiteY42"/>
-              </a:cxn>
-              <a:cxn ang="0">
-                <a:pos x="connsiteX43" y="connsiteY43"/>
-              </a:cxn>
-              <a:cxn ang="0">
-                <a:pos x="connsiteX44" y="connsiteY44"/>
-              </a:cxn>
-              <a:cxn ang="0">
-                <a:pos x="connsiteX45" y="connsiteY45"/>
-              </a:cxn>
-              <a:cxn ang="0">
-                <a:pos x="connsiteX46" y="connsiteY46"/>
-              </a:cxn>
-              <a:cxn ang="0">
-                <a:pos x="connsiteX47" y="connsiteY47"/>
-              </a:cxn>
-              <a:cxn ang="0">
-                <a:pos x="connsiteX48" y="connsiteY48"/>
-              </a:cxn>
-              <a:cxn ang="0">
-                <a:pos x="connsiteX49" y="connsiteY49"/>
-              </a:cxn>
-              <a:cxn ang="0">
-                <a:pos x="connsiteX50" y="connsiteY50"/>
-              </a:cxn>
-              <a:cxn ang="0">
-                <a:pos x="connsiteX51" y="connsiteY51"/>
-              </a:cxn>
-              <a:cxn ang="0">
-                <a:pos x="connsiteX52" y="connsiteY52"/>
-              </a:cxn>
-              <a:cxn ang="0">
-                <a:pos x="connsiteX53" y="connsiteY53"/>
-              </a:cxn>
-              <a:cxn ang="0">
-                <a:pos x="connsiteX54" y="connsiteY54"/>
-              </a:cxn>
-              <a:cxn ang="0">
-                <a:pos x="connsiteX55" y="connsiteY55"/>
-              </a:cxn>
-              <a:cxn ang="0">
-                <a:pos x="connsiteX56" y="connsiteY56"/>
-              </a:cxn>
-              <a:cxn ang="0">
-                <a:pos x="connsiteX57" y="connsiteY57"/>
-              </a:cxn>
-              <a:cxn ang="0">
-                <a:pos x="connsiteX58" y="connsiteY58"/>
-              </a:cxn>
-              <a:cxn ang="0">
-                <a:pos x="connsiteX59" y="connsiteY59"/>
-              </a:cxn>
-              <a:cxn ang="0">
-                <a:pos x="connsiteX60" y="connsiteY60"/>
-              </a:cxn>
-              <a:cxn ang="0">
-                <a:pos x="connsiteX61" y="connsiteY61"/>
-              </a:cxn>
-              <a:cxn ang="0">
-                <a:pos x="connsiteX62" y="connsiteY62"/>
-              </a:cxn>
-              <a:cxn ang="0">
-                <a:pos x="connsiteX63" y="connsiteY63"/>
-              </a:cxn>
-              <a:cxn ang="0">
-                <a:pos x="connsiteX64" y="connsiteY64"/>
-              </a:cxn>
-              <a:cxn ang="0">
-                <a:pos x="connsiteX65" y="connsiteY65"/>
-              </a:cxn>
-              <a:cxn ang="0">
-                <a:pos x="connsiteX66" y="connsiteY66"/>
-              </a:cxn>
-              <a:cxn ang="0">
-                <a:pos x="connsiteX67" y="connsiteY67"/>
-              </a:cxn>
-              <a:cxn ang="0">
-                <a:pos x="connsiteX68" y="connsiteY68"/>
-              </a:cxn>
-              <a:cxn ang="0">
-                <a:pos x="connsiteX69" y="connsiteY69"/>
-              </a:cxn>
-              <a:cxn ang="0">
-                <a:pos x="connsiteX70" y="connsiteY70"/>
-              </a:cxn>
-              <a:cxn ang="0">
-                <a:pos x="connsiteX71" y="connsiteY71"/>
-              </a:cxn>
-              <a:cxn ang="0">
-                <a:pos x="connsiteX72" y="connsiteY72"/>
-              </a:cxn>
-              <a:cxn ang="0">
-                <a:pos x="connsiteX73" y="connsiteY73"/>
-              </a:cxn>
-              <a:cxn ang="0">
-                <a:pos x="connsiteX74" y="connsiteY74"/>
-              </a:cxn>
-              <a:cxn ang="0">
-                <a:pos x="connsiteX75" y="connsiteY75"/>
-              </a:cxn>
-              <a:cxn ang="0">
-                <a:pos x="connsiteX76" y="connsiteY76"/>
-              </a:cxn>
-              <a:cxn ang="0">
-                <a:pos x="connsiteX77" y="connsiteY77"/>
-              </a:cxn>
-              <a:cxn ang="0">
-                <a:pos x="connsiteX78" y="connsiteY78"/>
-              </a:cxn>
-              <a:cxn ang="0">
-                <a:pos x="connsiteX79" y="connsiteY79"/>
-              </a:cxn>
-              <a:cxn ang="0">
-                <a:pos x="connsiteX80" y="connsiteY80"/>
-              </a:cxn>
-              <a:cxn ang="0">
-                <a:pos x="connsiteX81" y="connsiteY81"/>
-              </a:cxn>
-              <a:cxn ang="0">
-                <a:pos x="connsiteX82" y="connsiteY82"/>
-              </a:cxn>
-              <a:cxn ang="0">
-                <a:pos x="connsiteX83" y="connsiteY83"/>
-              </a:cxn>
-              <a:cxn ang="0">
-                <a:pos x="connsiteX84" y="connsiteY84"/>
-              </a:cxn>
-              <a:cxn ang="0">
-                <a:pos x="connsiteX85" y="connsiteY85"/>
-              </a:cxn>
-              <a:cxn ang="0">
-                <a:pos x="connsiteX86" y="connsiteY86"/>
-              </a:cxn>
-              <a:cxn ang="0">
-                <a:pos x="connsiteX87" y="connsiteY87"/>
-              </a:cxn>
-              <a:cxn ang="0">
-                <a:pos x="connsiteX88" y="connsiteY88"/>
-              </a:cxn>
-              <a:cxn ang="0">
-                <a:pos x="connsiteX89" y="connsiteY89"/>
-              </a:cxn>
-              <a:cxn ang="0">
-                <a:pos x="connsiteX90" y="connsiteY90"/>
-              </a:cxn>
-              <a:cxn ang="0">
-                <a:pos x="connsiteX91" y="connsiteY91"/>
-              </a:cxn>
-              <a:cxn ang="0">
-                <a:pos x="connsiteX92" y="connsiteY92"/>
-              </a:cxn>
-              <a:cxn ang="0">
-                <a:pos x="connsiteX93" y="connsiteY93"/>
-              </a:cxn>
-              <a:cxn ang="0">
-                <a:pos x="connsiteX94" y="connsiteY94"/>
-              </a:cxn>
-              <a:cxn ang="0">
-                <a:pos x="connsiteX95" y="connsiteY95"/>
-              </a:cxn>
-              <a:cxn ang="0">
-                <a:pos x="connsiteX96" y="connsiteY96"/>
-              </a:cxn>
-              <a:cxn ang="0">
-                <a:pos x="connsiteX97" y="connsiteY97"/>
-              </a:cxn>
-              <a:cxn ang="0">
-                <a:pos x="connsiteX98" y="connsiteY98"/>
-              </a:cxn>
-              <a:cxn ang="0">
-                <a:pos x="connsiteX99" y="connsiteY99"/>
-              </a:cxn>
-              <a:cxn ang="0">
-                <a:pos x="connsiteX100" y="connsiteY100"/>
-              </a:cxn>
-              <a:cxn ang="0">
-                <a:pos x="connsiteX101" y="connsiteY101"/>
-              </a:cxn>
-              <a:cxn ang="0">
-                <a:pos x="connsiteX102" y="connsiteY102"/>
-              </a:cxn>
-              <a:cxn ang="0">
-                <a:pos x="connsiteX103" y="connsiteY103"/>
-              </a:cxn>
-              <a:cxn ang="0">
-                <a:pos x="connsiteX104" y="connsiteY104"/>
-              </a:cxn>
-              <a:cxn ang="0">
-                <a:pos x="connsiteX105" y="connsiteY105"/>
-              </a:cxn>
-              <a:cxn ang="0">
-                <a:pos x="connsiteX106" y="connsiteY106"/>
-              </a:cxn>
-              <a:cxn ang="0">
-                <a:pos x="connsiteX107" y="connsiteY107"/>
-              </a:cxn>
-              <a:cxn ang="0">
-                <a:pos x="connsiteX108" y="connsiteY108"/>
-              </a:cxn>
-              <a:cxn ang="0">
-                <a:pos x="connsiteX109" y="connsiteY109"/>
-              </a:cxn>
-              <a:cxn ang="0">
-                <a:pos x="connsiteX110" y="connsiteY110"/>
-              </a:cxn>
-              <a:cxn ang="0">
-                <a:pos x="connsiteX111" y="connsiteY111"/>
-              </a:cxn>
-              <a:cxn ang="0">
-                <a:pos x="connsiteX112" y="connsiteY112"/>
-              </a:cxn>
-              <a:cxn ang="0">
-                <a:pos x="connsiteX113" y="connsiteY113"/>
-              </a:cxn>
-              <a:cxn ang="0">
-                <a:pos x="connsiteX114" y="connsiteY114"/>
-              </a:cxn>
-              <a:cxn ang="0">
-                <a:pos x="connsiteX115" y="connsiteY115"/>
-              </a:cxn>
-              <a:cxn ang="0">
-                <a:pos x="connsiteX116" y="connsiteY116"/>
-              </a:cxn>
-              <a:cxn ang="0">
-                <a:pos x="connsiteX117" y="connsiteY117"/>
-              </a:cxn>
-              <a:cxn ang="0">
-                <a:pos x="connsiteX118" y="connsiteY118"/>
-              </a:cxn>
-              <a:cxn ang="0">
-                <a:pos x="connsiteX119" y="connsiteY119"/>
-              </a:cxn>
-              <a:cxn ang="0">
-                <a:pos x="connsiteX120" y="connsiteY120"/>
-              </a:cxn>
-              <a:cxn ang="0">
-                <a:pos x="connsiteX121" y="connsiteY121"/>
-              </a:cxn>
-              <a:cxn ang="0">
-                <a:pos x="connsiteX122" y="connsiteY122"/>
-              </a:cxn>
-              <a:cxn ang="0">
-                <a:pos x="connsiteX123" y="connsiteY123"/>
-              </a:cxn>
-              <a:cxn ang="0">
-                <a:pos x="connsiteX124" y="connsiteY124"/>
-              </a:cxn>
-              <a:cxn ang="0">
-                <a:pos x="connsiteX125" y="connsiteY125"/>
-              </a:cxn>
-              <a:cxn ang="0">
-                <a:pos x="connsiteX126" y="connsiteY126"/>
-              </a:cxn>
-              <a:cxn ang="0">
-                <a:pos x="connsiteX127" y="connsiteY127"/>
-              </a:cxn>
-              <a:cxn ang="0">
-                <a:pos x="connsiteX128" y="connsiteY128"/>
-              </a:cxn>
-              <a:cxn ang="0">
-                <a:pos x="connsiteX129" y="connsiteY129"/>
-              </a:cxn>
-              <a:cxn ang="0">
-                <a:pos x="connsiteX130" y="connsiteY130"/>
-              </a:cxn>
-              <a:cxn ang="0">
-                <a:pos x="connsiteX131" y="connsiteY131"/>
-              </a:cxn>
-              <a:cxn ang="0">
-                <a:pos x="connsiteX132" y="connsiteY132"/>
-              </a:cxn>
-              <a:cxn ang="0">
-                <a:pos x="connsiteX133" y="connsiteY133"/>
-              </a:cxn>
-              <a:cxn ang="0">
-                <a:pos x="connsiteX134" y="connsiteY134"/>
-              </a:cxn>
-              <a:cxn ang="0">
-                <a:pos x="connsiteX135" y="connsiteY135"/>
-              </a:cxn>
-              <a:cxn ang="0">
-                <a:pos x="connsiteX136" y="connsiteY136"/>
-              </a:cxn>
-              <a:cxn ang="0">
-                <a:pos x="connsiteX137" y="connsiteY137"/>
-              </a:cxn>
-              <a:cxn ang="0">
-                <a:pos x="connsiteX138" y="connsiteY138"/>
-              </a:cxn>
-              <a:cxn ang="0">
-                <a:pos x="connsiteX139" y="connsiteY139"/>
-              </a:cxn>
-              <a:cxn ang="0">
-                <a:pos x="connsiteX140" y="connsiteY140"/>
-              </a:cxn>
-              <a:cxn ang="0">
-                <a:pos x="connsiteX141" y="connsiteY141"/>
-              </a:cxn>
-              <a:cxn ang="0">
-                <a:pos x="connsiteX142" y="connsiteY142"/>
-              </a:cxn>
-              <a:cxn ang="0">
-                <a:pos x="connsiteX143" y="connsiteY143"/>
-              </a:cxn>
-              <a:cxn ang="0">
-                <a:pos x="connsiteX144" y="connsiteY144"/>
-              </a:cxn>
-              <a:cxn ang="0">
-                <a:pos x="connsiteX145" y="connsiteY145"/>
-              </a:cxn>
-              <a:cxn ang="0">
-                <a:pos x="connsiteX146" y="connsiteY146"/>
-              </a:cxn>
-              <a:cxn ang="0">
-                <a:pos x="connsiteX147" y="connsiteY147"/>
-              </a:cxn>
-              <a:cxn ang="0">
-                <a:pos x="connsiteX148" y="connsiteY148"/>
-              </a:cxn>
-              <a:cxn ang="0">
-                <a:pos x="connsiteX149" y="connsiteY149"/>
-              </a:cxn>
-              <a:cxn ang="0">
-                <a:pos x="connsiteX150" y="connsiteY150"/>
-              </a:cxn>
-              <a:cxn ang="0">
-                <a:pos x="connsiteX151" y="connsiteY151"/>
-              </a:cxn>
-              <a:cxn ang="0">
-                <a:pos x="connsiteX152" y="connsiteY152"/>
-              </a:cxn>
-              <a:cxn ang="0">
-                <a:pos x="connsiteX153" y="connsiteY153"/>
-              </a:cxn>
-              <a:cxn ang="0">
-                <a:pos x="connsiteX154" y="connsiteY154"/>
-              </a:cxn>
-              <a:cxn ang="0">
-                <a:pos x="connsiteX155" y="connsiteY155"/>
-              </a:cxn>
-              <a:cxn ang="0">
-                <a:pos x="connsiteX156" y="connsiteY156"/>
-              </a:cxn>
-              <a:cxn ang="0">
-                <a:pos x="connsiteX157" y="connsiteY157"/>
-              </a:cxn>
-              <a:cxn ang="0">
-                <a:pos x="connsiteX158" y="connsiteY158"/>
-              </a:cxn>
-              <a:cxn ang="0">
-                <a:pos x="connsiteX159" y="connsiteY159"/>
-              </a:cxn>
-              <a:cxn ang="0">
-                <a:pos x="connsiteX160" y="connsiteY160"/>
-              </a:cxn>
-              <a:cxn ang="0">
-                <a:pos x="connsiteX161" y="connsiteY161"/>
-              </a:cxn>
-              <a:cxn ang="0">
-                <a:pos x="connsiteX162" y="connsiteY162"/>
-              </a:cxn>
-              <a:cxn ang="0">
-                <a:pos x="connsiteX163" y="connsiteY163"/>
-              </a:cxn>
-              <a:cxn ang="0">
-                <a:pos x="connsiteX164" y="connsiteY164"/>
-              </a:cxn>
-              <a:cxn ang="0">
-                <a:pos x="connsiteX165" y="connsiteY165"/>
-              </a:cxn>
-              <a:cxn ang="0">
-                <a:pos x="connsiteX166" y="connsiteY166"/>
-              </a:cxn>
-              <a:cxn ang="0">
-                <a:pos x="connsiteX167" y="connsiteY167"/>
-              </a:cxn>
-              <a:cxn ang="0">
-                <a:pos x="connsiteX168" y="connsiteY168"/>
-              </a:cxn>
-              <a:cxn ang="0">
-                <a:pos x="connsiteX169" y="connsiteY169"/>
-              </a:cxn>
-              <a:cxn ang="0">
-                <a:pos x="connsiteX170" y="connsiteY170"/>
-              </a:cxn>
-              <a:cxn ang="0">
-                <a:pos x="connsiteX171" y="connsiteY171"/>
-              </a:cxn>
-              <a:cxn ang="0">
-                <a:pos x="connsiteX172" y="connsiteY172"/>
-              </a:cxn>
-              <a:cxn ang="0">
-                <a:pos x="connsiteX173" y="connsiteY173"/>
-              </a:cxn>
-              <a:cxn ang="0">
-                <a:pos x="connsiteX174" y="connsiteY174"/>
-              </a:cxn>
-              <a:cxn ang="0">
-                <a:pos x="connsiteX175" y="connsiteY175"/>
-              </a:cxn>
-              <a:cxn ang="0">
-                <a:pos x="connsiteX176" y="connsiteY176"/>
-              </a:cxn>
-              <a:cxn ang="0">
-                <a:pos x="connsiteX177" y="connsiteY177"/>
-              </a:cxn>
-              <a:cxn ang="0">
-                <a:pos x="connsiteX178" y="connsiteY178"/>
-              </a:cxn>
-              <a:cxn ang="0">
-                <a:pos x="connsiteX179" y="connsiteY179"/>
-              </a:cxn>
-              <a:cxn ang="0">
-                <a:pos x="connsiteX180" y="connsiteY180"/>
-              </a:cxn>
-              <a:cxn ang="0">
-                <a:pos x="connsiteX181" y="connsiteY181"/>
-              </a:cxn>
-              <a:cxn ang="0">
-                <a:pos x="connsiteX182" y="connsiteY182"/>
-              </a:cxn>
-              <a:cxn ang="0">
-                <a:pos x="connsiteX183" y="connsiteY183"/>
-              </a:cxn>
-              <a:cxn ang="0">
-                <a:pos x="connsiteX184" y="connsiteY184"/>
-              </a:cxn>
-              <a:cxn ang="0">
-                <a:pos x="connsiteX185" y="connsiteY185"/>
-              </a:cxn>
-              <a:cxn ang="0">
-                <a:pos x="connsiteX186" y="connsiteY186"/>
-              </a:cxn>
-              <a:cxn ang="0">
-                <a:pos x="connsiteX187" y="connsiteY187"/>
-              </a:cxn>
-              <a:cxn ang="0">
-                <a:pos x="connsiteX188" y="connsiteY188"/>
-              </a:cxn>
-              <a:cxn ang="0">
-                <a:pos x="connsiteX189" y="connsiteY189"/>
-              </a:cxn>
-              <a:cxn ang="0">
-                <a:pos x="connsiteX190" y="connsiteY190"/>
-              </a:cxn>
-              <a:cxn ang="0">
-                <a:pos x="connsiteX191" y="connsiteY191"/>
-              </a:cxn>
-              <a:cxn ang="0">
-                <a:pos x="connsiteX192" y="connsiteY192"/>
-              </a:cxn>
-              <a:cxn ang="0">
-                <a:pos x="connsiteX193" y="connsiteY193"/>
-              </a:cxn>
-            </a:cxnLst>
-            <a:rect l="l" t="t" r="r" b="b"/>
-            <a:pathLst>
-              <a:path w="6857455" h="874716">
-                <a:moveTo>
-                  <a:pt x="6857455" y="804643"/>
-                </a:moveTo>
-                <a:lnTo>
-                  <a:pt x="6857455" y="562246"/>
-                </a:lnTo>
-                <a:lnTo>
-                  <a:pt x="6829178" y="551284"/>
-                </a:lnTo>
-                <a:cubicBezTo>
-                  <a:pt x="6805745" y="539044"/>
-                  <a:pt x="6784885" y="521708"/>
-                  <a:pt x="6766024" y="500372"/>
-                </a:cubicBezTo>
-                <a:cubicBezTo>
-                  <a:pt x="6755166" y="488179"/>
-                  <a:pt x="6746784" y="486845"/>
-                  <a:pt x="6734971" y="500944"/>
-                </a:cubicBezTo>
-                <a:cubicBezTo>
-                  <a:pt x="6721257" y="517326"/>
-                  <a:pt x="6701634" y="510850"/>
-                  <a:pt x="6683915" y="507040"/>
-                </a:cubicBezTo>
-                <a:cubicBezTo>
-                  <a:pt x="6665629" y="503230"/>
-                  <a:pt x="6647148" y="499228"/>
-                  <a:pt x="6628860" y="495418"/>
-                </a:cubicBezTo>
-                <a:cubicBezTo>
-                  <a:pt x="6615335" y="492752"/>
-                  <a:pt x="6601999" y="490466"/>
-                  <a:pt x="6588662" y="487227"/>
-                </a:cubicBezTo>
-                <a:cubicBezTo>
-                  <a:pt x="6547133" y="477129"/>
-                  <a:pt x="6509794" y="480177"/>
-                  <a:pt x="6476074" y="511230"/>
-                </a:cubicBezTo>
-                <a:cubicBezTo>
-                  <a:pt x="6450356" y="535043"/>
-                  <a:pt x="6417399" y="542093"/>
-                  <a:pt x="6382345" y="534853"/>
-                </a:cubicBezTo>
-                <a:cubicBezTo>
-                  <a:pt x="6377963" y="533901"/>
-                  <a:pt x="6372439" y="530091"/>
-                  <a:pt x="6369391" y="531615"/>
-                </a:cubicBezTo>
-                <a:cubicBezTo>
-                  <a:pt x="6323479" y="553904"/>
-                  <a:pt x="6287092" y="514658"/>
-                  <a:pt x="6244799" y="512182"/>
-                </a:cubicBezTo>
-                <a:cubicBezTo>
-                  <a:pt x="6226130" y="511040"/>
-                  <a:pt x="6207079" y="496942"/>
-                  <a:pt x="6190315" y="485703"/>
-                </a:cubicBezTo>
-                <a:cubicBezTo>
-                  <a:pt x="6167262" y="470271"/>
-                  <a:pt x="6146687" y="455412"/>
-                  <a:pt x="6115446" y="462270"/>
-                </a:cubicBezTo>
-                <a:cubicBezTo>
-                  <a:pt x="6084203" y="469319"/>
-                  <a:pt x="6055627" y="456364"/>
-                  <a:pt x="6032194" y="434266"/>
-                </a:cubicBezTo>
-                <a:cubicBezTo>
-                  <a:pt x="6014287" y="417501"/>
-                  <a:pt x="5994665" y="415977"/>
-                  <a:pt x="5971042" y="420738"/>
-                </a:cubicBezTo>
-                <a:cubicBezTo>
-                  <a:pt x="5941513" y="426645"/>
-                  <a:pt x="5910842" y="427027"/>
-                  <a:pt x="5880933" y="430646"/>
-                </a:cubicBezTo>
-                <a:cubicBezTo>
-                  <a:pt x="5874454" y="431408"/>
-                  <a:pt x="5866265" y="434076"/>
-                  <a:pt x="5862452" y="438648"/>
-                </a:cubicBezTo>
-                <a:cubicBezTo>
-                  <a:pt x="5815779" y="495418"/>
-                  <a:pt x="5750055" y="495990"/>
-                  <a:pt x="5685283" y="498658"/>
-                </a:cubicBezTo>
-                <a:cubicBezTo>
-                  <a:pt x="5646039" y="500372"/>
-                  <a:pt x="5606604" y="500372"/>
-                  <a:pt x="5567169" y="499420"/>
-                </a:cubicBezTo>
-                <a:cubicBezTo>
-                  <a:pt x="5553832" y="499228"/>
-                  <a:pt x="5539736" y="496180"/>
-                  <a:pt x="5527923" y="490466"/>
-                </a:cubicBezTo>
-                <a:cubicBezTo>
-                  <a:pt x="5503348" y="478463"/>
-                  <a:pt x="5480680" y="462843"/>
-                  <a:pt x="5456292" y="450650"/>
-                </a:cubicBezTo>
-                <a:cubicBezTo>
-                  <a:pt x="5447151" y="445886"/>
-                  <a:pt x="5435338" y="445696"/>
-                  <a:pt x="5424670" y="444934"/>
-                </a:cubicBezTo>
-                <a:cubicBezTo>
-                  <a:pt x="5405809" y="443410"/>
-                  <a:pt x="5384854" y="447982"/>
-                  <a:pt x="5368662" y="441124"/>
-                </a:cubicBezTo>
-                <a:cubicBezTo>
-                  <a:pt x="5326559" y="423407"/>
-                  <a:pt x="5287123" y="427407"/>
-                  <a:pt x="5247118" y="444934"/>
-                </a:cubicBezTo>
-                <a:cubicBezTo>
-                  <a:pt x="5191108" y="469509"/>
-                  <a:pt x="5138148" y="467605"/>
-                  <a:pt x="5088617" y="428742"/>
-                </a:cubicBezTo>
-                <a:cubicBezTo>
-                  <a:pt x="5066328" y="411215"/>
-                  <a:pt x="5044609" y="419596"/>
-                  <a:pt x="5025750" y="433694"/>
-                </a:cubicBezTo>
-                <a:cubicBezTo>
-                  <a:pt x="5004032" y="450078"/>
-                  <a:pt x="4982885" y="454268"/>
-                  <a:pt x="4957930" y="442268"/>
-                </a:cubicBezTo>
-                <a:cubicBezTo>
-                  <a:pt x="4952404" y="439600"/>
-                  <a:pt x="4944594" y="440933"/>
-                  <a:pt x="4938116" y="441886"/>
-                </a:cubicBezTo>
-                <a:cubicBezTo>
-                  <a:pt x="4901158" y="446648"/>
-                  <a:pt x="4864009" y="454650"/>
-                  <a:pt x="4833910" y="421693"/>
-                </a:cubicBezTo>
-                <a:cubicBezTo>
-                  <a:pt x="4828004" y="415214"/>
-                  <a:pt x="4818097" y="412549"/>
-                  <a:pt x="4810095" y="408167"/>
-                </a:cubicBezTo>
-                <a:cubicBezTo>
-                  <a:pt x="4776566" y="390258"/>
-                  <a:pt x="4777900" y="391974"/>
-                  <a:pt x="4747991" y="413691"/>
-                </a:cubicBezTo>
-                <a:cubicBezTo>
-                  <a:pt x="4732369" y="425121"/>
-                  <a:pt x="4710842" y="436742"/>
-                  <a:pt x="4692745" y="435790"/>
-                </a:cubicBezTo>
-                <a:cubicBezTo>
-                  <a:pt x="4583584" y="430075"/>
-                  <a:pt x="4479758" y="457508"/>
-                  <a:pt x="4375933" y="483417"/>
-                </a:cubicBezTo>
-                <a:cubicBezTo>
-                  <a:pt x="4311923" y="499420"/>
-                  <a:pt x="4249436" y="500372"/>
-                  <a:pt x="4185426" y="484179"/>
-                </a:cubicBezTo>
-                <a:cubicBezTo>
-                  <a:pt x="4139133" y="472367"/>
-                  <a:pt x="4095315" y="491800"/>
-                  <a:pt x="4052072" y="505134"/>
-                </a:cubicBezTo>
-                <a:cubicBezTo>
-                  <a:pt x="4043117" y="507799"/>
-                  <a:pt x="4034735" y="518278"/>
-                  <a:pt x="4029973" y="527233"/>
-                </a:cubicBezTo>
-                <a:cubicBezTo>
-                  <a:pt x="4012826" y="558858"/>
-                  <a:pt x="3984441" y="563810"/>
-                  <a:pt x="3948626" y="550666"/>
-                </a:cubicBezTo>
-                <a:cubicBezTo>
-                  <a:pt x="3920241" y="540377"/>
-                  <a:pt x="3894332" y="526661"/>
-                  <a:pt x="3871280" y="502275"/>
-                </a:cubicBezTo>
-                <a:cubicBezTo>
-                  <a:pt x="3844229" y="473701"/>
-                  <a:pt x="3816224" y="441124"/>
-                  <a:pt x="3774312" y="429122"/>
-                </a:cubicBezTo>
-                <a:cubicBezTo>
-                  <a:pt x="3756214" y="423979"/>
-                  <a:pt x="3740593" y="423217"/>
-                  <a:pt x="3721543" y="428552"/>
-                </a:cubicBezTo>
-                <a:cubicBezTo>
-                  <a:pt x="3684583" y="438837"/>
-                  <a:pt x="3647436" y="446078"/>
-                  <a:pt x="3612763" y="414263"/>
-                </a:cubicBezTo>
-                <a:cubicBezTo>
-                  <a:pt x="3593712" y="396736"/>
-                  <a:pt x="3567994" y="385496"/>
-                  <a:pt x="3537323" y="389878"/>
-                </a:cubicBezTo>
-                <a:cubicBezTo>
-                  <a:pt x="3499031" y="395402"/>
-                  <a:pt x="3464168" y="381496"/>
-                  <a:pt x="3431593" y="360921"/>
-                </a:cubicBezTo>
-                <a:cubicBezTo>
-                  <a:pt x="3419971" y="353491"/>
-                  <a:pt x="3405682" y="349301"/>
-                  <a:pt x="3392158" y="345681"/>
-                </a:cubicBezTo>
-                <a:cubicBezTo>
-                  <a:pt x="3360915" y="337298"/>
-                  <a:pt x="3329480" y="329868"/>
-                  <a:pt x="3297856" y="323010"/>
-                </a:cubicBezTo>
-                <a:cubicBezTo>
-                  <a:pt x="3271948" y="317296"/>
-                  <a:pt x="3245849" y="313104"/>
-                  <a:pt x="3219748" y="308151"/>
-                </a:cubicBezTo>
-                <a:cubicBezTo>
-                  <a:pt x="3191173" y="302817"/>
-                  <a:pt x="3168502" y="290433"/>
-                  <a:pt x="3156692" y="261668"/>
-                </a:cubicBezTo>
-                <a:cubicBezTo>
-                  <a:pt x="3152882" y="252524"/>
-                  <a:pt x="3143737" y="245283"/>
-                  <a:pt x="3136497" y="237663"/>
-                </a:cubicBezTo>
-                <a:cubicBezTo>
-                  <a:pt x="3131355" y="232139"/>
-                  <a:pt x="3124495" y="227947"/>
-                  <a:pt x="3119733" y="222233"/>
-                </a:cubicBezTo>
-                <a:cubicBezTo>
-                  <a:pt x="3094776" y="192132"/>
-                  <a:pt x="3070201" y="161843"/>
-                  <a:pt x="3045436" y="131742"/>
-                </a:cubicBezTo>
-                <a:cubicBezTo>
-                  <a:pt x="3042958" y="128884"/>
-                  <a:pt x="3040292" y="125455"/>
-                  <a:pt x="3037054" y="124121"/>
-                </a:cubicBezTo>
-                <a:cubicBezTo>
-                  <a:pt x="3003525" y="110215"/>
-                  <a:pt x="2969614" y="97070"/>
-                  <a:pt x="2936466" y="82400"/>
-                </a:cubicBezTo>
-                <a:cubicBezTo>
-                  <a:pt x="2923702" y="76686"/>
-                  <a:pt x="2910558" y="69637"/>
-                  <a:pt x="2901031" y="59731"/>
-                </a:cubicBezTo>
-                <a:cubicBezTo>
-                  <a:pt x="2879314" y="37250"/>
-                  <a:pt x="2859502" y="12866"/>
-                  <a:pt x="2828259" y="3149"/>
-                </a:cubicBezTo>
-                <a:cubicBezTo>
-                  <a:pt x="2819114" y="293"/>
-                  <a:pt x="2808256" y="-1231"/>
-                  <a:pt x="2799492" y="1245"/>
-                </a:cubicBezTo>
-                <a:cubicBezTo>
-                  <a:pt x="2763867" y="11532"/>
-                  <a:pt x="2729005" y="24296"/>
-                  <a:pt x="2693570" y="35154"/>
-                </a:cubicBezTo>
-                <a:cubicBezTo>
-                  <a:pt x="2671092" y="41823"/>
-                  <a:pt x="2650707" y="49825"/>
-                  <a:pt x="2639847" y="73448"/>
-                </a:cubicBezTo>
-                <a:cubicBezTo>
-                  <a:pt x="2636801" y="80114"/>
-                  <a:pt x="2628226" y="87354"/>
-                  <a:pt x="2621178" y="88688"/>
-                </a:cubicBezTo>
-                <a:cubicBezTo>
-                  <a:pt x="2575839" y="97260"/>
-                  <a:pt x="2531069" y="101451"/>
-                  <a:pt x="2489348" y="72304"/>
-                </a:cubicBezTo>
-                <a:cubicBezTo>
-                  <a:pt x="2480585" y="66017"/>
-                  <a:pt x="2464201" y="66017"/>
-                  <a:pt x="2452580" y="68683"/>
-                </a:cubicBezTo>
-                <a:cubicBezTo>
-                  <a:pt x="2407811" y="78590"/>
-                  <a:pt x="2365328" y="82020"/>
-                  <a:pt x="2326464" y="50395"/>
-                </a:cubicBezTo>
-                <a:cubicBezTo>
-                  <a:pt x="2321892" y="46585"/>
-                  <a:pt x="2307224" y="50015"/>
-                  <a:pt x="2300365" y="54777"/>
-                </a:cubicBezTo>
-                <a:cubicBezTo>
-                  <a:pt x="2234259" y="101261"/>
-                  <a:pt x="2198064" y="102405"/>
-                  <a:pt x="2130434" y="58397"/>
-                </a:cubicBezTo>
-                <a:cubicBezTo>
-                  <a:pt x="2126052" y="55539"/>
-                  <a:pt x="2120337" y="52301"/>
-                  <a:pt x="2118621" y="47919"/>
-                </a:cubicBezTo>
-                <a:cubicBezTo>
-                  <a:pt x="2107001" y="19914"/>
-                  <a:pt x="2082236" y="19152"/>
-                  <a:pt x="2057659" y="16866"/>
-                </a:cubicBezTo>
-                <a:cubicBezTo>
-                  <a:pt x="2030608" y="14390"/>
-                  <a:pt x="2003555" y="11152"/>
-                  <a:pt x="1976314" y="8865"/>
-                </a:cubicBezTo>
-                <a:cubicBezTo>
-                  <a:pt x="1971550" y="8483"/>
-                  <a:pt x="1966216" y="10007"/>
-                  <a:pt x="1961454" y="11724"/>
-                </a:cubicBezTo>
-                <a:cubicBezTo>
-                  <a:pt x="1943165" y="18010"/>
-                  <a:pt x="1925449" y="27154"/>
-                  <a:pt x="1906588" y="30964"/>
-                </a:cubicBezTo>
-                <a:cubicBezTo>
-                  <a:pt x="1865821" y="39156"/>
-                  <a:pt x="1826385" y="55539"/>
-                  <a:pt x="1783330" y="48871"/>
-                </a:cubicBezTo>
-                <a:cubicBezTo>
-                  <a:pt x="1775902" y="47729"/>
-                  <a:pt x="1767327" y="53253"/>
-                  <a:pt x="1759327" y="55349"/>
-                </a:cubicBezTo>
-                <a:cubicBezTo>
-                  <a:pt x="1744849" y="58969"/>
-                  <a:pt x="1730750" y="64111"/>
-                  <a:pt x="1716082" y="65445"/>
-                </a:cubicBezTo>
-                <a:cubicBezTo>
-                  <a:pt x="1677218" y="68875"/>
-                  <a:pt x="1637975" y="71924"/>
-                  <a:pt x="1598920" y="72114"/>
-                </a:cubicBezTo>
-                <a:cubicBezTo>
-                  <a:pt x="1580061" y="72304"/>
-                  <a:pt x="1561201" y="65065"/>
-                  <a:pt x="1542150" y="62207"/>
-                </a:cubicBezTo>
-                <a:cubicBezTo>
-                  <a:pt x="1533578" y="60873"/>
-                  <a:pt x="1519669" y="58587"/>
-                  <a:pt x="1516813" y="62779"/>
-                </a:cubicBezTo>
-                <a:cubicBezTo>
-                  <a:pt x="1494714" y="94592"/>
-                  <a:pt x="1463661" y="88496"/>
-                  <a:pt x="1432228" y="88116"/>
-                </a:cubicBezTo>
-                <a:cubicBezTo>
-                  <a:pt x="1362884" y="87354"/>
-                  <a:pt x="1295826" y="60493"/>
-                  <a:pt x="1224765" y="71924"/>
-                </a:cubicBezTo>
-                <a:cubicBezTo>
-                  <a:pt x="1204191" y="75162"/>
-                  <a:pt x="1181330" y="62397"/>
-                  <a:pt x="1159231" y="58207"/>
-                </a:cubicBezTo>
-                <a:cubicBezTo>
-                  <a:pt x="1147801" y="56111"/>
-                  <a:pt x="1135228" y="53633"/>
-                  <a:pt x="1124370" y="56301"/>
-                </a:cubicBezTo>
-                <a:cubicBezTo>
-                  <a:pt x="1107605" y="60493"/>
-                  <a:pt x="1091411" y="68113"/>
-                  <a:pt x="1075600" y="75542"/>
-                </a:cubicBezTo>
-                <a:cubicBezTo>
-                  <a:pt x="1046261" y="89258"/>
-                  <a:pt x="1016162" y="89258"/>
-                  <a:pt x="986633" y="79162"/>
-                </a:cubicBezTo>
-                <a:cubicBezTo>
-                  <a:pt x="944722" y="64873"/>
-                  <a:pt x="903193" y="64873"/>
-                  <a:pt x="861089" y="76304"/>
-                </a:cubicBezTo>
-                <a:cubicBezTo>
-                  <a:pt x="826990" y="85638"/>
-                  <a:pt x="791935" y="92116"/>
-                  <a:pt x="759168" y="104689"/>
-                </a:cubicBezTo>
-                <a:cubicBezTo>
-                  <a:pt x="744689" y="110215"/>
-                  <a:pt x="732497" y="126597"/>
-                  <a:pt x="723735" y="140696"/>
-                </a:cubicBezTo>
-                <a:cubicBezTo>
-                  <a:pt x="706018" y="169271"/>
-                  <a:pt x="674013" y="169081"/>
-                  <a:pt x="647532" y="147934"/>
-                </a:cubicBezTo>
-                <a:cubicBezTo>
-                  <a:pt x="619717" y="125645"/>
-                  <a:pt x="584664" y="112501"/>
-                  <a:pt x="552659" y="95926"/>
-                </a:cubicBezTo>
-                <a:cubicBezTo>
-                  <a:pt x="549993" y="94592"/>
-                  <a:pt x="545039" y="96116"/>
-                  <a:pt x="541800" y="97640"/>
-                </a:cubicBezTo>
-                <a:cubicBezTo>
-                  <a:pt x="488649" y="122407"/>
-                  <a:pt x="433593" y="126979"/>
-                  <a:pt x="375107" y="123169"/>
-                </a:cubicBezTo>
-                <a:cubicBezTo>
-                  <a:pt x="341960" y="121073"/>
-                  <a:pt x="307289" y="137076"/>
-                  <a:pt x="273567" y="145458"/>
-                </a:cubicBezTo>
-                <a:cubicBezTo>
-                  <a:pt x="269757" y="146410"/>
-                  <a:pt x="266519" y="151174"/>
-                  <a:pt x="264043" y="154792"/>
-                </a:cubicBezTo>
-                <a:cubicBezTo>
-                  <a:pt x="240228" y="190800"/>
-                  <a:pt x="208223" y="200706"/>
-                  <a:pt x="169360" y="177273"/>
-                </a:cubicBezTo>
-                <a:cubicBezTo>
-                  <a:pt x="143643" y="161651"/>
-                  <a:pt x="118114" y="158032"/>
-                  <a:pt x="89347" y="157460"/>
-                </a:cubicBezTo>
-                <a:cubicBezTo>
-                  <a:pt x="71059" y="157078"/>
-                  <a:pt x="52962" y="147934"/>
-                  <a:pt x="34291" y="145268"/>
-                </a:cubicBezTo>
-                <a:lnTo>
-                  <a:pt x="0" y="142056"/>
-                </a:lnTo>
-                <a:lnTo>
-                  <a:pt x="0" y="849556"/>
-                </a:lnTo>
-                <a:lnTo>
-                  <a:pt x="60652" y="844783"/>
-                </a:lnTo>
-                <a:cubicBezTo>
-                  <a:pt x="80251" y="839473"/>
-                  <a:pt x="99446" y="832043"/>
-                  <a:pt x="119068" y="827281"/>
-                </a:cubicBezTo>
-                <a:cubicBezTo>
-                  <a:pt x="137355" y="822899"/>
-                  <a:pt x="154501" y="812802"/>
-                  <a:pt x="171840" y="804420"/>
-                </a:cubicBezTo>
-                <a:cubicBezTo>
-                  <a:pt x="204985" y="788417"/>
-                  <a:pt x="240420" y="798514"/>
-                  <a:pt x="274329" y="794324"/>
-                </a:cubicBezTo>
-                <a:cubicBezTo>
-                  <a:pt x="285188" y="792990"/>
-                  <a:pt x="296046" y="791466"/>
-                  <a:pt x="306715" y="788798"/>
-                </a:cubicBezTo>
-                <a:cubicBezTo>
-                  <a:pt x="335864" y="781749"/>
-                  <a:pt x="365583" y="775653"/>
-                  <a:pt x="393967" y="765937"/>
-                </a:cubicBezTo>
-                <a:cubicBezTo>
-                  <a:pt x="426165" y="755078"/>
-                  <a:pt x="457028" y="740600"/>
-                  <a:pt x="493793" y="725549"/>
-                </a:cubicBezTo>
-                <a:cubicBezTo>
-                  <a:pt x="506557" y="729360"/>
-                  <a:pt x="526180" y="739648"/>
-                  <a:pt x="546373" y="740600"/>
-                </a:cubicBezTo>
-                <a:cubicBezTo>
-                  <a:pt x="611337" y="743838"/>
-                  <a:pt x="672107" y="726121"/>
-                  <a:pt x="730211" y="698116"/>
-                </a:cubicBezTo>
-                <a:cubicBezTo>
-                  <a:pt x="747927" y="689734"/>
-                  <a:pt x="766980" y="684210"/>
-                  <a:pt x="784889" y="676018"/>
-                </a:cubicBezTo>
-                <a:cubicBezTo>
-                  <a:pt x="791173" y="673161"/>
-                  <a:pt x="799365" y="667065"/>
-                  <a:pt x="800509" y="661349"/>
-                </a:cubicBezTo>
-                <a:cubicBezTo>
-                  <a:pt x="807175" y="628201"/>
-                  <a:pt x="831942" y="628772"/>
-                  <a:pt x="857661" y="626868"/>
-                </a:cubicBezTo>
-                <a:cubicBezTo>
-                  <a:pt x="888332" y="624582"/>
-                  <a:pt x="918621" y="619248"/>
-                  <a:pt x="949102" y="614676"/>
-                </a:cubicBezTo>
-                <a:cubicBezTo>
-                  <a:pt x="953104" y="614104"/>
-                  <a:pt x="956722" y="610104"/>
-                  <a:pt x="960342" y="607435"/>
-                </a:cubicBezTo>
-                <a:cubicBezTo>
-                  <a:pt x="965867" y="603435"/>
-                  <a:pt x="971011" y="597339"/>
-                  <a:pt x="977109" y="595815"/>
-                </a:cubicBezTo>
-                <a:cubicBezTo>
-                  <a:pt x="1008350" y="588385"/>
-                  <a:pt x="1039783" y="582099"/>
-                  <a:pt x="1071218" y="575240"/>
-                </a:cubicBezTo>
-                <a:cubicBezTo>
-                  <a:pt x="1078266" y="573716"/>
-                  <a:pt x="1085505" y="571812"/>
-                  <a:pt x="1091983" y="568764"/>
-                </a:cubicBezTo>
-                <a:cubicBezTo>
-                  <a:pt x="1098079" y="565906"/>
-                  <a:pt x="1103223" y="560952"/>
-                  <a:pt x="1109321" y="557904"/>
-                </a:cubicBezTo>
-                <a:cubicBezTo>
-                  <a:pt x="1125892" y="549714"/>
-                  <a:pt x="1142851" y="542093"/>
-                  <a:pt x="1162279" y="532949"/>
-                </a:cubicBezTo>
-                <a:cubicBezTo>
-                  <a:pt x="1173138" y="550094"/>
-                  <a:pt x="1187810" y="540377"/>
-                  <a:pt x="1206097" y="532187"/>
-                </a:cubicBezTo>
-                <a:cubicBezTo>
-                  <a:pt x="1224765" y="523805"/>
-                  <a:pt x="1246292" y="521137"/>
-                  <a:pt x="1266867" y="518088"/>
-                </a:cubicBezTo>
-                <a:cubicBezTo>
-                  <a:pt x="1304588" y="512564"/>
-                  <a:pt x="1342499" y="509134"/>
-                  <a:pt x="1380219" y="504182"/>
-                </a:cubicBezTo>
-                <a:cubicBezTo>
-                  <a:pt x="1388221" y="503038"/>
-                  <a:pt x="1397365" y="500944"/>
-                  <a:pt x="1403461" y="496180"/>
-                </a:cubicBezTo>
-                <a:cubicBezTo>
-                  <a:pt x="1445181" y="464175"/>
-                  <a:pt x="1495858" y="455222"/>
-                  <a:pt x="1544054" y="458268"/>
-                </a:cubicBezTo>
-                <a:cubicBezTo>
-                  <a:pt x="1581965" y="460557"/>
-                  <a:pt x="1619114" y="462270"/>
-                  <a:pt x="1656644" y="459032"/>
-                </a:cubicBezTo>
-                <a:cubicBezTo>
-                  <a:pt x="1659502" y="458841"/>
-                  <a:pt x="1663312" y="459223"/>
-                  <a:pt x="1665406" y="460747"/>
-                </a:cubicBezTo>
-                <a:cubicBezTo>
-                  <a:pt x="1678360" y="470843"/>
-                  <a:pt x="1691887" y="471605"/>
-                  <a:pt x="1708461" y="473318"/>
-                </a:cubicBezTo>
-                <a:cubicBezTo>
-                  <a:pt x="1731894" y="475797"/>
-                  <a:pt x="1753421" y="474081"/>
-                  <a:pt x="1775140" y="469891"/>
-                </a:cubicBezTo>
-                <a:cubicBezTo>
-                  <a:pt x="1790952" y="466843"/>
-                  <a:pt x="1806953" y="460557"/>
-                  <a:pt x="1821051" y="452554"/>
-                </a:cubicBezTo>
-                <a:cubicBezTo>
-                  <a:pt x="1840672" y="441314"/>
-                  <a:pt x="1859535" y="436934"/>
-                  <a:pt x="1878203" y="451792"/>
-                </a:cubicBezTo>
-                <a:cubicBezTo>
-                  <a:pt x="1898396" y="467605"/>
-                  <a:pt x="1921257" y="462081"/>
-                  <a:pt x="1943547" y="462651"/>
-                </a:cubicBezTo>
-                <a:cubicBezTo>
-                  <a:pt x="1953262" y="462843"/>
-                  <a:pt x="1963550" y="462461"/>
-                  <a:pt x="1972884" y="464937"/>
-                </a:cubicBezTo>
-                <a:cubicBezTo>
-                  <a:pt x="1999935" y="471987"/>
-                  <a:pt x="2026036" y="482655"/>
-                  <a:pt x="2053469" y="487417"/>
-                </a:cubicBezTo>
-                <a:cubicBezTo>
-                  <a:pt x="2068710" y="490084"/>
-                  <a:pt x="2085664" y="485321"/>
-                  <a:pt x="2101477" y="481893"/>
-                </a:cubicBezTo>
-                <a:cubicBezTo>
-                  <a:pt x="2117479" y="478273"/>
-                  <a:pt x="2133290" y="472749"/>
-                  <a:pt x="2148722" y="467033"/>
-                </a:cubicBezTo>
-                <a:cubicBezTo>
-                  <a:pt x="2159199" y="463223"/>
-                  <a:pt x="2170629" y="459603"/>
-                  <a:pt x="2179011" y="452744"/>
-                </a:cubicBezTo>
-                <a:cubicBezTo>
-                  <a:pt x="2198064" y="437124"/>
-                  <a:pt x="2217685" y="434455"/>
-                  <a:pt x="2240165" y="442648"/>
-                </a:cubicBezTo>
-                <a:cubicBezTo>
-                  <a:pt x="2243593" y="443982"/>
-                  <a:pt x="2247594" y="443982"/>
-                  <a:pt x="2251404" y="444172"/>
-                </a:cubicBezTo>
-                <a:cubicBezTo>
-                  <a:pt x="2312370" y="448172"/>
-                  <a:pt x="2373330" y="450650"/>
-                  <a:pt x="2433912" y="456746"/>
-                </a:cubicBezTo>
-                <a:cubicBezTo>
-                  <a:pt x="2458485" y="459223"/>
-                  <a:pt x="2482107" y="470081"/>
-                  <a:pt x="2506302" y="476939"/>
-                </a:cubicBezTo>
-                <a:cubicBezTo>
-                  <a:pt x="2511256" y="478273"/>
-                  <a:pt x="2516783" y="480369"/>
-                  <a:pt x="2521735" y="479415"/>
-                </a:cubicBezTo>
-                <a:cubicBezTo>
-                  <a:pt x="2575647" y="469891"/>
-                  <a:pt x="2626132" y="483797"/>
-                  <a:pt x="2675854" y="502086"/>
-                </a:cubicBezTo>
-                <a:cubicBezTo>
-                  <a:pt x="2680996" y="503992"/>
-                  <a:pt x="2687282" y="503419"/>
-                  <a:pt x="2692998" y="503038"/>
-                </a:cubicBezTo>
-                <a:cubicBezTo>
-                  <a:pt x="2709003" y="501706"/>
-                  <a:pt x="2726337" y="495038"/>
-                  <a:pt x="2740816" y="499037"/>
-                </a:cubicBezTo>
-                <a:cubicBezTo>
-                  <a:pt x="2779297" y="510088"/>
-                  <a:pt x="2817398" y="523423"/>
-                  <a:pt x="2853596" y="540187"/>
-                </a:cubicBezTo>
-                <a:cubicBezTo>
-                  <a:pt x="2890365" y="557142"/>
-                  <a:pt x="2924464" y="571430"/>
-                  <a:pt x="2966565" y="554286"/>
-                </a:cubicBezTo>
-                <a:cubicBezTo>
-                  <a:pt x="2984472" y="547045"/>
-                  <a:pt x="3008095" y="552190"/>
-                  <a:pt x="3028671" y="554094"/>
-                </a:cubicBezTo>
-                <a:cubicBezTo>
-                  <a:pt x="3043720" y="555618"/>
-                  <a:pt x="3058198" y="564192"/>
-                  <a:pt x="3073059" y="564192"/>
-                </a:cubicBezTo>
-                <a:cubicBezTo>
-                  <a:pt x="3112686" y="564192"/>
-                  <a:pt x="3147927" y="574288"/>
-                  <a:pt x="3182219" y="594862"/>
-                </a:cubicBezTo>
-                <a:cubicBezTo>
-                  <a:pt x="3195557" y="602863"/>
-                  <a:pt x="3216322" y="597529"/>
-                  <a:pt x="3233656" y="599625"/>
-                </a:cubicBezTo>
-                <a:cubicBezTo>
-                  <a:pt x="3251947" y="602101"/>
-                  <a:pt x="3270804" y="604387"/>
-                  <a:pt x="3288332" y="609914"/>
-                </a:cubicBezTo>
-                <a:cubicBezTo>
-                  <a:pt x="3333672" y="624392"/>
-                  <a:pt x="3378441" y="640774"/>
-                  <a:pt x="3423591" y="656015"/>
-                </a:cubicBezTo>
-                <a:cubicBezTo>
-                  <a:pt x="3460738" y="668590"/>
-                  <a:pt x="3497317" y="658683"/>
-                  <a:pt x="3534084" y="653349"/>
-                </a:cubicBezTo>
-                <a:cubicBezTo>
-                  <a:pt x="3557137" y="649919"/>
-                  <a:pt x="3578662" y="641727"/>
-                  <a:pt x="3604571" y="653918"/>
-                </a:cubicBezTo>
-                <a:cubicBezTo>
-                  <a:pt x="3629338" y="665541"/>
-                  <a:pt x="3660771" y="662873"/>
-                  <a:pt x="3688586" y="669160"/>
-                </a:cubicBezTo>
-                <a:cubicBezTo>
-                  <a:pt x="3712020" y="674494"/>
-                  <a:pt x="3734687" y="683068"/>
-                  <a:pt x="3757358" y="691450"/>
-                </a:cubicBezTo>
-                <a:cubicBezTo>
-                  <a:pt x="3788221" y="702881"/>
-                  <a:pt x="3818700" y="714881"/>
-                  <a:pt x="3852421" y="709167"/>
-                </a:cubicBezTo>
-                <a:cubicBezTo>
-                  <a:pt x="3890714" y="702689"/>
-                  <a:pt x="3917001" y="727073"/>
-                  <a:pt x="3947104" y="743267"/>
-                </a:cubicBezTo>
-                <a:cubicBezTo>
-                  <a:pt x="3967869" y="754316"/>
-                  <a:pt x="3990538" y="762509"/>
-                  <a:pt x="4013208" y="769367"/>
-                </a:cubicBezTo>
-                <a:cubicBezTo>
-                  <a:pt x="4043497" y="778321"/>
-                  <a:pt x="4074740" y="783655"/>
-                  <a:pt x="4105222" y="792417"/>
-                </a:cubicBezTo>
-                <a:cubicBezTo>
-                  <a:pt x="4151325" y="805561"/>
-                  <a:pt x="4198001" y="815850"/>
-                  <a:pt x="4246006" y="808610"/>
-                </a:cubicBezTo>
-                <a:cubicBezTo>
-                  <a:pt x="4268105" y="805372"/>
-                  <a:pt x="4288682" y="805561"/>
-                  <a:pt x="4310779" y="810326"/>
-                </a:cubicBezTo>
-                <a:cubicBezTo>
-                  <a:pt x="4346974" y="818136"/>
-                  <a:pt x="4384123" y="819089"/>
-                  <a:pt x="4413272" y="848235"/>
-                </a:cubicBezTo>
-                <a:cubicBezTo>
-                  <a:pt x="4423558" y="858524"/>
-                  <a:pt x="4442037" y="861190"/>
-                  <a:pt x="4457087" y="866524"/>
-                </a:cubicBezTo>
-                <a:cubicBezTo>
-                  <a:pt x="4474424" y="872812"/>
-                  <a:pt x="4487186" y="869572"/>
-                  <a:pt x="4496523" y="851284"/>
-                </a:cubicBezTo>
-                <a:cubicBezTo>
-                  <a:pt x="4500713" y="843093"/>
-                  <a:pt x="4512715" y="835091"/>
-                  <a:pt x="4522050" y="833757"/>
-                </a:cubicBezTo>
-                <a:cubicBezTo>
-                  <a:pt x="4550055" y="829757"/>
-                  <a:pt x="4575773" y="835663"/>
-                  <a:pt x="4602824" y="848618"/>
-                </a:cubicBezTo>
-                <a:cubicBezTo>
-                  <a:pt x="4628161" y="860810"/>
-                  <a:pt x="4659786" y="859476"/>
-                  <a:pt x="4688553" y="864238"/>
-                </a:cubicBezTo>
-                <a:cubicBezTo>
-                  <a:pt x="4708936" y="867668"/>
-                  <a:pt x="4729321" y="874716"/>
-                  <a:pt x="4749895" y="874716"/>
-                </a:cubicBezTo>
-                <a:cubicBezTo>
-                  <a:pt x="4775424" y="874716"/>
-                  <a:pt x="4800761" y="868620"/>
-                  <a:pt x="4826480" y="866334"/>
-                </a:cubicBezTo>
-                <a:cubicBezTo>
-                  <a:pt x="4846482" y="864430"/>
-                  <a:pt x="4866867" y="865192"/>
-                  <a:pt x="4886870" y="862906"/>
-                </a:cubicBezTo>
-                <a:cubicBezTo>
-                  <a:pt x="4903254" y="861190"/>
-                  <a:pt x="4919447" y="856810"/>
-                  <a:pt x="4935639" y="853190"/>
-                </a:cubicBezTo>
-                <a:cubicBezTo>
-                  <a:pt x="4941546" y="851856"/>
-                  <a:pt x="4947452" y="846711"/>
-                  <a:pt x="4952784" y="847473"/>
-                </a:cubicBezTo>
-                <a:cubicBezTo>
-                  <a:pt x="5005745" y="855666"/>
-                  <a:pt x="5043847" y="819089"/>
-                  <a:pt x="5088617" y="802896"/>
-                </a:cubicBezTo>
-                <a:cubicBezTo>
-                  <a:pt x="5135672" y="785749"/>
-                  <a:pt x="5181204" y="759461"/>
-                  <a:pt x="5233781" y="767271"/>
-                </a:cubicBezTo>
-                <a:cubicBezTo>
-                  <a:pt x="5265596" y="772033"/>
-                  <a:pt x="5296267" y="783083"/>
-                  <a:pt x="5327893" y="789752"/>
-                </a:cubicBezTo>
-                <a:cubicBezTo>
-                  <a:pt x="5339132" y="792038"/>
-                  <a:pt x="5351705" y="791656"/>
-                  <a:pt x="5362946" y="789370"/>
-                </a:cubicBezTo>
-                <a:cubicBezTo>
-                  <a:pt x="5417240" y="778891"/>
-                  <a:pt x="5470771" y="777367"/>
-                  <a:pt x="5524115" y="794514"/>
-                </a:cubicBezTo>
-                <a:cubicBezTo>
-                  <a:pt x="5533257" y="797372"/>
-                  <a:pt x="5542974" y="800038"/>
-                  <a:pt x="5552500" y="800038"/>
-                </a:cubicBezTo>
-                <a:cubicBezTo>
-                  <a:pt x="5604697" y="800038"/>
-                  <a:pt x="5655944" y="796038"/>
-                  <a:pt x="5705857" y="777367"/>
-                </a:cubicBezTo>
-                <a:cubicBezTo>
-                  <a:pt x="5722622" y="771080"/>
-                  <a:pt x="5743006" y="775081"/>
-                  <a:pt x="5761485" y="773557"/>
-                </a:cubicBezTo>
-                <a:cubicBezTo>
-                  <a:pt x="5778629" y="772224"/>
-                  <a:pt x="5796156" y="771653"/>
-                  <a:pt x="5812731" y="767271"/>
-                </a:cubicBezTo>
-                <a:cubicBezTo>
-                  <a:pt x="5836925" y="760795"/>
-                  <a:pt x="5859404" y="760033"/>
-                  <a:pt x="5884361" y="765747"/>
-                </a:cubicBezTo>
-                <a:cubicBezTo>
-                  <a:pt x="5908174" y="771080"/>
-                  <a:pt x="5933892" y="768415"/>
-                  <a:pt x="5958660" y="768605"/>
-                </a:cubicBezTo>
-                <a:cubicBezTo>
-                  <a:pt x="5986282" y="768795"/>
-                  <a:pt x="6013906" y="768984"/>
-                  <a:pt x="6041528" y="768033"/>
-                </a:cubicBezTo>
-                <a:cubicBezTo>
-                  <a:pt x="6052579" y="767653"/>
-                  <a:pt x="6065151" y="760033"/>
-                  <a:pt x="6074297" y="763081"/>
-                </a:cubicBezTo>
-                <a:cubicBezTo>
-                  <a:pt x="6103824" y="773366"/>
-                  <a:pt x="6133353" y="760985"/>
-                  <a:pt x="6162880" y="766509"/>
-                </a:cubicBezTo>
-                <a:cubicBezTo>
-                  <a:pt x="6177360" y="769367"/>
-                  <a:pt x="6193743" y="761557"/>
-                  <a:pt x="6209364" y="760795"/>
-                </a:cubicBezTo>
-                <a:cubicBezTo>
-                  <a:pt x="6234892" y="759461"/>
-                  <a:pt x="6260419" y="760033"/>
-                  <a:pt x="6285948" y="759651"/>
-                </a:cubicBezTo>
-                <a:cubicBezTo>
-                  <a:pt x="6294330" y="759461"/>
-                  <a:pt x="6302523" y="758699"/>
-                  <a:pt x="6310905" y="758316"/>
-                </a:cubicBezTo>
-                <a:cubicBezTo>
-                  <a:pt x="6318335" y="757936"/>
-                  <a:pt x="6326145" y="756222"/>
-                  <a:pt x="6333194" y="757554"/>
-                </a:cubicBezTo>
-                <a:cubicBezTo>
-                  <a:pt x="6358723" y="762318"/>
-                  <a:pt x="6383869" y="770129"/>
-                  <a:pt x="6409586" y="773177"/>
-                </a:cubicBezTo>
-                <a:cubicBezTo>
-                  <a:pt x="6431875" y="775843"/>
-                  <a:pt x="6454928" y="772224"/>
-                  <a:pt x="6477407" y="774129"/>
-                </a:cubicBezTo>
-                <a:cubicBezTo>
-                  <a:pt x="6517032" y="777367"/>
-                  <a:pt x="6556657" y="783083"/>
-                  <a:pt x="6596283" y="786703"/>
-                </a:cubicBezTo>
-                <a:cubicBezTo>
-                  <a:pt x="6604857" y="787465"/>
-                  <a:pt x="6613809" y="782701"/>
-                  <a:pt x="6622573" y="782321"/>
-                </a:cubicBezTo>
-                <a:cubicBezTo>
-                  <a:pt x="6650006" y="781369"/>
-                  <a:pt x="6677439" y="781177"/>
-                  <a:pt x="6704872" y="780607"/>
-                </a:cubicBezTo>
-                <a:cubicBezTo>
-                  <a:pt x="6720493" y="780415"/>
-                  <a:pt x="6736305" y="780987"/>
-                  <a:pt x="6751738" y="779273"/>
-                </a:cubicBezTo>
-                <a:cubicBezTo>
-                  <a:pt x="6772120" y="776987"/>
-                  <a:pt x="6790599" y="773557"/>
-                  <a:pt x="6809650" y="788417"/>
-                </a:cubicBezTo>
-                <a:cubicBezTo>
-                  <a:pt x="6816984" y="794180"/>
-                  <a:pt x="6824819" y="797942"/>
-                  <a:pt x="6832976" y="800428"/>
-                </a:cubicBezTo>
-                <a:close/>
-              </a:path>
-            </a:pathLst>
-          </a:custGeom>
-          <a:blipFill dpi="0" rotWithShape="1">
-            <a:blip r:embed="rId4">
-              <a:alphaModFix amt="57000"/>
-            </a:blip>
-            <a:srcRect/>
-            <a:tile tx="0" ty="0" sx="100000" sy="100000" flip="none" algn="tl"/>
-          </a:blipFill>
-          <a:ln>
-            <a:noFill/>
-          </a:ln>
-          <a:effectLst/>
-        </p:spPr>
-        <p:style>
-          <a:lnRef idx="2">
-            <a:schemeClr val="accent1">
-              <a:shade val="50000"/>
-            </a:schemeClr>
-          </a:lnRef>
-          <a:fillRef idx="1">
-            <a:schemeClr val="accent1"/>
-          </a:fillRef>
-          <a:effectRef idx="0">
-            <a:schemeClr val="accent1"/>
-          </a:effectRef>
-          <a:fontRef idx="minor">
-            <a:schemeClr val="lt1"/>
-          </a:fontRef>
-        </p:style>
-        <p:txBody>
-          <a:bodyPr wrap="square" rtlCol="0" anchor="ctr">
-            <a:noAutofit/>
-          </a:bodyPr>
-          <a:lstStyle/>
-          <a:p>
-            <a:pPr algn="ctr"/>
-            <a:endParaRPr lang="en-US"/>
-          </a:p>
-        </p:txBody>
-      </p:sp>
-    </p:spTree>
-    <p:extLst>
-      <p:ext uri="{BB962C8B-B14F-4D97-AF65-F5344CB8AC3E}">
-        <p14:creationId xmlns:p14="http://schemas.microsoft.com/office/powerpoint/2010/main" val="2573284562"/>
-      </p:ext>
-    </p:extLst>
-  </p:cSld>
-  <p:clrMapOvr>
-    <a:masterClrMapping/>
-  </p:clrMapOvr>
-</p:sld>
-</file>
-
-<file path=ppt/slides/slide3.xml><?xml version="1.0" encoding="utf-8"?>
-<p:sld xmlns:a="http://schemas.openxmlformats.org/drawingml/2006/main" xmlns:r="http://schemas.openxmlformats.org/officeDocument/2006/relationships" xmlns:p="http://schemas.openxmlformats.org/presentationml/2006/main">
-  <p:cSld>
-    <p:bg>
-      <p:bgPr>
-        <a:solidFill>
-          <a:schemeClr val="bg1"/>
-        </a:solidFill>
-        <a:effectLst/>
-      </p:bgPr>
-    </p:bg>
-    <p:spTree>
-      <p:nvGrpSpPr>
-        <p:cNvPr id="1" name=""/>
-        <p:cNvGrpSpPr/>
-        <p:nvPr/>
-      </p:nvGrpSpPr>
-      <p:grpSpPr>
-        <a:xfrm>
-          <a:off x="0" y="0"/>
-          <a:ext cx="0" cy="0"/>
-          <a:chOff x="0" y="0"/>
-          <a:chExt cx="0" cy="0"/>
-        </a:xfrm>
-      </p:grpSpPr>
-      <p:sp useBgFill="1">
-        <p:nvSpPr>
           <p:cNvPr id="6" name="Rectangle 8">
             <a:extLst>
               <a:ext uri="{FF2B5EF4-FFF2-40B4-BE49-F238E27FC236}">
@@ -21574,7 +16564,7 @@
 </p:sld>
 </file>
 
-<file path=ppt/slides/slide4.xml><?xml version="1.0" encoding="utf-8"?>
+<file path=ppt/slides/slide3.xml><?xml version="1.0" encoding="utf-8"?>
 <p:sld xmlns:a="http://schemas.openxmlformats.org/drawingml/2006/main" xmlns:r="http://schemas.openxmlformats.org/officeDocument/2006/relationships" xmlns:p="http://schemas.openxmlformats.org/presentationml/2006/main">
   <p:cSld>
     <p:bg>
@@ -21716,7 +16706,7 @@
 </p:sld>
 </file>
 
-<file path=ppt/slides/slide5.xml><?xml version="1.0" encoding="utf-8"?>
+<file path=ppt/slides/slide4.xml><?xml version="1.0" encoding="utf-8"?>
 <p:sld xmlns:a="http://schemas.openxmlformats.org/drawingml/2006/main" xmlns:r="http://schemas.openxmlformats.org/officeDocument/2006/relationships" xmlns:p="http://schemas.openxmlformats.org/presentationml/2006/main">
   <p:cSld>
     <p:bg>
@@ -22237,7 +17227,7 @@
 </p:sld>
 </file>
 
-<file path=ppt/slides/slide6.xml><?xml version="1.0" encoding="utf-8"?>
+<file path=ppt/slides/slide5.xml><?xml version="1.0" encoding="utf-8"?>
 <p:sld xmlns:a="http://schemas.openxmlformats.org/drawingml/2006/main" xmlns:r="http://schemas.openxmlformats.org/officeDocument/2006/relationships" xmlns:p="http://schemas.openxmlformats.org/presentationml/2006/main">
   <p:cSld>
     <p:bg>
@@ -22486,7 +17476,7 @@
 </p:sld>
 </file>
 
-<file path=ppt/slides/slide7.xml><?xml version="1.0" encoding="utf-8"?>
+<file path=ppt/slides/slide6.xml><?xml version="1.0" encoding="utf-8"?>
 <p:sld xmlns:a="http://schemas.openxmlformats.org/drawingml/2006/main" xmlns:r="http://schemas.openxmlformats.org/officeDocument/2006/relationships" xmlns:p="http://schemas.openxmlformats.org/presentationml/2006/main">
   <p:cSld>
     <p:bg>
@@ -22692,7 +17682,7 @@
 </p:sld>
 </file>
 
-<file path=ppt/slides/slide8.xml><?xml version="1.0" encoding="utf-8"?>
+<file path=ppt/slides/slide7.xml><?xml version="1.0" encoding="utf-8"?>
 <p:sld xmlns:a="http://schemas.openxmlformats.org/drawingml/2006/main" xmlns:r="http://schemas.openxmlformats.org/officeDocument/2006/relationships" xmlns:p="http://schemas.openxmlformats.org/presentationml/2006/main">
   <p:cSld>
     <p:bg>
